--- a/machine_learning_intro/presentations/overview.pptx
+++ b/machine_learning_intro/presentations/overview.pptx
@@ -5,26 +5,26 @@
     <p:sldMasterId id="2147483648" r:id="rId2"/>
     <p:sldMasterId id="2147483661" r:id="rId3"/>
     <p:sldMasterId id="2147483674" r:id="rId4"/>
-    <p:sldMasterId id="2147483687" r:id="rId5"/>
   </p:sldMasterIdLst>
   <p:sldIdLst>
-    <p:sldId id="256" r:id="rId6"/>
-    <p:sldId id="257" r:id="rId7"/>
-    <p:sldId id="258" r:id="rId8"/>
-    <p:sldId id="259" r:id="rId9"/>
-    <p:sldId id="260" r:id="rId10"/>
-    <p:sldId id="261" r:id="rId11"/>
-    <p:sldId id="262" r:id="rId12"/>
-    <p:sldId id="263" r:id="rId13"/>
-    <p:sldId id="264" r:id="rId14"/>
-    <p:sldId id="265" r:id="rId15"/>
-    <p:sldId id="266" r:id="rId16"/>
-    <p:sldId id="267" r:id="rId17"/>
-    <p:sldId id="268" r:id="rId18"/>
-    <p:sldId id="269" r:id="rId19"/>
-    <p:sldId id="270" r:id="rId20"/>
-    <p:sldId id="271" r:id="rId21"/>
-    <p:sldId id="272" r:id="rId22"/>
+    <p:sldId id="256" r:id="rId5"/>
+    <p:sldId id="257" r:id="rId6"/>
+    <p:sldId id="258" r:id="rId7"/>
+    <p:sldId id="259" r:id="rId8"/>
+    <p:sldId id="260" r:id="rId9"/>
+    <p:sldId id="261" r:id="rId10"/>
+    <p:sldId id="262" r:id="rId11"/>
+    <p:sldId id="263" r:id="rId12"/>
+    <p:sldId id="264" r:id="rId13"/>
+    <p:sldId id="265" r:id="rId14"/>
+    <p:sldId id="266" r:id="rId15"/>
+    <p:sldId id="267" r:id="rId16"/>
+    <p:sldId id="268" r:id="rId17"/>
+    <p:sldId id="269" r:id="rId18"/>
+    <p:sldId id="270" r:id="rId19"/>
+    <p:sldId id="271" r:id="rId20"/>
+    <p:sldId id="272" r:id="rId21"/>
+    <p:sldId id="273" r:id="rId22"/>
   </p:sldIdLst>
   <p:sldSz cx="9144000" cy="6858000"/>
   <p:notesSz cx="7772400" cy="10058400"/>
@@ -72,7 +72,7 @@
       </p:grpSpPr>
       <p:sp>
         <p:nvSpPr>
-          <p:cNvPr id="26" name="PlaceHolder 1"/>
+          <p:cNvPr id="25" name="PlaceHolder 1"/>
           <p:cNvSpPr>
             <a:spLocks noGrp="1"/>
           </p:cNvSpPr>
@@ -83,7 +83,7 @@
         <p:spPr>
           <a:xfrm>
             <a:off x="457200" y="273600"/>
-            <a:ext cx="8229240" cy="1144800"/>
+            <a:ext cx="8228880" cy="1144440"/>
           </a:xfrm>
           <a:prstGeom prst="rect">
             <a:avLst/>
@@ -92,18 +92,16 @@
         <p:txBody>
           <a:bodyPr lIns="0" rIns="0" tIns="0" bIns="0" anchor="ctr"/>
           <a:p>
-            <a:endParaRPr b="0" lang="en-US" sz="1800" spc="-1" strike="noStrike">
-              <a:solidFill>
-                <a:srgbClr val="000000"/>
-              </a:solidFill>
-              <a:latin typeface="Calibri"/>
-            </a:endParaRPr>
-          </a:p>
-        </p:txBody>
-      </p:sp>
-      <p:sp>
-        <p:nvSpPr>
-          <p:cNvPr id="27" name="PlaceHolder 2"/>
+            <a:pPr algn="ctr"/>
+            <a:endParaRPr b="0" lang="en-US" sz="4400" spc="-1" strike="noStrike">
+              <a:latin typeface="Arial"/>
+            </a:endParaRPr>
+          </a:p>
+        </p:txBody>
+      </p:sp>
+      <p:sp>
+        <p:nvSpPr>
+          <p:cNvPr id="26" name="PlaceHolder 2"/>
           <p:cNvSpPr>
             <a:spLocks noGrp="1"/>
           </p:cNvSpPr>
@@ -114,7 +112,7 @@
         <p:spPr>
           <a:xfrm>
             <a:off x="457200" y="1604520"/>
-            <a:ext cx="8229240" cy="1896840"/>
+            <a:ext cx="8228880" cy="1896840"/>
           </a:xfrm>
           <a:prstGeom prst="rect">
             <a:avLst/>
@@ -125,18 +123,15 @@
             <a:normAutofit/>
           </a:bodyPr>
           <a:p>
-            <a:endParaRPr b="0" lang="en-US" sz="2800" spc="-1" strike="noStrike">
-              <a:solidFill>
-                <a:srgbClr val="000000"/>
-              </a:solidFill>
-              <a:latin typeface="Calibri"/>
-            </a:endParaRPr>
-          </a:p>
-        </p:txBody>
-      </p:sp>
-      <p:sp>
-        <p:nvSpPr>
-          <p:cNvPr id="28" name="PlaceHolder 3"/>
+            <a:endParaRPr b="0" lang="en-US" sz="3200" spc="-1" strike="noStrike">
+              <a:latin typeface="Arial"/>
+            </a:endParaRPr>
+          </a:p>
+        </p:txBody>
+      </p:sp>
+      <p:sp>
+        <p:nvSpPr>
+          <p:cNvPr id="27" name="PlaceHolder 3"/>
           <p:cNvSpPr>
             <a:spLocks noGrp="1"/>
           </p:cNvSpPr>
@@ -147,7 +142,7 @@
         <p:spPr>
           <a:xfrm>
             <a:off x="457200" y="3682080"/>
-            <a:ext cx="8229240" cy="1896840"/>
+            <a:ext cx="8228880" cy="1896840"/>
           </a:xfrm>
           <a:prstGeom prst="rect">
             <a:avLst/>
@@ -158,11 +153,8 @@
             <a:normAutofit/>
           </a:bodyPr>
           <a:p>
-            <a:endParaRPr b="0" lang="en-US" sz="2800" spc="-1" strike="noStrike">
-              <a:solidFill>
-                <a:srgbClr val="000000"/>
-              </a:solidFill>
-              <a:latin typeface="Calibri"/>
+            <a:endParaRPr b="0" lang="en-US" sz="3200" spc="-1" strike="noStrike">
+              <a:latin typeface="Arial"/>
             </a:endParaRPr>
           </a:p>
         </p:txBody>
@@ -191,7 +183,7 @@
       </p:grpSpPr>
       <p:sp>
         <p:nvSpPr>
-          <p:cNvPr id="29" name="PlaceHolder 1"/>
+          <p:cNvPr id="28" name="PlaceHolder 1"/>
           <p:cNvSpPr>
             <a:spLocks noGrp="1"/>
           </p:cNvSpPr>
@@ -202,7 +194,7 @@
         <p:spPr>
           <a:xfrm>
             <a:off x="457200" y="273600"/>
-            <a:ext cx="8229240" cy="1144800"/>
+            <a:ext cx="8228880" cy="1144440"/>
           </a:xfrm>
           <a:prstGeom prst="rect">
             <a:avLst/>
@@ -211,18 +203,16 @@
         <p:txBody>
           <a:bodyPr lIns="0" rIns="0" tIns="0" bIns="0" anchor="ctr"/>
           <a:p>
-            <a:endParaRPr b="0" lang="en-US" sz="1800" spc="-1" strike="noStrike">
-              <a:solidFill>
-                <a:srgbClr val="000000"/>
-              </a:solidFill>
-              <a:latin typeface="Calibri"/>
-            </a:endParaRPr>
-          </a:p>
-        </p:txBody>
-      </p:sp>
-      <p:sp>
-        <p:nvSpPr>
-          <p:cNvPr id="30" name="PlaceHolder 2"/>
+            <a:pPr algn="ctr"/>
+            <a:endParaRPr b="0" lang="en-US" sz="4400" spc="-1" strike="noStrike">
+              <a:latin typeface="Arial"/>
+            </a:endParaRPr>
+          </a:p>
+        </p:txBody>
+      </p:sp>
+      <p:sp>
+        <p:nvSpPr>
+          <p:cNvPr id="29" name="PlaceHolder 2"/>
           <p:cNvSpPr>
             <a:spLocks noGrp="1"/>
           </p:cNvSpPr>
@@ -233,7 +223,7 @@
         <p:spPr>
           <a:xfrm>
             <a:off x="457200" y="1604520"/>
-            <a:ext cx="4015800" cy="1896840"/>
+            <a:ext cx="4015440" cy="1896840"/>
           </a:xfrm>
           <a:prstGeom prst="rect">
             <a:avLst/>
@@ -244,18 +234,15 @@
             <a:normAutofit/>
           </a:bodyPr>
           <a:p>
-            <a:endParaRPr b="0" lang="en-US" sz="2800" spc="-1" strike="noStrike">
-              <a:solidFill>
-                <a:srgbClr val="000000"/>
-              </a:solidFill>
-              <a:latin typeface="Calibri"/>
-            </a:endParaRPr>
-          </a:p>
-        </p:txBody>
-      </p:sp>
-      <p:sp>
-        <p:nvSpPr>
-          <p:cNvPr id="31" name="PlaceHolder 3"/>
+            <a:endParaRPr b="0" lang="en-US" sz="3200" spc="-1" strike="noStrike">
+              <a:latin typeface="Arial"/>
+            </a:endParaRPr>
+          </a:p>
+        </p:txBody>
+      </p:sp>
+      <p:sp>
+        <p:nvSpPr>
+          <p:cNvPr id="30" name="PlaceHolder 3"/>
           <p:cNvSpPr>
             <a:spLocks noGrp="1"/>
           </p:cNvSpPr>
@@ -265,8 +252,8 @@
         </p:nvSpPr>
         <p:spPr>
           <a:xfrm>
-            <a:off x="4674240" y="1604520"/>
-            <a:ext cx="4015800" cy="1896840"/>
+            <a:off x="4673880" y="1604520"/>
+            <a:ext cx="4015440" cy="1896840"/>
           </a:xfrm>
           <a:prstGeom prst="rect">
             <a:avLst/>
@@ -277,18 +264,15 @@
             <a:normAutofit/>
           </a:bodyPr>
           <a:p>
-            <a:endParaRPr b="0" lang="en-US" sz="2800" spc="-1" strike="noStrike">
-              <a:solidFill>
-                <a:srgbClr val="000000"/>
-              </a:solidFill>
-              <a:latin typeface="Calibri"/>
-            </a:endParaRPr>
-          </a:p>
-        </p:txBody>
-      </p:sp>
-      <p:sp>
-        <p:nvSpPr>
-          <p:cNvPr id="32" name="PlaceHolder 4"/>
+            <a:endParaRPr b="0" lang="en-US" sz="3200" spc="-1" strike="noStrike">
+              <a:latin typeface="Arial"/>
+            </a:endParaRPr>
+          </a:p>
+        </p:txBody>
+      </p:sp>
+      <p:sp>
+        <p:nvSpPr>
+          <p:cNvPr id="31" name="PlaceHolder 4"/>
           <p:cNvSpPr>
             <a:spLocks noGrp="1"/>
           </p:cNvSpPr>
@@ -299,7 +283,7 @@
         <p:spPr>
           <a:xfrm>
             <a:off x="457200" y="3682080"/>
-            <a:ext cx="4015800" cy="1896840"/>
+            <a:ext cx="4015440" cy="1896840"/>
           </a:xfrm>
           <a:prstGeom prst="rect">
             <a:avLst/>
@@ -310,18 +294,15 @@
             <a:normAutofit/>
           </a:bodyPr>
           <a:p>
-            <a:endParaRPr b="0" lang="en-US" sz="2800" spc="-1" strike="noStrike">
-              <a:solidFill>
-                <a:srgbClr val="000000"/>
-              </a:solidFill>
-              <a:latin typeface="Calibri"/>
-            </a:endParaRPr>
-          </a:p>
-        </p:txBody>
-      </p:sp>
-      <p:sp>
-        <p:nvSpPr>
-          <p:cNvPr id="33" name="PlaceHolder 5"/>
+            <a:endParaRPr b="0" lang="en-US" sz="3200" spc="-1" strike="noStrike">
+              <a:latin typeface="Arial"/>
+            </a:endParaRPr>
+          </a:p>
+        </p:txBody>
+      </p:sp>
+      <p:sp>
+        <p:nvSpPr>
+          <p:cNvPr id="32" name="PlaceHolder 5"/>
           <p:cNvSpPr>
             <a:spLocks noGrp="1"/>
           </p:cNvSpPr>
@@ -331,8 +312,8 @@
         </p:nvSpPr>
         <p:spPr>
           <a:xfrm>
-            <a:off x="4674240" y="3682080"/>
-            <a:ext cx="4015800" cy="1896840"/>
+            <a:off x="4673880" y="3682080"/>
+            <a:ext cx="4015440" cy="1896840"/>
           </a:xfrm>
           <a:prstGeom prst="rect">
             <a:avLst/>
@@ -343,11 +324,8 @@
             <a:normAutofit/>
           </a:bodyPr>
           <a:p>
-            <a:endParaRPr b="0" lang="en-US" sz="2800" spc="-1" strike="noStrike">
-              <a:solidFill>
-                <a:srgbClr val="000000"/>
-              </a:solidFill>
-              <a:latin typeface="Calibri"/>
+            <a:endParaRPr b="0" lang="en-US" sz="3200" spc="-1" strike="noStrike">
+              <a:latin typeface="Arial"/>
             </a:endParaRPr>
           </a:p>
         </p:txBody>
@@ -376,7 +354,7 @@
       </p:grpSpPr>
       <p:sp>
         <p:nvSpPr>
-          <p:cNvPr id="34" name="PlaceHolder 1"/>
+          <p:cNvPr id="33" name="PlaceHolder 1"/>
           <p:cNvSpPr>
             <a:spLocks noGrp="1"/>
           </p:cNvSpPr>
@@ -387,7 +365,7 @@
         <p:spPr>
           <a:xfrm>
             <a:off x="457200" y="273600"/>
-            <a:ext cx="8229240" cy="1144800"/>
+            <a:ext cx="8228880" cy="1144440"/>
           </a:xfrm>
           <a:prstGeom prst="rect">
             <a:avLst/>
@@ -396,18 +374,16 @@
         <p:txBody>
           <a:bodyPr lIns="0" rIns="0" tIns="0" bIns="0" anchor="ctr"/>
           <a:p>
-            <a:endParaRPr b="0" lang="en-US" sz="1800" spc="-1" strike="noStrike">
-              <a:solidFill>
-                <a:srgbClr val="000000"/>
-              </a:solidFill>
-              <a:latin typeface="Calibri"/>
-            </a:endParaRPr>
-          </a:p>
-        </p:txBody>
-      </p:sp>
-      <p:sp>
-        <p:nvSpPr>
-          <p:cNvPr id="35" name="PlaceHolder 2"/>
+            <a:pPr algn="ctr"/>
+            <a:endParaRPr b="0" lang="en-US" sz="4400" spc="-1" strike="noStrike">
+              <a:latin typeface="Arial"/>
+            </a:endParaRPr>
+          </a:p>
+        </p:txBody>
+      </p:sp>
+      <p:sp>
+        <p:nvSpPr>
+          <p:cNvPr id="34" name="PlaceHolder 2"/>
           <p:cNvSpPr>
             <a:spLocks noGrp="1"/>
           </p:cNvSpPr>
@@ -429,18 +405,15 @@
             <a:normAutofit/>
           </a:bodyPr>
           <a:p>
-            <a:endParaRPr b="0" lang="en-US" sz="2800" spc="-1" strike="noStrike">
-              <a:solidFill>
-                <a:srgbClr val="000000"/>
-              </a:solidFill>
-              <a:latin typeface="Calibri"/>
-            </a:endParaRPr>
-          </a:p>
-        </p:txBody>
-      </p:sp>
-      <p:sp>
-        <p:nvSpPr>
-          <p:cNvPr id="36" name="PlaceHolder 3"/>
+            <a:endParaRPr b="0" lang="en-US" sz="3200" spc="-1" strike="noStrike">
+              <a:latin typeface="Arial"/>
+            </a:endParaRPr>
+          </a:p>
+        </p:txBody>
+      </p:sp>
+      <p:sp>
+        <p:nvSpPr>
+          <p:cNvPr id="35" name="PlaceHolder 3"/>
           <p:cNvSpPr>
             <a:spLocks noGrp="1"/>
           </p:cNvSpPr>
@@ -462,18 +435,15 @@
             <a:normAutofit/>
           </a:bodyPr>
           <a:p>
-            <a:endParaRPr b="0" lang="en-US" sz="2800" spc="-1" strike="noStrike">
-              <a:solidFill>
-                <a:srgbClr val="000000"/>
-              </a:solidFill>
-              <a:latin typeface="Calibri"/>
-            </a:endParaRPr>
-          </a:p>
-        </p:txBody>
-      </p:sp>
-      <p:sp>
-        <p:nvSpPr>
-          <p:cNvPr id="37" name="PlaceHolder 4"/>
+            <a:endParaRPr b="0" lang="en-US" sz="3200" spc="-1" strike="noStrike">
+              <a:latin typeface="Arial"/>
+            </a:endParaRPr>
+          </a:p>
+        </p:txBody>
+      </p:sp>
+      <p:sp>
+        <p:nvSpPr>
+          <p:cNvPr id="36" name="PlaceHolder 4"/>
           <p:cNvSpPr>
             <a:spLocks noGrp="1"/>
           </p:cNvSpPr>
@@ -495,18 +465,15 @@
             <a:normAutofit/>
           </a:bodyPr>
           <a:p>
-            <a:endParaRPr b="0" lang="en-US" sz="2800" spc="-1" strike="noStrike">
-              <a:solidFill>
-                <a:srgbClr val="000000"/>
-              </a:solidFill>
-              <a:latin typeface="Calibri"/>
-            </a:endParaRPr>
-          </a:p>
-        </p:txBody>
-      </p:sp>
-      <p:sp>
-        <p:nvSpPr>
-          <p:cNvPr id="38" name="PlaceHolder 5"/>
+            <a:endParaRPr b="0" lang="en-US" sz="3200" spc="-1" strike="noStrike">
+              <a:latin typeface="Arial"/>
+            </a:endParaRPr>
+          </a:p>
+        </p:txBody>
+      </p:sp>
+      <p:sp>
+        <p:nvSpPr>
+          <p:cNvPr id="37" name="PlaceHolder 5"/>
           <p:cNvSpPr>
             <a:spLocks noGrp="1"/>
           </p:cNvSpPr>
@@ -528,18 +495,15 @@
             <a:normAutofit/>
           </a:bodyPr>
           <a:p>
-            <a:endParaRPr b="0" lang="en-US" sz="2800" spc="-1" strike="noStrike">
-              <a:solidFill>
-                <a:srgbClr val="000000"/>
-              </a:solidFill>
-              <a:latin typeface="Calibri"/>
-            </a:endParaRPr>
-          </a:p>
-        </p:txBody>
-      </p:sp>
-      <p:sp>
-        <p:nvSpPr>
-          <p:cNvPr id="39" name="PlaceHolder 6"/>
+            <a:endParaRPr b="0" lang="en-US" sz="3200" spc="-1" strike="noStrike">
+              <a:latin typeface="Arial"/>
+            </a:endParaRPr>
+          </a:p>
+        </p:txBody>
+      </p:sp>
+      <p:sp>
+        <p:nvSpPr>
+          <p:cNvPr id="38" name="PlaceHolder 6"/>
           <p:cNvSpPr>
             <a:spLocks noGrp="1"/>
           </p:cNvSpPr>
@@ -561,18 +525,15 @@
             <a:normAutofit/>
           </a:bodyPr>
           <a:p>
-            <a:endParaRPr b="0" lang="en-US" sz="2800" spc="-1" strike="noStrike">
-              <a:solidFill>
-                <a:srgbClr val="000000"/>
-              </a:solidFill>
-              <a:latin typeface="Calibri"/>
-            </a:endParaRPr>
-          </a:p>
-        </p:txBody>
-      </p:sp>
-      <p:sp>
-        <p:nvSpPr>
-          <p:cNvPr id="40" name="PlaceHolder 7"/>
+            <a:endParaRPr b="0" lang="en-US" sz="3200" spc="-1" strike="noStrike">
+              <a:latin typeface="Arial"/>
+            </a:endParaRPr>
+          </a:p>
+        </p:txBody>
+      </p:sp>
+      <p:sp>
+        <p:nvSpPr>
+          <p:cNvPr id="39" name="PlaceHolder 7"/>
           <p:cNvSpPr>
             <a:spLocks noGrp="1"/>
           </p:cNvSpPr>
@@ -594,11 +555,8 @@
             <a:normAutofit/>
           </a:bodyPr>
           <a:p>
-            <a:endParaRPr b="0" lang="en-US" sz="2800" spc="-1" strike="noStrike">
-              <a:solidFill>
-                <a:srgbClr val="000000"/>
-              </a:solidFill>
-              <a:latin typeface="Calibri"/>
+            <a:endParaRPr b="0" lang="en-US" sz="3200" spc="-1" strike="noStrike">
+              <a:latin typeface="Arial"/>
             </a:endParaRPr>
           </a:p>
         </p:txBody>
@@ -649,7 +607,7 @@
       </p:grpSpPr>
       <p:sp>
         <p:nvSpPr>
-          <p:cNvPr id="46" name="PlaceHolder 1"/>
+          <p:cNvPr id="44" name="PlaceHolder 1"/>
           <p:cNvSpPr>
             <a:spLocks noGrp="1"/>
           </p:cNvSpPr>
@@ -660,7 +618,7 @@
         <p:spPr>
           <a:xfrm>
             <a:off x="457200" y="273600"/>
-            <a:ext cx="8229240" cy="1144800"/>
+            <a:ext cx="8228880" cy="1144440"/>
           </a:xfrm>
           <a:prstGeom prst="rect">
             <a:avLst/>
@@ -669,18 +627,16 @@
         <p:txBody>
           <a:bodyPr lIns="0" rIns="0" tIns="0" bIns="0" anchor="ctr"/>
           <a:p>
-            <a:endParaRPr b="0" lang="en-US" sz="1800" spc="-1" strike="noStrike">
-              <a:solidFill>
-                <a:srgbClr val="000000"/>
-              </a:solidFill>
-              <a:latin typeface="Calibri"/>
-            </a:endParaRPr>
-          </a:p>
-        </p:txBody>
-      </p:sp>
-      <p:sp>
-        <p:nvSpPr>
-          <p:cNvPr id="47" name="PlaceHolder 2"/>
+            <a:pPr algn="ctr"/>
+            <a:endParaRPr b="0" lang="en-US" sz="4400" spc="-1" strike="noStrike">
+              <a:latin typeface="Arial"/>
+            </a:endParaRPr>
+          </a:p>
+        </p:txBody>
+      </p:sp>
+      <p:sp>
+        <p:nvSpPr>
+          <p:cNvPr id="45" name="PlaceHolder 2"/>
           <p:cNvSpPr>
             <a:spLocks noGrp="1"/>
           </p:cNvSpPr>
@@ -691,7 +647,7 @@
         <p:spPr>
           <a:xfrm>
             <a:off x="457200" y="1604520"/>
-            <a:ext cx="8229240" cy="3977280"/>
+            <a:ext cx="8228880" cy="3976920"/>
           </a:xfrm>
           <a:prstGeom prst="rect">
             <a:avLst/>
@@ -731,7 +687,7 @@
       </p:grpSpPr>
       <p:sp>
         <p:nvSpPr>
-          <p:cNvPr id="48" name="PlaceHolder 1"/>
+          <p:cNvPr id="46" name="PlaceHolder 1"/>
           <p:cNvSpPr>
             <a:spLocks noGrp="1"/>
           </p:cNvSpPr>
@@ -742,7 +698,7 @@
         <p:spPr>
           <a:xfrm>
             <a:off x="457200" y="273600"/>
-            <a:ext cx="8229240" cy="1144800"/>
+            <a:ext cx="8228880" cy="1144440"/>
           </a:xfrm>
           <a:prstGeom prst="rect">
             <a:avLst/>
@@ -751,18 +707,16 @@
         <p:txBody>
           <a:bodyPr lIns="0" rIns="0" tIns="0" bIns="0" anchor="ctr"/>
           <a:p>
-            <a:endParaRPr b="0" lang="en-US" sz="1800" spc="-1" strike="noStrike">
-              <a:solidFill>
-                <a:srgbClr val="000000"/>
-              </a:solidFill>
-              <a:latin typeface="Calibri"/>
-            </a:endParaRPr>
-          </a:p>
-        </p:txBody>
-      </p:sp>
-      <p:sp>
-        <p:nvSpPr>
-          <p:cNvPr id="49" name="PlaceHolder 2"/>
+            <a:pPr algn="ctr"/>
+            <a:endParaRPr b="0" lang="en-US" sz="4400" spc="-1" strike="noStrike">
+              <a:latin typeface="Arial"/>
+            </a:endParaRPr>
+          </a:p>
+        </p:txBody>
+      </p:sp>
+      <p:sp>
+        <p:nvSpPr>
+          <p:cNvPr id="47" name="PlaceHolder 2"/>
           <p:cNvSpPr>
             <a:spLocks noGrp="1"/>
           </p:cNvSpPr>
@@ -773,7 +727,7 @@
         <p:spPr>
           <a:xfrm>
             <a:off x="457200" y="1604520"/>
-            <a:ext cx="8229240" cy="3977280"/>
+            <a:ext cx="8228880" cy="3976920"/>
           </a:xfrm>
           <a:prstGeom prst="rect">
             <a:avLst/>
@@ -784,11 +738,8 @@
             <a:normAutofit/>
           </a:bodyPr>
           <a:p>
-            <a:endParaRPr b="0" lang="en-US" sz="2800" spc="-1" strike="noStrike">
-              <a:solidFill>
-                <a:srgbClr val="000000"/>
-              </a:solidFill>
-              <a:latin typeface="Calibri"/>
+            <a:endParaRPr b="0" lang="en-US" sz="3200" spc="-1" strike="noStrike">
+              <a:latin typeface="Arial"/>
             </a:endParaRPr>
           </a:p>
         </p:txBody>
@@ -817,7 +768,7 @@
       </p:grpSpPr>
       <p:sp>
         <p:nvSpPr>
-          <p:cNvPr id="50" name="PlaceHolder 1"/>
+          <p:cNvPr id="48" name="PlaceHolder 1"/>
           <p:cNvSpPr>
             <a:spLocks noGrp="1"/>
           </p:cNvSpPr>
@@ -828,7 +779,7 @@
         <p:spPr>
           <a:xfrm>
             <a:off x="457200" y="273600"/>
-            <a:ext cx="8229240" cy="1144800"/>
+            <a:ext cx="8228880" cy="1144440"/>
           </a:xfrm>
           <a:prstGeom prst="rect">
             <a:avLst/>
@@ -837,18 +788,16 @@
         <p:txBody>
           <a:bodyPr lIns="0" rIns="0" tIns="0" bIns="0" anchor="ctr"/>
           <a:p>
-            <a:endParaRPr b="0" lang="en-US" sz="1800" spc="-1" strike="noStrike">
-              <a:solidFill>
-                <a:srgbClr val="000000"/>
-              </a:solidFill>
-              <a:latin typeface="Calibri"/>
-            </a:endParaRPr>
-          </a:p>
-        </p:txBody>
-      </p:sp>
-      <p:sp>
-        <p:nvSpPr>
-          <p:cNvPr id="51" name="PlaceHolder 2"/>
+            <a:pPr algn="ctr"/>
+            <a:endParaRPr b="0" lang="en-US" sz="4400" spc="-1" strike="noStrike">
+              <a:latin typeface="Arial"/>
+            </a:endParaRPr>
+          </a:p>
+        </p:txBody>
+      </p:sp>
+      <p:sp>
+        <p:nvSpPr>
+          <p:cNvPr id="49" name="PlaceHolder 2"/>
           <p:cNvSpPr>
             <a:spLocks noGrp="1"/>
           </p:cNvSpPr>
@@ -859,7 +808,7 @@
         <p:spPr>
           <a:xfrm>
             <a:off x="457200" y="1604520"/>
-            <a:ext cx="4015800" cy="3977280"/>
+            <a:ext cx="4015440" cy="3976920"/>
           </a:xfrm>
           <a:prstGeom prst="rect">
             <a:avLst/>
@@ -870,18 +819,15 @@
             <a:normAutofit/>
           </a:bodyPr>
           <a:p>
-            <a:endParaRPr b="0" lang="en-US" sz="2800" spc="-1" strike="noStrike">
-              <a:solidFill>
-                <a:srgbClr val="000000"/>
-              </a:solidFill>
-              <a:latin typeface="Calibri"/>
-            </a:endParaRPr>
-          </a:p>
-        </p:txBody>
-      </p:sp>
-      <p:sp>
-        <p:nvSpPr>
-          <p:cNvPr id="52" name="PlaceHolder 3"/>
+            <a:endParaRPr b="0" lang="en-US" sz="3200" spc="-1" strike="noStrike">
+              <a:latin typeface="Arial"/>
+            </a:endParaRPr>
+          </a:p>
+        </p:txBody>
+      </p:sp>
+      <p:sp>
+        <p:nvSpPr>
+          <p:cNvPr id="50" name="PlaceHolder 3"/>
           <p:cNvSpPr>
             <a:spLocks noGrp="1"/>
           </p:cNvSpPr>
@@ -891,8 +837,8 @@
         </p:nvSpPr>
         <p:spPr>
           <a:xfrm>
-            <a:off x="4674240" y="1604520"/>
-            <a:ext cx="4015800" cy="3977280"/>
+            <a:off x="4673880" y="1604520"/>
+            <a:ext cx="4015440" cy="3976920"/>
           </a:xfrm>
           <a:prstGeom prst="rect">
             <a:avLst/>
@@ -903,11 +849,8 @@
             <a:normAutofit/>
           </a:bodyPr>
           <a:p>
-            <a:endParaRPr b="0" lang="en-US" sz="2800" spc="-1" strike="noStrike">
-              <a:solidFill>
-                <a:srgbClr val="000000"/>
-              </a:solidFill>
-              <a:latin typeface="Calibri"/>
+            <a:endParaRPr b="0" lang="en-US" sz="3200" spc="-1" strike="noStrike">
+              <a:latin typeface="Arial"/>
             </a:endParaRPr>
           </a:p>
         </p:txBody>
@@ -936,7 +879,7 @@
       </p:grpSpPr>
       <p:sp>
         <p:nvSpPr>
-          <p:cNvPr id="53" name="PlaceHolder 1"/>
+          <p:cNvPr id="51" name="PlaceHolder 1"/>
           <p:cNvSpPr>
             <a:spLocks noGrp="1"/>
           </p:cNvSpPr>
@@ -947,7 +890,7 @@
         <p:spPr>
           <a:xfrm>
             <a:off x="457200" y="273600"/>
-            <a:ext cx="8229240" cy="1144800"/>
+            <a:ext cx="8228880" cy="1144440"/>
           </a:xfrm>
           <a:prstGeom prst="rect">
             <a:avLst/>
@@ -956,11 +899,9 @@
         <p:txBody>
           <a:bodyPr lIns="0" rIns="0" tIns="0" bIns="0" anchor="ctr"/>
           <a:p>
-            <a:endParaRPr b="0" lang="en-US" sz="1800" spc="-1" strike="noStrike">
-              <a:solidFill>
-                <a:srgbClr val="000000"/>
-              </a:solidFill>
-              <a:latin typeface="Calibri"/>
+            <a:pPr algn="ctr"/>
+            <a:endParaRPr b="0" lang="en-US" sz="4400" spc="-1" strike="noStrike">
+              <a:latin typeface="Arial"/>
             </a:endParaRPr>
           </a:p>
         </p:txBody>
@@ -989,7 +930,7 @@
       </p:grpSpPr>
       <p:sp>
         <p:nvSpPr>
-          <p:cNvPr id="54" name="PlaceHolder 1"/>
+          <p:cNvPr id="52" name="PlaceHolder 1"/>
           <p:cNvSpPr>
             <a:spLocks noGrp="1"/>
           </p:cNvSpPr>
@@ -1000,7 +941,7 @@
         <p:spPr>
           <a:xfrm>
             <a:off x="457200" y="273600"/>
-            <a:ext cx="8229240" cy="5307840"/>
+            <a:ext cx="8228880" cy="5306400"/>
           </a:xfrm>
           <a:prstGeom prst="rect">
             <a:avLst/>
@@ -1040,7 +981,7 @@
       </p:grpSpPr>
       <p:sp>
         <p:nvSpPr>
-          <p:cNvPr id="55" name="PlaceHolder 1"/>
+          <p:cNvPr id="53" name="PlaceHolder 1"/>
           <p:cNvSpPr>
             <a:spLocks noGrp="1"/>
           </p:cNvSpPr>
@@ -1051,7 +992,7 @@
         <p:spPr>
           <a:xfrm>
             <a:off x="457200" y="273600"/>
-            <a:ext cx="8229240" cy="1144800"/>
+            <a:ext cx="8228880" cy="1144440"/>
           </a:xfrm>
           <a:prstGeom prst="rect">
             <a:avLst/>
@@ -1060,18 +1001,16 @@
         <p:txBody>
           <a:bodyPr lIns="0" rIns="0" tIns="0" bIns="0" anchor="ctr"/>
           <a:p>
-            <a:endParaRPr b="0" lang="en-US" sz="1800" spc="-1" strike="noStrike">
-              <a:solidFill>
-                <a:srgbClr val="000000"/>
-              </a:solidFill>
-              <a:latin typeface="Calibri"/>
-            </a:endParaRPr>
-          </a:p>
-        </p:txBody>
-      </p:sp>
-      <p:sp>
-        <p:nvSpPr>
-          <p:cNvPr id="56" name="PlaceHolder 2"/>
+            <a:pPr algn="ctr"/>
+            <a:endParaRPr b="0" lang="en-US" sz="4400" spc="-1" strike="noStrike">
+              <a:latin typeface="Arial"/>
+            </a:endParaRPr>
+          </a:p>
+        </p:txBody>
+      </p:sp>
+      <p:sp>
+        <p:nvSpPr>
+          <p:cNvPr id="54" name="PlaceHolder 2"/>
           <p:cNvSpPr>
             <a:spLocks noGrp="1"/>
           </p:cNvSpPr>
@@ -1082,7 +1021,7 @@
         <p:spPr>
           <a:xfrm>
             <a:off x="457200" y="1604520"/>
-            <a:ext cx="4015800" cy="1896840"/>
+            <a:ext cx="4015440" cy="1896840"/>
           </a:xfrm>
           <a:prstGeom prst="rect">
             <a:avLst/>
@@ -1093,18 +1032,15 @@
             <a:normAutofit/>
           </a:bodyPr>
           <a:p>
-            <a:endParaRPr b="0" lang="en-US" sz="2800" spc="-1" strike="noStrike">
-              <a:solidFill>
-                <a:srgbClr val="000000"/>
-              </a:solidFill>
-              <a:latin typeface="Calibri"/>
-            </a:endParaRPr>
-          </a:p>
-        </p:txBody>
-      </p:sp>
-      <p:sp>
-        <p:nvSpPr>
-          <p:cNvPr id="57" name="PlaceHolder 3"/>
+            <a:endParaRPr b="0" lang="en-US" sz="3200" spc="-1" strike="noStrike">
+              <a:latin typeface="Arial"/>
+            </a:endParaRPr>
+          </a:p>
+        </p:txBody>
+      </p:sp>
+      <p:sp>
+        <p:nvSpPr>
+          <p:cNvPr id="55" name="PlaceHolder 3"/>
           <p:cNvSpPr>
             <a:spLocks noGrp="1"/>
           </p:cNvSpPr>
@@ -1114,8 +1050,8 @@
         </p:nvSpPr>
         <p:spPr>
           <a:xfrm>
-            <a:off x="4674240" y="1604520"/>
-            <a:ext cx="4015800" cy="3977280"/>
+            <a:off x="4673880" y="1604520"/>
+            <a:ext cx="4015440" cy="3976920"/>
           </a:xfrm>
           <a:prstGeom prst="rect">
             <a:avLst/>
@@ -1126,18 +1062,15 @@
             <a:normAutofit/>
           </a:bodyPr>
           <a:p>
-            <a:endParaRPr b="0" lang="en-US" sz="2800" spc="-1" strike="noStrike">
-              <a:solidFill>
-                <a:srgbClr val="000000"/>
-              </a:solidFill>
-              <a:latin typeface="Calibri"/>
-            </a:endParaRPr>
-          </a:p>
-        </p:txBody>
-      </p:sp>
-      <p:sp>
-        <p:nvSpPr>
-          <p:cNvPr id="58" name="PlaceHolder 4"/>
+            <a:endParaRPr b="0" lang="en-US" sz="3200" spc="-1" strike="noStrike">
+              <a:latin typeface="Arial"/>
+            </a:endParaRPr>
+          </a:p>
+        </p:txBody>
+      </p:sp>
+      <p:sp>
+        <p:nvSpPr>
+          <p:cNvPr id="56" name="PlaceHolder 4"/>
           <p:cNvSpPr>
             <a:spLocks noGrp="1"/>
           </p:cNvSpPr>
@@ -1148,7 +1081,7 @@
         <p:spPr>
           <a:xfrm>
             <a:off x="457200" y="3682080"/>
-            <a:ext cx="4015800" cy="1896840"/>
+            <a:ext cx="4015440" cy="1896840"/>
           </a:xfrm>
           <a:prstGeom prst="rect">
             <a:avLst/>
@@ -1159,11 +1092,8 @@
             <a:normAutofit/>
           </a:bodyPr>
           <a:p>
-            <a:endParaRPr b="0" lang="en-US" sz="2800" spc="-1" strike="noStrike">
-              <a:solidFill>
-                <a:srgbClr val="000000"/>
-              </a:solidFill>
-              <a:latin typeface="Calibri"/>
+            <a:endParaRPr b="0" lang="en-US" sz="3200" spc="-1" strike="noStrike">
+              <a:latin typeface="Arial"/>
             </a:endParaRPr>
           </a:p>
         </p:txBody>
@@ -1192,7 +1122,7 @@
       </p:grpSpPr>
       <p:sp>
         <p:nvSpPr>
-          <p:cNvPr id="5" name="PlaceHolder 1"/>
+          <p:cNvPr id="4" name="PlaceHolder 1"/>
           <p:cNvSpPr>
             <a:spLocks noGrp="1"/>
           </p:cNvSpPr>
@@ -1203,7 +1133,7 @@
         <p:spPr>
           <a:xfrm>
             <a:off x="457200" y="273600"/>
-            <a:ext cx="8229240" cy="1144800"/>
+            <a:ext cx="8228880" cy="1144440"/>
           </a:xfrm>
           <a:prstGeom prst="rect">
             <a:avLst/>
@@ -1212,18 +1142,16 @@
         <p:txBody>
           <a:bodyPr lIns="0" rIns="0" tIns="0" bIns="0" anchor="ctr"/>
           <a:p>
-            <a:endParaRPr b="0" lang="en-US" sz="1800" spc="-1" strike="noStrike">
-              <a:solidFill>
-                <a:srgbClr val="000000"/>
-              </a:solidFill>
-              <a:latin typeface="Calibri"/>
-            </a:endParaRPr>
-          </a:p>
-        </p:txBody>
-      </p:sp>
-      <p:sp>
-        <p:nvSpPr>
-          <p:cNvPr id="6" name="PlaceHolder 2"/>
+            <a:pPr algn="ctr"/>
+            <a:endParaRPr b="0" lang="en-US" sz="4400" spc="-1" strike="noStrike">
+              <a:latin typeface="Arial"/>
+            </a:endParaRPr>
+          </a:p>
+        </p:txBody>
+      </p:sp>
+      <p:sp>
+        <p:nvSpPr>
+          <p:cNvPr id="5" name="PlaceHolder 2"/>
           <p:cNvSpPr>
             <a:spLocks noGrp="1"/>
           </p:cNvSpPr>
@@ -1234,7 +1162,7 @@
         <p:spPr>
           <a:xfrm>
             <a:off x="457200" y="1604520"/>
-            <a:ext cx="8229240" cy="3977280"/>
+            <a:ext cx="8228880" cy="3976920"/>
           </a:xfrm>
           <a:prstGeom prst="rect">
             <a:avLst/>
@@ -1274,7 +1202,7 @@
       </p:grpSpPr>
       <p:sp>
         <p:nvSpPr>
-          <p:cNvPr id="59" name="PlaceHolder 1"/>
+          <p:cNvPr id="57" name="PlaceHolder 1"/>
           <p:cNvSpPr>
             <a:spLocks noGrp="1"/>
           </p:cNvSpPr>
@@ -1285,7 +1213,7 @@
         <p:spPr>
           <a:xfrm>
             <a:off x="457200" y="273600"/>
-            <a:ext cx="8229240" cy="1144800"/>
+            <a:ext cx="8228880" cy="1144440"/>
           </a:xfrm>
           <a:prstGeom prst="rect">
             <a:avLst/>
@@ -1294,18 +1222,16 @@
         <p:txBody>
           <a:bodyPr lIns="0" rIns="0" tIns="0" bIns="0" anchor="ctr"/>
           <a:p>
-            <a:endParaRPr b="0" lang="en-US" sz="1800" spc="-1" strike="noStrike">
-              <a:solidFill>
-                <a:srgbClr val="000000"/>
-              </a:solidFill>
-              <a:latin typeface="Calibri"/>
-            </a:endParaRPr>
-          </a:p>
-        </p:txBody>
-      </p:sp>
-      <p:sp>
-        <p:nvSpPr>
-          <p:cNvPr id="60" name="PlaceHolder 2"/>
+            <a:pPr algn="ctr"/>
+            <a:endParaRPr b="0" lang="en-US" sz="4400" spc="-1" strike="noStrike">
+              <a:latin typeface="Arial"/>
+            </a:endParaRPr>
+          </a:p>
+        </p:txBody>
+      </p:sp>
+      <p:sp>
+        <p:nvSpPr>
+          <p:cNvPr id="58" name="PlaceHolder 2"/>
           <p:cNvSpPr>
             <a:spLocks noGrp="1"/>
           </p:cNvSpPr>
@@ -1316,7 +1242,7 @@
         <p:spPr>
           <a:xfrm>
             <a:off x="457200" y="1604520"/>
-            <a:ext cx="4015800" cy="3977280"/>
+            <a:ext cx="4015440" cy="3976920"/>
           </a:xfrm>
           <a:prstGeom prst="rect">
             <a:avLst/>
@@ -1327,18 +1253,15 @@
             <a:normAutofit/>
           </a:bodyPr>
           <a:p>
-            <a:endParaRPr b="0" lang="en-US" sz="2800" spc="-1" strike="noStrike">
-              <a:solidFill>
-                <a:srgbClr val="000000"/>
-              </a:solidFill>
-              <a:latin typeface="Calibri"/>
-            </a:endParaRPr>
-          </a:p>
-        </p:txBody>
-      </p:sp>
-      <p:sp>
-        <p:nvSpPr>
-          <p:cNvPr id="61" name="PlaceHolder 3"/>
+            <a:endParaRPr b="0" lang="en-US" sz="3200" spc="-1" strike="noStrike">
+              <a:latin typeface="Arial"/>
+            </a:endParaRPr>
+          </a:p>
+        </p:txBody>
+      </p:sp>
+      <p:sp>
+        <p:nvSpPr>
+          <p:cNvPr id="59" name="PlaceHolder 3"/>
           <p:cNvSpPr>
             <a:spLocks noGrp="1"/>
           </p:cNvSpPr>
@@ -1348,8 +1271,8 @@
         </p:nvSpPr>
         <p:spPr>
           <a:xfrm>
-            <a:off x="4674240" y="1604520"/>
-            <a:ext cx="4015800" cy="1896840"/>
+            <a:off x="4673880" y="1604520"/>
+            <a:ext cx="4015440" cy="1896840"/>
           </a:xfrm>
           <a:prstGeom prst="rect">
             <a:avLst/>
@@ -1360,18 +1283,15 @@
             <a:normAutofit/>
           </a:bodyPr>
           <a:p>
-            <a:endParaRPr b="0" lang="en-US" sz="2800" spc="-1" strike="noStrike">
-              <a:solidFill>
-                <a:srgbClr val="000000"/>
-              </a:solidFill>
-              <a:latin typeface="Calibri"/>
-            </a:endParaRPr>
-          </a:p>
-        </p:txBody>
-      </p:sp>
-      <p:sp>
-        <p:nvSpPr>
-          <p:cNvPr id="62" name="PlaceHolder 4"/>
+            <a:endParaRPr b="0" lang="en-US" sz="3200" spc="-1" strike="noStrike">
+              <a:latin typeface="Arial"/>
+            </a:endParaRPr>
+          </a:p>
+        </p:txBody>
+      </p:sp>
+      <p:sp>
+        <p:nvSpPr>
+          <p:cNvPr id="60" name="PlaceHolder 4"/>
           <p:cNvSpPr>
             <a:spLocks noGrp="1"/>
           </p:cNvSpPr>
@@ -1381,8 +1301,8 @@
         </p:nvSpPr>
         <p:spPr>
           <a:xfrm>
-            <a:off x="4674240" y="3682080"/>
-            <a:ext cx="4015800" cy="1896840"/>
+            <a:off x="4673880" y="3682080"/>
+            <a:ext cx="4015440" cy="1896840"/>
           </a:xfrm>
           <a:prstGeom prst="rect">
             <a:avLst/>
@@ -1393,11 +1313,8 @@
             <a:normAutofit/>
           </a:bodyPr>
           <a:p>
-            <a:endParaRPr b="0" lang="en-US" sz="2800" spc="-1" strike="noStrike">
-              <a:solidFill>
-                <a:srgbClr val="000000"/>
-              </a:solidFill>
-              <a:latin typeface="Calibri"/>
+            <a:endParaRPr b="0" lang="en-US" sz="3200" spc="-1" strike="noStrike">
+              <a:latin typeface="Arial"/>
             </a:endParaRPr>
           </a:p>
         </p:txBody>
@@ -1426,7 +1343,7 @@
       </p:grpSpPr>
       <p:sp>
         <p:nvSpPr>
-          <p:cNvPr id="63" name="PlaceHolder 1"/>
+          <p:cNvPr id="61" name="PlaceHolder 1"/>
           <p:cNvSpPr>
             <a:spLocks noGrp="1"/>
           </p:cNvSpPr>
@@ -1437,7 +1354,7 @@
         <p:spPr>
           <a:xfrm>
             <a:off x="457200" y="273600"/>
-            <a:ext cx="8229240" cy="1144800"/>
+            <a:ext cx="8228880" cy="1144440"/>
           </a:xfrm>
           <a:prstGeom prst="rect">
             <a:avLst/>
@@ -1446,18 +1363,16 @@
         <p:txBody>
           <a:bodyPr lIns="0" rIns="0" tIns="0" bIns="0" anchor="ctr"/>
           <a:p>
-            <a:endParaRPr b="0" lang="en-US" sz="1800" spc="-1" strike="noStrike">
-              <a:solidFill>
-                <a:srgbClr val="000000"/>
-              </a:solidFill>
-              <a:latin typeface="Calibri"/>
-            </a:endParaRPr>
-          </a:p>
-        </p:txBody>
-      </p:sp>
-      <p:sp>
-        <p:nvSpPr>
-          <p:cNvPr id="64" name="PlaceHolder 2"/>
+            <a:pPr algn="ctr"/>
+            <a:endParaRPr b="0" lang="en-US" sz="4400" spc="-1" strike="noStrike">
+              <a:latin typeface="Arial"/>
+            </a:endParaRPr>
+          </a:p>
+        </p:txBody>
+      </p:sp>
+      <p:sp>
+        <p:nvSpPr>
+          <p:cNvPr id="62" name="PlaceHolder 2"/>
           <p:cNvSpPr>
             <a:spLocks noGrp="1"/>
           </p:cNvSpPr>
@@ -1468,7 +1383,7 @@
         <p:spPr>
           <a:xfrm>
             <a:off x="457200" y="1604520"/>
-            <a:ext cx="4015800" cy="1896840"/>
+            <a:ext cx="4015440" cy="1896840"/>
           </a:xfrm>
           <a:prstGeom prst="rect">
             <a:avLst/>
@@ -1479,18 +1394,15 @@
             <a:normAutofit/>
           </a:bodyPr>
           <a:p>
-            <a:endParaRPr b="0" lang="en-US" sz="2800" spc="-1" strike="noStrike">
-              <a:solidFill>
-                <a:srgbClr val="000000"/>
-              </a:solidFill>
-              <a:latin typeface="Calibri"/>
-            </a:endParaRPr>
-          </a:p>
-        </p:txBody>
-      </p:sp>
-      <p:sp>
-        <p:nvSpPr>
-          <p:cNvPr id="65" name="PlaceHolder 3"/>
+            <a:endParaRPr b="0" lang="en-US" sz="3200" spc="-1" strike="noStrike">
+              <a:latin typeface="Arial"/>
+            </a:endParaRPr>
+          </a:p>
+        </p:txBody>
+      </p:sp>
+      <p:sp>
+        <p:nvSpPr>
+          <p:cNvPr id="63" name="PlaceHolder 3"/>
           <p:cNvSpPr>
             <a:spLocks noGrp="1"/>
           </p:cNvSpPr>
@@ -1500,8 +1412,8 @@
         </p:nvSpPr>
         <p:spPr>
           <a:xfrm>
-            <a:off x="4674240" y="1604520"/>
-            <a:ext cx="4015800" cy="1896840"/>
+            <a:off x="4673880" y="1604520"/>
+            <a:ext cx="4015440" cy="1896840"/>
           </a:xfrm>
           <a:prstGeom prst="rect">
             <a:avLst/>
@@ -1512,18 +1424,15 @@
             <a:normAutofit/>
           </a:bodyPr>
           <a:p>
-            <a:endParaRPr b="0" lang="en-US" sz="2800" spc="-1" strike="noStrike">
-              <a:solidFill>
-                <a:srgbClr val="000000"/>
-              </a:solidFill>
-              <a:latin typeface="Calibri"/>
-            </a:endParaRPr>
-          </a:p>
-        </p:txBody>
-      </p:sp>
-      <p:sp>
-        <p:nvSpPr>
-          <p:cNvPr id="66" name="PlaceHolder 4"/>
+            <a:endParaRPr b="0" lang="en-US" sz="3200" spc="-1" strike="noStrike">
+              <a:latin typeface="Arial"/>
+            </a:endParaRPr>
+          </a:p>
+        </p:txBody>
+      </p:sp>
+      <p:sp>
+        <p:nvSpPr>
+          <p:cNvPr id="64" name="PlaceHolder 4"/>
           <p:cNvSpPr>
             <a:spLocks noGrp="1"/>
           </p:cNvSpPr>
@@ -1534,7 +1443,7 @@
         <p:spPr>
           <a:xfrm>
             <a:off x="457200" y="3682080"/>
-            <a:ext cx="8229240" cy="1896840"/>
+            <a:ext cx="8228880" cy="1896840"/>
           </a:xfrm>
           <a:prstGeom prst="rect">
             <a:avLst/>
@@ -1545,11 +1454,8 @@
             <a:normAutofit/>
           </a:bodyPr>
           <a:p>
-            <a:endParaRPr b="0" lang="en-US" sz="2800" spc="-1" strike="noStrike">
-              <a:solidFill>
-                <a:srgbClr val="000000"/>
-              </a:solidFill>
-              <a:latin typeface="Calibri"/>
+            <a:endParaRPr b="0" lang="en-US" sz="3200" spc="-1" strike="noStrike">
+              <a:latin typeface="Arial"/>
             </a:endParaRPr>
           </a:p>
         </p:txBody>
@@ -1578,7 +1484,7 @@
       </p:grpSpPr>
       <p:sp>
         <p:nvSpPr>
-          <p:cNvPr id="67" name="PlaceHolder 1"/>
+          <p:cNvPr id="65" name="PlaceHolder 1"/>
           <p:cNvSpPr>
             <a:spLocks noGrp="1"/>
           </p:cNvSpPr>
@@ -1589,7 +1495,7 @@
         <p:spPr>
           <a:xfrm>
             <a:off x="457200" y="273600"/>
-            <a:ext cx="8229240" cy="1144800"/>
+            <a:ext cx="8228880" cy="1144440"/>
           </a:xfrm>
           <a:prstGeom prst="rect">
             <a:avLst/>
@@ -1598,18 +1504,16 @@
         <p:txBody>
           <a:bodyPr lIns="0" rIns="0" tIns="0" bIns="0" anchor="ctr"/>
           <a:p>
-            <a:endParaRPr b="0" lang="en-US" sz="1800" spc="-1" strike="noStrike">
-              <a:solidFill>
-                <a:srgbClr val="000000"/>
-              </a:solidFill>
-              <a:latin typeface="Calibri"/>
-            </a:endParaRPr>
-          </a:p>
-        </p:txBody>
-      </p:sp>
-      <p:sp>
-        <p:nvSpPr>
-          <p:cNvPr id="68" name="PlaceHolder 2"/>
+            <a:pPr algn="ctr"/>
+            <a:endParaRPr b="0" lang="en-US" sz="4400" spc="-1" strike="noStrike">
+              <a:latin typeface="Arial"/>
+            </a:endParaRPr>
+          </a:p>
+        </p:txBody>
+      </p:sp>
+      <p:sp>
+        <p:nvSpPr>
+          <p:cNvPr id="66" name="PlaceHolder 2"/>
           <p:cNvSpPr>
             <a:spLocks noGrp="1"/>
           </p:cNvSpPr>
@@ -1620,7 +1524,7 @@
         <p:spPr>
           <a:xfrm>
             <a:off x="457200" y="1604520"/>
-            <a:ext cx="8229240" cy="1896840"/>
+            <a:ext cx="8228880" cy="1896840"/>
           </a:xfrm>
           <a:prstGeom prst="rect">
             <a:avLst/>
@@ -1631,18 +1535,15 @@
             <a:normAutofit/>
           </a:bodyPr>
           <a:p>
-            <a:endParaRPr b="0" lang="en-US" sz="2800" spc="-1" strike="noStrike">
-              <a:solidFill>
-                <a:srgbClr val="000000"/>
-              </a:solidFill>
-              <a:latin typeface="Calibri"/>
-            </a:endParaRPr>
-          </a:p>
-        </p:txBody>
-      </p:sp>
-      <p:sp>
-        <p:nvSpPr>
-          <p:cNvPr id="69" name="PlaceHolder 3"/>
+            <a:endParaRPr b="0" lang="en-US" sz="3200" spc="-1" strike="noStrike">
+              <a:latin typeface="Arial"/>
+            </a:endParaRPr>
+          </a:p>
+        </p:txBody>
+      </p:sp>
+      <p:sp>
+        <p:nvSpPr>
+          <p:cNvPr id="67" name="PlaceHolder 3"/>
           <p:cNvSpPr>
             <a:spLocks noGrp="1"/>
           </p:cNvSpPr>
@@ -1653,7 +1554,7 @@
         <p:spPr>
           <a:xfrm>
             <a:off x="457200" y="3682080"/>
-            <a:ext cx="8229240" cy="1896840"/>
+            <a:ext cx="8228880" cy="1896840"/>
           </a:xfrm>
           <a:prstGeom prst="rect">
             <a:avLst/>
@@ -1664,11 +1565,8 @@
             <a:normAutofit/>
           </a:bodyPr>
           <a:p>
-            <a:endParaRPr b="0" lang="en-US" sz="2800" spc="-1" strike="noStrike">
-              <a:solidFill>
-                <a:srgbClr val="000000"/>
-              </a:solidFill>
-              <a:latin typeface="Calibri"/>
+            <a:endParaRPr b="0" lang="en-US" sz="3200" spc="-1" strike="noStrike">
+              <a:latin typeface="Arial"/>
             </a:endParaRPr>
           </a:p>
         </p:txBody>
@@ -1697,7 +1595,7 @@
       </p:grpSpPr>
       <p:sp>
         <p:nvSpPr>
-          <p:cNvPr id="70" name="PlaceHolder 1"/>
+          <p:cNvPr id="68" name="PlaceHolder 1"/>
           <p:cNvSpPr>
             <a:spLocks noGrp="1"/>
           </p:cNvSpPr>
@@ -1708,7 +1606,7 @@
         <p:spPr>
           <a:xfrm>
             <a:off x="457200" y="273600"/>
-            <a:ext cx="8229240" cy="1144800"/>
+            <a:ext cx="8228880" cy="1144440"/>
           </a:xfrm>
           <a:prstGeom prst="rect">
             <a:avLst/>
@@ -1717,18 +1615,16 @@
         <p:txBody>
           <a:bodyPr lIns="0" rIns="0" tIns="0" bIns="0" anchor="ctr"/>
           <a:p>
-            <a:endParaRPr b="0" lang="en-US" sz="1800" spc="-1" strike="noStrike">
-              <a:solidFill>
-                <a:srgbClr val="000000"/>
-              </a:solidFill>
-              <a:latin typeface="Calibri"/>
-            </a:endParaRPr>
-          </a:p>
-        </p:txBody>
-      </p:sp>
-      <p:sp>
-        <p:nvSpPr>
-          <p:cNvPr id="71" name="PlaceHolder 2"/>
+            <a:pPr algn="ctr"/>
+            <a:endParaRPr b="0" lang="en-US" sz="4400" spc="-1" strike="noStrike">
+              <a:latin typeface="Arial"/>
+            </a:endParaRPr>
+          </a:p>
+        </p:txBody>
+      </p:sp>
+      <p:sp>
+        <p:nvSpPr>
+          <p:cNvPr id="69" name="PlaceHolder 2"/>
           <p:cNvSpPr>
             <a:spLocks noGrp="1"/>
           </p:cNvSpPr>
@@ -1739,7 +1635,7 @@
         <p:spPr>
           <a:xfrm>
             <a:off x="457200" y="1604520"/>
-            <a:ext cx="4015800" cy="1896840"/>
+            <a:ext cx="4015440" cy="1896840"/>
           </a:xfrm>
           <a:prstGeom prst="rect">
             <a:avLst/>
@@ -1750,18 +1646,15 @@
             <a:normAutofit/>
           </a:bodyPr>
           <a:p>
-            <a:endParaRPr b="0" lang="en-US" sz="2800" spc="-1" strike="noStrike">
-              <a:solidFill>
-                <a:srgbClr val="000000"/>
-              </a:solidFill>
-              <a:latin typeface="Calibri"/>
-            </a:endParaRPr>
-          </a:p>
-        </p:txBody>
-      </p:sp>
-      <p:sp>
-        <p:nvSpPr>
-          <p:cNvPr id="72" name="PlaceHolder 3"/>
+            <a:endParaRPr b="0" lang="en-US" sz="3200" spc="-1" strike="noStrike">
+              <a:latin typeface="Arial"/>
+            </a:endParaRPr>
+          </a:p>
+        </p:txBody>
+      </p:sp>
+      <p:sp>
+        <p:nvSpPr>
+          <p:cNvPr id="70" name="PlaceHolder 3"/>
           <p:cNvSpPr>
             <a:spLocks noGrp="1"/>
           </p:cNvSpPr>
@@ -1771,8 +1664,8 @@
         </p:nvSpPr>
         <p:spPr>
           <a:xfrm>
-            <a:off x="4674240" y="1604520"/>
-            <a:ext cx="4015800" cy="1896840"/>
+            <a:off x="4673880" y="1604520"/>
+            <a:ext cx="4015440" cy="1896840"/>
           </a:xfrm>
           <a:prstGeom prst="rect">
             <a:avLst/>
@@ -1783,18 +1676,15 @@
             <a:normAutofit/>
           </a:bodyPr>
           <a:p>
-            <a:endParaRPr b="0" lang="en-US" sz="2800" spc="-1" strike="noStrike">
-              <a:solidFill>
-                <a:srgbClr val="000000"/>
-              </a:solidFill>
-              <a:latin typeface="Calibri"/>
-            </a:endParaRPr>
-          </a:p>
-        </p:txBody>
-      </p:sp>
-      <p:sp>
-        <p:nvSpPr>
-          <p:cNvPr id="73" name="PlaceHolder 4"/>
+            <a:endParaRPr b="0" lang="en-US" sz="3200" spc="-1" strike="noStrike">
+              <a:latin typeface="Arial"/>
+            </a:endParaRPr>
+          </a:p>
+        </p:txBody>
+      </p:sp>
+      <p:sp>
+        <p:nvSpPr>
+          <p:cNvPr id="71" name="PlaceHolder 4"/>
           <p:cNvSpPr>
             <a:spLocks noGrp="1"/>
           </p:cNvSpPr>
@@ -1805,7 +1695,7 @@
         <p:spPr>
           <a:xfrm>
             <a:off x="457200" y="3682080"/>
-            <a:ext cx="4015800" cy="1896840"/>
+            <a:ext cx="4015440" cy="1896840"/>
           </a:xfrm>
           <a:prstGeom prst="rect">
             <a:avLst/>
@@ -1816,18 +1706,15 @@
             <a:normAutofit/>
           </a:bodyPr>
           <a:p>
-            <a:endParaRPr b="0" lang="en-US" sz="2800" spc="-1" strike="noStrike">
-              <a:solidFill>
-                <a:srgbClr val="000000"/>
-              </a:solidFill>
-              <a:latin typeface="Calibri"/>
-            </a:endParaRPr>
-          </a:p>
-        </p:txBody>
-      </p:sp>
-      <p:sp>
-        <p:nvSpPr>
-          <p:cNvPr id="74" name="PlaceHolder 5"/>
+            <a:endParaRPr b="0" lang="en-US" sz="3200" spc="-1" strike="noStrike">
+              <a:latin typeface="Arial"/>
+            </a:endParaRPr>
+          </a:p>
+        </p:txBody>
+      </p:sp>
+      <p:sp>
+        <p:nvSpPr>
+          <p:cNvPr id="72" name="PlaceHolder 5"/>
           <p:cNvSpPr>
             <a:spLocks noGrp="1"/>
           </p:cNvSpPr>
@@ -1837,8 +1724,8 @@
         </p:nvSpPr>
         <p:spPr>
           <a:xfrm>
-            <a:off x="4674240" y="3682080"/>
-            <a:ext cx="4015800" cy="1896840"/>
+            <a:off x="4673880" y="3682080"/>
+            <a:ext cx="4015440" cy="1896840"/>
           </a:xfrm>
           <a:prstGeom prst="rect">
             <a:avLst/>
@@ -1849,11 +1736,8 @@
             <a:normAutofit/>
           </a:bodyPr>
           <a:p>
-            <a:endParaRPr b="0" lang="en-US" sz="2800" spc="-1" strike="noStrike">
-              <a:solidFill>
-                <a:srgbClr val="000000"/>
-              </a:solidFill>
-              <a:latin typeface="Calibri"/>
+            <a:endParaRPr b="0" lang="en-US" sz="3200" spc="-1" strike="noStrike">
+              <a:latin typeface="Arial"/>
             </a:endParaRPr>
           </a:p>
         </p:txBody>
@@ -1882,7 +1766,7 @@
       </p:grpSpPr>
       <p:sp>
         <p:nvSpPr>
-          <p:cNvPr id="75" name="PlaceHolder 1"/>
+          <p:cNvPr id="73" name="PlaceHolder 1"/>
           <p:cNvSpPr>
             <a:spLocks noGrp="1"/>
           </p:cNvSpPr>
@@ -1893,7 +1777,7 @@
         <p:spPr>
           <a:xfrm>
             <a:off x="457200" y="273600"/>
-            <a:ext cx="8229240" cy="1144800"/>
+            <a:ext cx="8228880" cy="1144440"/>
           </a:xfrm>
           <a:prstGeom prst="rect">
             <a:avLst/>
@@ -1902,18 +1786,16 @@
         <p:txBody>
           <a:bodyPr lIns="0" rIns="0" tIns="0" bIns="0" anchor="ctr"/>
           <a:p>
-            <a:endParaRPr b="0" lang="en-US" sz="1800" spc="-1" strike="noStrike">
-              <a:solidFill>
-                <a:srgbClr val="000000"/>
-              </a:solidFill>
-              <a:latin typeface="Calibri"/>
-            </a:endParaRPr>
-          </a:p>
-        </p:txBody>
-      </p:sp>
-      <p:sp>
-        <p:nvSpPr>
-          <p:cNvPr id="76" name="PlaceHolder 2"/>
+            <a:pPr algn="ctr"/>
+            <a:endParaRPr b="0" lang="en-US" sz="4400" spc="-1" strike="noStrike">
+              <a:latin typeface="Arial"/>
+            </a:endParaRPr>
+          </a:p>
+        </p:txBody>
+      </p:sp>
+      <p:sp>
+        <p:nvSpPr>
+          <p:cNvPr id="74" name="PlaceHolder 2"/>
           <p:cNvSpPr>
             <a:spLocks noGrp="1"/>
           </p:cNvSpPr>
@@ -1935,18 +1817,15 @@
             <a:normAutofit/>
           </a:bodyPr>
           <a:p>
-            <a:endParaRPr b="0" lang="en-US" sz="2800" spc="-1" strike="noStrike">
-              <a:solidFill>
-                <a:srgbClr val="000000"/>
-              </a:solidFill>
-              <a:latin typeface="Calibri"/>
-            </a:endParaRPr>
-          </a:p>
-        </p:txBody>
-      </p:sp>
-      <p:sp>
-        <p:nvSpPr>
-          <p:cNvPr id="77" name="PlaceHolder 3"/>
+            <a:endParaRPr b="0" lang="en-US" sz="3200" spc="-1" strike="noStrike">
+              <a:latin typeface="Arial"/>
+            </a:endParaRPr>
+          </a:p>
+        </p:txBody>
+      </p:sp>
+      <p:sp>
+        <p:nvSpPr>
+          <p:cNvPr id="75" name="PlaceHolder 3"/>
           <p:cNvSpPr>
             <a:spLocks noGrp="1"/>
           </p:cNvSpPr>
@@ -1968,18 +1847,15 @@
             <a:normAutofit/>
           </a:bodyPr>
           <a:p>
-            <a:endParaRPr b="0" lang="en-US" sz="2800" spc="-1" strike="noStrike">
-              <a:solidFill>
-                <a:srgbClr val="000000"/>
-              </a:solidFill>
-              <a:latin typeface="Calibri"/>
-            </a:endParaRPr>
-          </a:p>
-        </p:txBody>
-      </p:sp>
-      <p:sp>
-        <p:nvSpPr>
-          <p:cNvPr id="78" name="PlaceHolder 4"/>
+            <a:endParaRPr b="0" lang="en-US" sz="3200" spc="-1" strike="noStrike">
+              <a:latin typeface="Arial"/>
+            </a:endParaRPr>
+          </a:p>
+        </p:txBody>
+      </p:sp>
+      <p:sp>
+        <p:nvSpPr>
+          <p:cNvPr id="76" name="PlaceHolder 4"/>
           <p:cNvSpPr>
             <a:spLocks noGrp="1"/>
           </p:cNvSpPr>
@@ -2001,18 +1877,15 @@
             <a:normAutofit/>
           </a:bodyPr>
           <a:p>
-            <a:endParaRPr b="0" lang="en-US" sz="2800" spc="-1" strike="noStrike">
-              <a:solidFill>
-                <a:srgbClr val="000000"/>
-              </a:solidFill>
-              <a:latin typeface="Calibri"/>
-            </a:endParaRPr>
-          </a:p>
-        </p:txBody>
-      </p:sp>
-      <p:sp>
-        <p:nvSpPr>
-          <p:cNvPr id="79" name="PlaceHolder 5"/>
+            <a:endParaRPr b="0" lang="en-US" sz="3200" spc="-1" strike="noStrike">
+              <a:latin typeface="Arial"/>
+            </a:endParaRPr>
+          </a:p>
+        </p:txBody>
+      </p:sp>
+      <p:sp>
+        <p:nvSpPr>
+          <p:cNvPr id="77" name="PlaceHolder 5"/>
           <p:cNvSpPr>
             <a:spLocks noGrp="1"/>
           </p:cNvSpPr>
@@ -2034,18 +1907,15 @@
             <a:normAutofit/>
           </a:bodyPr>
           <a:p>
-            <a:endParaRPr b="0" lang="en-US" sz="2800" spc="-1" strike="noStrike">
-              <a:solidFill>
-                <a:srgbClr val="000000"/>
-              </a:solidFill>
-              <a:latin typeface="Calibri"/>
-            </a:endParaRPr>
-          </a:p>
-        </p:txBody>
-      </p:sp>
-      <p:sp>
-        <p:nvSpPr>
-          <p:cNvPr id="80" name="PlaceHolder 6"/>
+            <a:endParaRPr b="0" lang="en-US" sz="3200" spc="-1" strike="noStrike">
+              <a:latin typeface="Arial"/>
+            </a:endParaRPr>
+          </a:p>
+        </p:txBody>
+      </p:sp>
+      <p:sp>
+        <p:nvSpPr>
+          <p:cNvPr id="78" name="PlaceHolder 6"/>
           <p:cNvSpPr>
             <a:spLocks noGrp="1"/>
           </p:cNvSpPr>
@@ -2067,18 +1937,15 @@
             <a:normAutofit/>
           </a:bodyPr>
           <a:p>
-            <a:endParaRPr b="0" lang="en-US" sz="2800" spc="-1" strike="noStrike">
-              <a:solidFill>
-                <a:srgbClr val="000000"/>
-              </a:solidFill>
-              <a:latin typeface="Calibri"/>
-            </a:endParaRPr>
-          </a:p>
-        </p:txBody>
-      </p:sp>
-      <p:sp>
-        <p:nvSpPr>
-          <p:cNvPr id="81" name="PlaceHolder 7"/>
+            <a:endParaRPr b="0" lang="en-US" sz="3200" spc="-1" strike="noStrike">
+              <a:latin typeface="Arial"/>
+            </a:endParaRPr>
+          </a:p>
+        </p:txBody>
+      </p:sp>
+      <p:sp>
+        <p:nvSpPr>
+          <p:cNvPr id="79" name="PlaceHolder 7"/>
           <p:cNvSpPr>
             <a:spLocks noGrp="1"/>
           </p:cNvSpPr>
@@ -2100,11 +1967,8 @@
             <a:normAutofit/>
           </a:bodyPr>
           <a:p>
-            <a:endParaRPr b="0" lang="en-US" sz="2800" spc="-1" strike="noStrike">
-              <a:solidFill>
-                <a:srgbClr val="000000"/>
-              </a:solidFill>
-              <a:latin typeface="Calibri"/>
+            <a:endParaRPr b="0" lang="en-US" sz="3200" spc="-1" strike="noStrike">
+              <a:latin typeface="Arial"/>
             </a:endParaRPr>
           </a:p>
         </p:txBody>
@@ -2155,7 +2019,7 @@
       </p:grpSpPr>
       <p:sp>
         <p:nvSpPr>
-          <p:cNvPr id="88" name="PlaceHolder 1"/>
+          <p:cNvPr id="85" name="PlaceHolder 1"/>
           <p:cNvSpPr>
             <a:spLocks noGrp="1"/>
           </p:cNvSpPr>
@@ -2166,7 +2030,7 @@
         <p:spPr>
           <a:xfrm>
             <a:off x="457200" y="273600"/>
-            <a:ext cx="8229240" cy="1144800"/>
+            <a:ext cx="8228880" cy="1144440"/>
           </a:xfrm>
           <a:prstGeom prst="rect">
             <a:avLst/>
@@ -2175,18 +2039,16 @@
         <p:txBody>
           <a:bodyPr lIns="0" rIns="0" tIns="0" bIns="0" anchor="ctr"/>
           <a:p>
-            <a:endParaRPr b="0" lang="en-US" sz="1800" spc="-1" strike="noStrike">
-              <a:solidFill>
-                <a:srgbClr val="000000"/>
-              </a:solidFill>
-              <a:latin typeface="Calibri"/>
-            </a:endParaRPr>
-          </a:p>
-        </p:txBody>
-      </p:sp>
-      <p:sp>
-        <p:nvSpPr>
-          <p:cNvPr id="89" name="PlaceHolder 2"/>
+            <a:pPr algn="ctr"/>
+            <a:endParaRPr b="0" lang="en-US" sz="4400" spc="-1" strike="noStrike">
+              <a:latin typeface="Arial"/>
+            </a:endParaRPr>
+          </a:p>
+        </p:txBody>
+      </p:sp>
+      <p:sp>
+        <p:nvSpPr>
+          <p:cNvPr id="86" name="PlaceHolder 2"/>
           <p:cNvSpPr>
             <a:spLocks noGrp="1"/>
           </p:cNvSpPr>
@@ -2197,7 +2059,7 @@
         <p:spPr>
           <a:xfrm>
             <a:off x="457200" y="1604520"/>
-            <a:ext cx="8229240" cy="3977280"/>
+            <a:ext cx="8228880" cy="3976920"/>
           </a:xfrm>
           <a:prstGeom prst="rect">
             <a:avLst/>
@@ -2237,7 +2099,7 @@
       </p:grpSpPr>
       <p:sp>
         <p:nvSpPr>
-          <p:cNvPr id="90" name="PlaceHolder 1"/>
+          <p:cNvPr id="87" name="PlaceHolder 1"/>
           <p:cNvSpPr>
             <a:spLocks noGrp="1"/>
           </p:cNvSpPr>
@@ -2248,7 +2110,7 @@
         <p:spPr>
           <a:xfrm>
             <a:off x="457200" y="273600"/>
-            <a:ext cx="8229240" cy="1144800"/>
+            <a:ext cx="8228880" cy="1144440"/>
           </a:xfrm>
           <a:prstGeom prst="rect">
             <a:avLst/>
@@ -2257,18 +2119,16 @@
         <p:txBody>
           <a:bodyPr lIns="0" rIns="0" tIns="0" bIns="0" anchor="ctr"/>
           <a:p>
-            <a:endParaRPr b="0" lang="en-US" sz="1800" spc="-1" strike="noStrike">
-              <a:solidFill>
-                <a:srgbClr val="000000"/>
-              </a:solidFill>
-              <a:latin typeface="Calibri"/>
-            </a:endParaRPr>
-          </a:p>
-        </p:txBody>
-      </p:sp>
-      <p:sp>
-        <p:nvSpPr>
-          <p:cNvPr id="91" name="PlaceHolder 2"/>
+            <a:pPr algn="ctr"/>
+            <a:endParaRPr b="0" lang="en-US" sz="4400" spc="-1" strike="noStrike">
+              <a:latin typeface="Arial"/>
+            </a:endParaRPr>
+          </a:p>
+        </p:txBody>
+      </p:sp>
+      <p:sp>
+        <p:nvSpPr>
+          <p:cNvPr id="88" name="PlaceHolder 2"/>
           <p:cNvSpPr>
             <a:spLocks noGrp="1"/>
           </p:cNvSpPr>
@@ -2279,7 +2139,7 @@
         <p:spPr>
           <a:xfrm>
             <a:off x="457200" y="1604520"/>
-            <a:ext cx="8229240" cy="3977280"/>
+            <a:ext cx="8228880" cy="3976920"/>
           </a:xfrm>
           <a:prstGeom prst="rect">
             <a:avLst/>
@@ -2290,11 +2150,8 @@
             <a:normAutofit/>
           </a:bodyPr>
           <a:p>
-            <a:endParaRPr b="0" lang="en-US" sz="2800" spc="-1" strike="noStrike">
-              <a:solidFill>
-                <a:srgbClr val="000000"/>
-              </a:solidFill>
-              <a:latin typeface="Calibri"/>
+            <a:endParaRPr b="0" lang="en-US" sz="3200" spc="-1" strike="noStrike">
+              <a:latin typeface="Arial"/>
             </a:endParaRPr>
           </a:p>
         </p:txBody>
@@ -2323,7 +2180,7 @@
       </p:grpSpPr>
       <p:sp>
         <p:nvSpPr>
-          <p:cNvPr id="92" name="PlaceHolder 1"/>
+          <p:cNvPr id="89" name="PlaceHolder 1"/>
           <p:cNvSpPr>
             <a:spLocks noGrp="1"/>
           </p:cNvSpPr>
@@ -2334,7 +2191,7 @@
         <p:spPr>
           <a:xfrm>
             <a:off x="457200" y="273600"/>
-            <a:ext cx="8229240" cy="1144800"/>
+            <a:ext cx="8228880" cy="1144440"/>
           </a:xfrm>
           <a:prstGeom prst="rect">
             <a:avLst/>
@@ -2343,18 +2200,16 @@
         <p:txBody>
           <a:bodyPr lIns="0" rIns="0" tIns="0" bIns="0" anchor="ctr"/>
           <a:p>
-            <a:endParaRPr b="0" lang="en-US" sz="1800" spc="-1" strike="noStrike">
-              <a:solidFill>
-                <a:srgbClr val="000000"/>
-              </a:solidFill>
-              <a:latin typeface="Calibri"/>
-            </a:endParaRPr>
-          </a:p>
-        </p:txBody>
-      </p:sp>
-      <p:sp>
-        <p:nvSpPr>
-          <p:cNvPr id="93" name="PlaceHolder 2"/>
+            <a:pPr algn="ctr"/>
+            <a:endParaRPr b="0" lang="en-US" sz="4400" spc="-1" strike="noStrike">
+              <a:latin typeface="Arial"/>
+            </a:endParaRPr>
+          </a:p>
+        </p:txBody>
+      </p:sp>
+      <p:sp>
+        <p:nvSpPr>
+          <p:cNvPr id="90" name="PlaceHolder 2"/>
           <p:cNvSpPr>
             <a:spLocks noGrp="1"/>
           </p:cNvSpPr>
@@ -2365,7 +2220,7 @@
         <p:spPr>
           <a:xfrm>
             <a:off x="457200" y="1604520"/>
-            <a:ext cx="4015800" cy="3977280"/>
+            <a:ext cx="4015440" cy="3976920"/>
           </a:xfrm>
           <a:prstGeom prst="rect">
             <a:avLst/>
@@ -2376,18 +2231,15 @@
             <a:normAutofit/>
           </a:bodyPr>
           <a:p>
-            <a:endParaRPr b="0" lang="en-US" sz="2800" spc="-1" strike="noStrike">
-              <a:solidFill>
-                <a:srgbClr val="000000"/>
-              </a:solidFill>
-              <a:latin typeface="Calibri"/>
-            </a:endParaRPr>
-          </a:p>
-        </p:txBody>
-      </p:sp>
-      <p:sp>
-        <p:nvSpPr>
-          <p:cNvPr id="94" name="PlaceHolder 3"/>
+            <a:endParaRPr b="0" lang="en-US" sz="3200" spc="-1" strike="noStrike">
+              <a:latin typeface="Arial"/>
+            </a:endParaRPr>
+          </a:p>
+        </p:txBody>
+      </p:sp>
+      <p:sp>
+        <p:nvSpPr>
+          <p:cNvPr id="91" name="PlaceHolder 3"/>
           <p:cNvSpPr>
             <a:spLocks noGrp="1"/>
           </p:cNvSpPr>
@@ -2397,8 +2249,8 @@
         </p:nvSpPr>
         <p:spPr>
           <a:xfrm>
-            <a:off x="4674240" y="1604520"/>
-            <a:ext cx="4015800" cy="3977280"/>
+            <a:off x="4673880" y="1604520"/>
+            <a:ext cx="4015440" cy="3976920"/>
           </a:xfrm>
           <a:prstGeom prst="rect">
             <a:avLst/>
@@ -2409,11 +2261,8 @@
             <a:normAutofit/>
           </a:bodyPr>
           <a:p>
-            <a:endParaRPr b="0" lang="en-US" sz="2800" spc="-1" strike="noStrike">
-              <a:solidFill>
-                <a:srgbClr val="000000"/>
-              </a:solidFill>
-              <a:latin typeface="Calibri"/>
+            <a:endParaRPr b="0" lang="en-US" sz="3200" spc="-1" strike="noStrike">
+              <a:latin typeface="Arial"/>
             </a:endParaRPr>
           </a:p>
         </p:txBody>
@@ -2442,7 +2291,7 @@
       </p:grpSpPr>
       <p:sp>
         <p:nvSpPr>
-          <p:cNvPr id="95" name="PlaceHolder 1"/>
+          <p:cNvPr id="92" name="PlaceHolder 1"/>
           <p:cNvSpPr>
             <a:spLocks noGrp="1"/>
           </p:cNvSpPr>
@@ -2453,7 +2302,7 @@
         <p:spPr>
           <a:xfrm>
             <a:off x="457200" y="273600"/>
-            <a:ext cx="8229240" cy="1144800"/>
+            <a:ext cx="8228880" cy="1144440"/>
           </a:xfrm>
           <a:prstGeom prst="rect">
             <a:avLst/>
@@ -2462,11 +2311,9 @@
         <p:txBody>
           <a:bodyPr lIns="0" rIns="0" tIns="0" bIns="0" anchor="ctr"/>
           <a:p>
-            <a:endParaRPr b="0" lang="en-US" sz="1800" spc="-1" strike="noStrike">
-              <a:solidFill>
-                <a:srgbClr val="000000"/>
-              </a:solidFill>
-              <a:latin typeface="Calibri"/>
+            <a:pPr algn="ctr"/>
+            <a:endParaRPr b="0" lang="en-US" sz="4400" spc="-1" strike="noStrike">
+              <a:latin typeface="Arial"/>
             </a:endParaRPr>
           </a:p>
         </p:txBody>
@@ -2495,7 +2342,7 @@
       </p:grpSpPr>
       <p:sp>
         <p:nvSpPr>
-          <p:cNvPr id="7" name="PlaceHolder 1"/>
+          <p:cNvPr id="6" name="PlaceHolder 1"/>
           <p:cNvSpPr>
             <a:spLocks noGrp="1"/>
           </p:cNvSpPr>
@@ -2506,7 +2353,7 @@
         <p:spPr>
           <a:xfrm>
             <a:off x="457200" y="273600"/>
-            <a:ext cx="8229240" cy="1144800"/>
+            <a:ext cx="8228880" cy="1144440"/>
           </a:xfrm>
           <a:prstGeom prst="rect">
             <a:avLst/>
@@ -2515,18 +2362,16 @@
         <p:txBody>
           <a:bodyPr lIns="0" rIns="0" tIns="0" bIns="0" anchor="ctr"/>
           <a:p>
-            <a:endParaRPr b="0" lang="en-US" sz="1800" spc="-1" strike="noStrike">
-              <a:solidFill>
-                <a:srgbClr val="000000"/>
-              </a:solidFill>
-              <a:latin typeface="Calibri"/>
-            </a:endParaRPr>
-          </a:p>
-        </p:txBody>
-      </p:sp>
-      <p:sp>
-        <p:nvSpPr>
-          <p:cNvPr id="8" name="PlaceHolder 2"/>
+            <a:pPr algn="ctr"/>
+            <a:endParaRPr b="0" lang="en-US" sz="4400" spc="-1" strike="noStrike">
+              <a:latin typeface="Arial"/>
+            </a:endParaRPr>
+          </a:p>
+        </p:txBody>
+      </p:sp>
+      <p:sp>
+        <p:nvSpPr>
+          <p:cNvPr id="7" name="PlaceHolder 2"/>
           <p:cNvSpPr>
             <a:spLocks noGrp="1"/>
           </p:cNvSpPr>
@@ -2537,7 +2382,7 @@
         <p:spPr>
           <a:xfrm>
             <a:off x="457200" y="1604520"/>
-            <a:ext cx="8229240" cy="3977280"/>
+            <a:ext cx="8228880" cy="3976920"/>
           </a:xfrm>
           <a:prstGeom prst="rect">
             <a:avLst/>
@@ -2548,11 +2393,8 @@
             <a:normAutofit/>
           </a:bodyPr>
           <a:p>
-            <a:endParaRPr b="0" lang="en-US" sz="2800" spc="-1" strike="noStrike">
-              <a:solidFill>
-                <a:srgbClr val="000000"/>
-              </a:solidFill>
-              <a:latin typeface="Calibri"/>
+            <a:endParaRPr b="0" lang="en-US" sz="3200" spc="-1" strike="noStrike">
+              <a:latin typeface="Arial"/>
             </a:endParaRPr>
           </a:p>
         </p:txBody>
@@ -2581,7 +2423,7 @@
       </p:grpSpPr>
       <p:sp>
         <p:nvSpPr>
-          <p:cNvPr id="96" name="PlaceHolder 1"/>
+          <p:cNvPr id="93" name="PlaceHolder 1"/>
           <p:cNvSpPr>
             <a:spLocks noGrp="1"/>
           </p:cNvSpPr>
@@ -2592,7 +2434,7 @@
         <p:spPr>
           <a:xfrm>
             <a:off x="457200" y="273600"/>
-            <a:ext cx="8229240" cy="5307840"/>
+            <a:ext cx="8228880" cy="5306400"/>
           </a:xfrm>
           <a:prstGeom prst="rect">
             <a:avLst/>
@@ -2632,7 +2474,7 @@
       </p:grpSpPr>
       <p:sp>
         <p:nvSpPr>
-          <p:cNvPr id="97" name="PlaceHolder 1"/>
+          <p:cNvPr id="94" name="PlaceHolder 1"/>
           <p:cNvSpPr>
             <a:spLocks noGrp="1"/>
           </p:cNvSpPr>
@@ -2643,7 +2485,7 @@
         <p:spPr>
           <a:xfrm>
             <a:off x="457200" y="273600"/>
-            <a:ext cx="8229240" cy="1144800"/>
+            <a:ext cx="8228880" cy="1144440"/>
           </a:xfrm>
           <a:prstGeom prst="rect">
             <a:avLst/>
@@ -2652,18 +2494,16 @@
         <p:txBody>
           <a:bodyPr lIns="0" rIns="0" tIns="0" bIns="0" anchor="ctr"/>
           <a:p>
-            <a:endParaRPr b="0" lang="en-US" sz="1800" spc="-1" strike="noStrike">
-              <a:solidFill>
-                <a:srgbClr val="000000"/>
-              </a:solidFill>
-              <a:latin typeface="Calibri"/>
-            </a:endParaRPr>
-          </a:p>
-        </p:txBody>
-      </p:sp>
-      <p:sp>
-        <p:nvSpPr>
-          <p:cNvPr id="98" name="PlaceHolder 2"/>
+            <a:pPr algn="ctr"/>
+            <a:endParaRPr b="0" lang="en-US" sz="4400" spc="-1" strike="noStrike">
+              <a:latin typeface="Arial"/>
+            </a:endParaRPr>
+          </a:p>
+        </p:txBody>
+      </p:sp>
+      <p:sp>
+        <p:nvSpPr>
+          <p:cNvPr id="95" name="PlaceHolder 2"/>
           <p:cNvSpPr>
             <a:spLocks noGrp="1"/>
           </p:cNvSpPr>
@@ -2674,7 +2514,7 @@
         <p:spPr>
           <a:xfrm>
             <a:off x="457200" y="1604520"/>
-            <a:ext cx="4015800" cy="1896840"/>
+            <a:ext cx="4015440" cy="1896840"/>
           </a:xfrm>
           <a:prstGeom prst="rect">
             <a:avLst/>
@@ -2685,18 +2525,15 @@
             <a:normAutofit/>
           </a:bodyPr>
           <a:p>
-            <a:endParaRPr b="0" lang="en-US" sz="2800" spc="-1" strike="noStrike">
-              <a:solidFill>
-                <a:srgbClr val="000000"/>
-              </a:solidFill>
-              <a:latin typeface="Calibri"/>
-            </a:endParaRPr>
-          </a:p>
-        </p:txBody>
-      </p:sp>
-      <p:sp>
-        <p:nvSpPr>
-          <p:cNvPr id="99" name="PlaceHolder 3"/>
+            <a:endParaRPr b="0" lang="en-US" sz="3200" spc="-1" strike="noStrike">
+              <a:latin typeface="Arial"/>
+            </a:endParaRPr>
+          </a:p>
+        </p:txBody>
+      </p:sp>
+      <p:sp>
+        <p:nvSpPr>
+          <p:cNvPr id="96" name="PlaceHolder 3"/>
           <p:cNvSpPr>
             <a:spLocks noGrp="1"/>
           </p:cNvSpPr>
@@ -2706,8 +2543,8 @@
         </p:nvSpPr>
         <p:spPr>
           <a:xfrm>
-            <a:off x="4674240" y="1604520"/>
-            <a:ext cx="4015800" cy="3977280"/>
+            <a:off x="4673880" y="1604520"/>
+            <a:ext cx="4015440" cy="3976920"/>
           </a:xfrm>
           <a:prstGeom prst="rect">
             <a:avLst/>
@@ -2718,18 +2555,15 @@
             <a:normAutofit/>
           </a:bodyPr>
           <a:p>
-            <a:endParaRPr b="0" lang="en-US" sz="2800" spc="-1" strike="noStrike">
-              <a:solidFill>
-                <a:srgbClr val="000000"/>
-              </a:solidFill>
-              <a:latin typeface="Calibri"/>
-            </a:endParaRPr>
-          </a:p>
-        </p:txBody>
-      </p:sp>
-      <p:sp>
-        <p:nvSpPr>
-          <p:cNvPr id="100" name="PlaceHolder 4"/>
+            <a:endParaRPr b="0" lang="en-US" sz="3200" spc="-1" strike="noStrike">
+              <a:latin typeface="Arial"/>
+            </a:endParaRPr>
+          </a:p>
+        </p:txBody>
+      </p:sp>
+      <p:sp>
+        <p:nvSpPr>
+          <p:cNvPr id="97" name="PlaceHolder 4"/>
           <p:cNvSpPr>
             <a:spLocks noGrp="1"/>
           </p:cNvSpPr>
@@ -2740,7 +2574,7 @@
         <p:spPr>
           <a:xfrm>
             <a:off x="457200" y="3682080"/>
-            <a:ext cx="4015800" cy="1896840"/>
+            <a:ext cx="4015440" cy="1896840"/>
           </a:xfrm>
           <a:prstGeom prst="rect">
             <a:avLst/>
@@ -2751,11 +2585,8 @@
             <a:normAutofit/>
           </a:bodyPr>
           <a:p>
-            <a:endParaRPr b="0" lang="en-US" sz="2800" spc="-1" strike="noStrike">
-              <a:solidFill>
-                <a:srgbClr val="000000"/>
-              </a:solidFill>
-              <a:latin typeface="Calibri"/>
+            <a:endParaRPr b="0" lang="en-US" sz="3200" spc="-1" strike="noStrike">
+              <a:latin typeface="Arial"/>
             </a:endParaRPr>
           </a:p>
         </p:txBody>
@@ -2784,7 +2615,7 @@
       </p:grpSpPr>
       <p:sp>
         <p:nvSpPr>
-          <p:cNvPr id="101" name="PlaceHolder 1"/>
+          <p:cNvPr id="98" name="PlaceHolder 1"/>
           <p:cNvSpPr>
             <a:spLocks noGrp="1"/>
           </p:cNvSpPr>
@@ -2795,7 +2626,7 @@
         <p:spPr>
           <a:xfrm>
             <a:off x="457200" y="273600"/>
-            <a:ext cx="8229240" cy="1144800"/>
+            <a:ext cx="8228880" cy="1144440"/>
           </a:xfrm>
           <a:prstGeom prst="rect">
             <a:avLst/>
@@ -2804,18 +2635,16 @@
         <p:txBody>
           <a:bodyPr lIns="0" rIns="0" tIns="0" bIns="0" anchor="ctr"/>
           <a:p>
-            <a:endParaRPr b="0" lang="en-US" sz="1800" spc="-1" strike="noStrike">
-              <a:solidFill>
-                <a:srgbClr val="000000"/>
-              </a:solidFill>
-              <a:latin typeface="Calibri"/>
-            </a:endParaRPr>
-          </a:p>
-        </p:txBody>
-      </p:sp>
-      <p:sp>
-        <p:nvSpPr>
-          <p:cNvPr id="102" name="PlaceHolder 2"/>
+            <a:pPr algn="ctr"/>
+            <a:endParaRPr b="0" lang="en-US" sz="4400" spc="-1" strike="noStrike">
+              <a:latin typeface="Arial"/>
+            </a:endParaRPr>
+          </a:p>
+        </p:txBody>
+      </p:sp>
+      <p:sp>
+        <p:nvSpPr>
+          <p:cNvPr id="99" name="PlaceHolder 2"/>
           <p:cNvSpPr>
             <a:spLocks noGrp="1"/>
           </p:cNvSpPr>
@@ -2826,7 +2655,7 @@
         <p:spPr>
           <a:xfrm>
             <a:off x="457200" y="1604520"/>
-            <a:ext cx="4015800" cy="3977280"/>
+            <a:ext cx="4015440" cy="3976920"/>
           </a:xfrm>
           <a:prstGeom prst="rect">
             <a:avLst/>
@@ -2837,18 +2666,15 @@
             <a:normAutofit/>
           </a:bodyPr>
           <a:p>
-            <a:endParaRPr b="0" lang="en-US" sz="2800" spc="-1" strike="noStrike">
-              <a:solidFill>
-                <a:srgbClr val="000000"/>
-              </a:solidFill>
-              <a:latin typeface="Calibri"/>
-            </a:endParaRPr>
-          </a:p>
-        </p:txBody>
-      </p:sp>
-      <p:sp>
-        <p:nvSpPr>
-          <p:cNvPr id="103" name="PlaceHolder 3"/>
+            <a:endParaRPr b="0" lang="en-US" sz="3200" spc="-1" strike="noStrike">
+              <a:latin typeface="Arial"/>
+            </a:endParaRPr>
+          </a:p>
+        </p:txBody>
+      </p:sp>
+      <p:sp>
+        <p:nvSpPr>
+          <p:cNvPr id="100" name="PlaceHolder 3"/>
           <p:cNvSpPr>
             <a:spLocks noGrp="1"/>
           </p:cNvSpPr>
@@ -2858,8 +2684,8 @@
         </p:nvSpPr>
         <p:spPr>
           <a:xfrm>
-            <a:off x="4674240" y="1604520"/>
-            <a:ext cx="4015800" cy="1896840"/>
+            <a:off x="4673880" y="1604520"/>
+            <a:ext cx="4015440" cy="1896840"/>
           </a:xfrm>
           <a:prstGeom prst="rect">
             <a:avLst/>
@@ -2870,18 +2696,15 @@
             <a:normAutofit/>
           </a:bodyPr>
           <a:p>
-            <a:endParaRPr b="0" lang="en-US" sz="2800" spc="-1" strike="noStrike">
-              <a:solidFill>
-                <a:srgbClr val="000000"/>
-              </a:solidFill>
-              <a:latin typeface="Calibri"/>
-            </a:endParaRPr>
-          </a:p>
-        </p:txBody>
-      </p:sp>
-      <p:sp>
-        <p:nvSpPr>
-          <p:cNvPr id="104" name="PlaceHolder 4"/>
+            <a:endParaRPr b="0" lang="en-US" sz="3200" spc="-1" strike="noStrike">
+              <a:latin typeface="Arial"/>
+            </a:endParaRPr>
+          </a:p>
+        </p:txBody>
+      </p:sp>
+      <p:sp>
+        <p:nvSpPr>
+          <p:cNvPr id="101" name="PlaceHolder 4"/>
           <p:cNvSpPr>
             <a:spLocks noGrp="1"/>
           </p:cNvSpPr>
@@ -2891,8 +2714,8 @@
         </p:nvSpPr>
         <p:spPr>
           <a:xfrm>
-            <a:off x="4674240" y="3682080"/>
-            <a:ext cx="4015800" cy="1896840"/>
+            <a:off x="4673880" y="3682080"/>
+            <a:ext cx="4015440" cy="1896840"/>
           </a:xfrm>
           <a:prstGeom prst="rect">
             <a:avLst/>
@@ -2903,11 +2726,8 @@
             <a:normAutofit/>
           </a:bodyPr>
           <a:p>
-            <a:endParaRPr b="0" lang="en-US" sz="2800" spc="-1" strike="noStrike">
-              <a:solidFill>
-                <a:srgbClr val="000000"/>
-              </a:solidFill>
-              <a:latin typeface="Calibri"/>
+            <a:endParaRPr b="0" lang="en-US" sz="3200" spc="-1" strike="noStrike">
+              <a:latin typeface="Arial"/>
             </a:endParaRPr>
           </a:p>
         </p:txBody>
@@ -2936,7 +2756,7 @@
       </p:grpSpPr>
       <p:sp>
         <p:nvSpPr>
-          <p:cNvPr id="105" name="PlaceHolder 1"/>
+          <p:cNvPr id="102" name="PlaceHolder 1"/>
           <p:cNvSpPr>
             <a:spLocks noGrp="1"/>
           </p:cNvSpPr>
@@ -2947,7 +2767,7 @@
         <p:spPr>
           <a:xfrm>
             <a:off x="457200" y="273600"/>
-            <a:ext cx="8229240" cy="1144800"/>
+            <a:ext cx="8228880" cy="1144440"/>
           </a:xfrm>
           <a:prstGeom prst="rect">
             <a:avLst/>
@@ -2956,18 +2776,16 @@
         <p:txBody>
           <a:bodyPr lIns="0" rIns="0" tIns="0" bIns="0" anchor="ctr"/>
           <a:p>
-            <a:endParaRPr b="0" lang="en-US" sz="1800" spc="-1" strike="noStrike">
-              <a:solidFill>
-                <a:srgbClr val="000000"/>
-              </a:solidFill>
-              <a:latin typeface="Calibri"/>
-            </a:endParaRPr>
-          </a:p>
-        </p:txBody>
-      </p:sp>
-      <p:sp>
-        <p:nvSpPr>
-          <p:cNvPr id="106" name="PlaceHolder 2"/>
+            <a:pPr algn="ctr"/>
+            <a:endParaRPr b="0" lang="en-US" sz="4400" spc="-1" strike="noStrike">
+              <a:latin typeface="Arial"/>
+            </a:endParaRPr>
+          </a:p>
+        </p:txBody>
+      </p:sp>
+      <p:sp>
+        <p:nvSpPr>
+          <p:cNvPr id="103" name="PlaceHolder 2"/>
           <p:cNvSpPr>
             <a:spLocks noGrp="1"/>
           </p:cNvSpPr>
@@ -2978,7 +2796,7 @@
         <p:spPr>
           <a:xfrm>
             <a:off x="457200" y="1604520"/>
-            <a:ext cx="4015800" cy="1896840"/>
+            <a:ext cx="4015440" cy="1896840"/>
           </a:xfrm>
           <a:prstGeom prst="rect">
             <a:avLst/>
@@ -2989,18 +2807,15 @@
             <a:normAutofit/>
           </a:bodyPr>
           <a:p>
-            <a:endParaRPr b="0" lang="en-US" sz="2800" spc="-1" strike="noStrike">
-              <a:solidFill>
-                <a:srgbClr val="000000"/>
-              </a:solidFill>
-              <a:latin typeface="Calibri"/>
-            </a:endParaRPr>
-          </a:p>
-        </p:txBody>
-      </p:sp>
-      <p:sp>
-        <p:nvSpPr>
-          <p:cNvPr id="107" name="PlaceHolder 3"/>
+            <a:endParaRPr b="0" lang="en-US" sz="3200" spc="-1" strike="noStrike">
+              <a:latin typeface="Arial"/>
+            </a:endParaRPr>
+          </a:p>
+        </p:txBody>
+      </p:sp>
+      <p:sp>
+        <p:nvSpPr>
+          <p:cNvPr id="104" name="PlaceHolder 3"/>
           <p:cNvSpPr>
             <a:spLocks noGrp="1"/>
           </p:cNvSpPr>
@@ -3010,8 +2825,8 @@
         </p:nvSpPr>
         <p:spPr>
           <a:xfrm>
-            <a:off x="4674240" y="1604520"/>
-            <a:ext cx="4015800" cy="1896840"/>
+            <a:off x="4673880" y="1604520"/>
+            <a:ext cx="4015440" cy="1896840"/>
           </a:xfrm>
           <a:prstGeom prst="rect">
             <a:avLst/>
@@ -3022,18 +2837,15 @@
             <a:normAutofit/>
           </a:bodyPr>
           <a:p>
-            <a:endParaRPr b="0" lang="en-US" sz="2800" spc="-1" strike="noStrike">
-              <a:solidFill>
-                <a:srgbClr val="000000"/>
-              </a:solidFill>
-              <a:latin typeface="Calibri"/>
-            </a:endParaRPr>
-          </a:p>
-        </p:txBody>
-      </p:sp>
-      <p:sp>
-        <p:nvSpPr>
-          <p:cNvPr id="108" name="PlaceHolder 4"/>
+            <a:endParaRPr b="0" lang="en-US" sz="3200" spc="-1" strike="noStrike">
+              <a:latin typeface="Arial"/>
+            </a:endParaRPr>
+          </a:p>
+        </p:txBody>
+      </p:sp>
+      <p:sp>
+        <p:nvSpPr>
+          <p:cNvPr id="105" name="PlaceHolder 4"/>
           <p:cNvSpPr>
             <a:spLocks noGrp="1"/>
           </p:cNvSpPr>
@@ -3044,7 +2856,7 @@
         <p:spPr>
           <a:xfrm>
             <a:off x="457200" y="3682080"/>
-            <a:ext cx="8229240" cy="1896840"/>
+            <a:ext cx="8228880" cy="1896840"/>
           </a:xfrm>
           <a:prstGeom prst="rect">
             <a:avLst/>
@@ -3055,11 +2867,8 @@
             <a:normAutofit/>
           </a:bodyPr>
           <a:p>
-            <a:endParaRPr b="0" lang="en-US" sz="2800" spc="-1" strike="noStrike">
-              <a:solidFill>
-                <a:srgbClr val="000000"/>
-              </a:solidFill>
-              <a:latin typeface="Calibri"/>
+            <a:endParaRPr b="0" lang="en-US" sz="3200" spc="-1" strike="noStrike">
+              <a:latin typeface="Arial"/>
             </a:endParaRPr>
           </a:p>
         </p:txBody>
@@ -3088,7 +2897,7 @@
       </p:grpSpPr>
       <p:sp>
         <p:nvSpPr>
-          <p:cNvPr id="109" name="PlaceHolder 1"/>
+          <p:cNvPr id="106" name="PlaceHolder 1"/>
           <p:cNvSpPr>
             <a:spLocks noGrp="1"/>
           </p:cNvSpPr>
@@ -3099,7 +2908,7 @@
         <p:spPr>
           <a:xfrm>
             <a:off x="457200" y="273600"/>
-            <a:ext cx="8229240" cy="1144800"/>
+            <a:ext cx="8228880" cy="1144440"/>
           </a:xfrm>
           <a:prstGeom prst="rect">
             <a:avLst/>
@@ -3108,18 +2917,16 @@
         <p:txBody>
           <a:bodyPr lIns="0" rIns="0" tIns="0" bIns="0" anchor="ctr"/>
           <a:p>
-            <a:endParaRPr b="0" lang="en-US" sz="1800" spc="-1" strike="noStrike">
-              <a:solidFill>
-                <a:srgbClr val="000000"/>
-              </a:solidFill>
-              <a:latin typeface="Calibri"/>
-            </a:endParaRPr>
-          </a:p>
-        </p:txBody>
-      </p:sp>
-      <p:sp>
-        <p:nvSpPr>
-          <p:cNvPr id="110" name="PlaceHolder 2"/>
+            <a:pPr algn="ctr"/>
+            <a:endParaRPr b="0" lang="en-US" sz="4400" spc="-1" strike="noStrike">
+              <a:latin typeface="Arial"/>
+            </a:endParaRPr>
+          </a:p>
+        </p:txBody>
+      </p:sp>
+      <p:sp>
+        <p:nvSpPr>
+          <p:cNvPr id="107" name="PlaceHolder 2"/>
           <p:cNvSpPr>
             <a:spLocks noGrp="1"/>
           </p:cNvSpPr>
@@ -3130,7 +2937,7 @@
         <p:spPr>
           <a:xfrm>
             <a:off x="457200" y="1604520"/>
-            <a:ext cx="8229240" cy="1896840"/>
+            <a:ext cx="8228880" cy="1896840"/>
           </a:xfrm>
           <a:prstGeom prst="rect">
             <a:avLst/>
@@ -3141,18 +2948,15 @@
             <a:normAutofit/>
           </a:bodyPr>
           <a:p>
-            <a:endParaRPr b="0" lang="en-US" sz="2800" spc="-1" strike="noStrike">
-              <a:solidFill>
-                <a:srgbClr val="000000"/>
-              </a:solidFill>
-              <a:latin typeface="Calibri"/>
-            </a:endParaRPr>
-          </a:p>
-        </p:txBody>
-      </p:sp>
-      <p:sp>
-        <p:nvSpPr>
-          <p:cNvPr id="111" name="PlaceHolder 3"/>
+            <a:endParaRPr b="0" lang="en-US" sz="3200" spc="-1" strike="noStrike">
+              <a:latin typeface="Arial"/>
+            </a:endParaRPr>
+          </a:p>
+        </p:txBody>
+      </p:sp>
+      <p:sp>
+        <p:nvSpPr>
+          <p:cNvPr id="108" name="PlaceHolder 3"/>
           <p:cNvSpPr>
             <a:spLocks noGrp="1"/>
           </p:cNvSpPr>
@@ -3163,7 +2967,7 @@
         <p:spPr>
           <a:xfrm>
             <a:off x="457200" y="3682080"/>
-            <a:ext cx="8229240" cy="1896840"/>
+            <a:ext cx="8228880" cy="1896840"/>
           </a:xfrm>
           <a:prstGeom prst="rect">
             <a:avLst/>
@@ -3174,11 +2978,8 @@
             <a:normAutofit/>
           </a:bodyPr>
           <a:p>
-            <a:endParaRPr b="0" lang="en-US" sz="2800" spc="-1" strike="noStrike">
-              <a:solidFill>
-                <a:srgbClr val="000000"/>
-              </a:solidFill>
-              <a:latin typeface="Calibri"/>
+            <a:endParaRPr b="0" lang="en-US" sz="3200" spc="-1" strike="noStrike">
+              <a:latin typeface="Arial"/>
             </a:endParaRPr>
           </a:p>
         </p:txBody>
@@ -3207,7 +3008,7 @@
       </p:grpSpPr>
       <p:sp>
         <p:nvSpPr>
-          <p:cNvPr id="112" name="PlaceHolder 1"/>
+          <p:cNvPr id="109" name="PlaceHolder 1"/>
           <p:cNvSpPr>
             <a:spLocks noGrp="1"/>
           </p:cNvSpPr>
@@ -3218,7 +3019,7 @@
         <p:spPr>
           <a:xfrm>
             <a:off x="457200" y="273600"/>
-            <a:ext cx="8229240" cy="1144800"/>
+            <a:ext cx="8228880" cy="1144440"/>
           </a:xfrm>
           <a:prstGeom prst="rect">
             <a:avLst/>
@@ -3227,18 +3028,16 @@
         <p:txBody>
           <a:bodyPr lIns="0" rIns="0" tIns="0" bIns="0" anchor="ctr"/>
           <a:p>
-            <a:endParaRPr b="0" lang="en-US" sz="1800" spc="-1" strike="noStrike">
-              <a:solidFill>
-                <a:srgbClr val="000000"/>
-              </a:solidFill>
-              <a:latin typeface="Calibri"/>
-            </a:endParaRPr>
-          </a:p>
-        </p:txBody>
-      </p:sp>
-      <p:sp>
-        <p:nvSpPr>
-          <p:cNvPr id="113" name="PlaceHolder 2"/>
+            <a:pPr algn="ctr"/>
+            <a:endParaRPr b="0" lang="en-US" sz="4400" spc="-1" strike="noStrike">
+              <a:latin typeface="Arial"/>
+            </a:endParaRPr>
+          </a:p>
+        </p:txBody>
+      </p:sp>
+      <p:sp>
+        <p:nvSpPr>
+          <p:cNvPr id="110" name="PlaceHolder 2"/>
           <p:cNvSpPr>
             <a:spLocks noGrp="1"/>
           </p:cNvSpPr>
@@ -3249,7 +3048,7 @@
         <p:spPr>
           <a:xfrm>
             <a:off x="457200" y="1604520"/>
-            <a:ext cx="4015800" cy="1896840"/>
+            <a:ext cx="4015440" cy="1896840"/>
           </a:xfrm>
           <a:prstGeom prst="rect">
             <a:avLst/>
@@ -3260,18 +3059,15 @@
             <a:normAutofit/>
           </a:bodyPr>
           <a:p>
-            <a:endParaRPr b="0" lang="en-US" sz="2800" spc="-1" strike="noStrike">
-              <a:solidFill>
-                <a:srgbClr val="000000"/>
-              </a:solidFill>
-              <a:latin typeface="Calibri"/>
-            </a:endParaRPr>
-          </a:p>
-        </p:txBody>
-      </p:sp>
-      <p:sp>
-        <p:nvSpPr>
-          <p:cNvPr id="114" name="PlaceHolder 3"/>
+            <a:endParaRPr b="0" lang="en-US" sz="3200" spc="-1" strike="noStrike">
+              <a:latin typeface="Arial"/>
+            </a:endParaRPr>
+          </a:p>
+        </p:txBody>
+      </p:sp>
+      <p:sp>
+        <p:nvSpPr>
+          <p:cNvPr id="111" name="PlaceHolder 3"/>
           <p:cNvSpPr>
             <a:spLocks noGrp="1"/>
           </p:cNvSpPr>
@@ -3281,8 +3077,8 @@
         </p:nvSpPr>
         <p:spPr>
           <a:xfrm>
-            <a:off x="4674240" y="1604520"/>
-            <a:ext cx="4015800" cy="1896840"/>
+            <a:off x="4673880" y="1604520"/>
+            <a:ext cx="4015440" cy="1896840"/>
           </a:xfrm>
           <a:prstGeom prst="rect">
             <a:avLst/>
@@ -3293,18 +3089,15 @@
             <a:normAutofit/>
           </a:bodyPr>
           <a:p>
-            <a:endParaRPr b="0" lang="en-US" sz="2800" spc="-1" strike="noStrike">
-              <a:solidFill>
-                <a:srgbClr val="000000"/>
-              </a:solidFill>
-              <a:latin typeface="Calibri"/>
-            </a:endParaRPr>
-          </a:p>
-        </p:txBody>
-      </p:sp>
-      <p:sp>
-        <p:nvSpPr>
-          <p:cNvPr id="115" name="PlaceHolder 4"/>
+            <a:endParaRPr b="0" lang="en-US" sz="3200" spc="-1" strike="noStrike">
+              <a:latin typeface="Arial"/>
+            </a:endParaRPr>
+          </a:p>
+        </p:txBody>
+      </p:sp>
+      <p:sp>
+        <p:nvSpPr>
+          <p:cNvPr id="112" name="PlaceHolder 4"/>
           <p:cNvSpPr>
             <a:spLocks noGrp="1"/>
           </p:cNvSpPr>
@@ -3315,7 +3108,7 @@
         <p:spPr>
           <a:xfrm>
             <a:off x="457200" y="3682080"/>
-            <a:ext cx="4015800" cy="1896840"/>
+            <a:ext cx="4015440" cy="1896840"/>
           </a:xfrm>
           <a:prstGeom prst="rect">
             <a:avLst/>
@@ -3326,18 +3119,15 @@
             <a:normAutofit/>
           </a:bodyPr>
           <a:p>
-            <a:endParaRPr b="0" lang="en-US" sz="2800" spc="-1" strike="noStrike">
-              <a:solidFill>
-                <a:srgbClr val="000000"/>
-              </a:solidFill>
-              <a:latin typeface="Calibri"/>
-            </a:endParaRPr>
-          </a:p>
-        </p:txBody>
-      </p:sp>
-      <p:sp>
-        <p:nvSpPr>
-          <p:cNvPr id="116" name="PlaceHolder 5"/>
+            <a:endParaRPr b="0" lang="en-US" sz="3200" spc="-1" strike="noStrike">
+              <a:latin typeface="Arial"/>
+            </a:endParaRPr>
+          </a:p>
+        </p:txBody>
+      </p:sp>
+      <p:sp>
+        <p:nvSpPr>
+          <p:cNvPr id="113" name="PlaceHolder 5"/>
           <p:cNvSpPr>
             <a:spLocks noGrp="1"/>
           </p:cNvSpPr>
@@ -3347,8 +3137,8 @@
         </p:nvSpPr>
         <p:spPr>
           <a:xfrm>
-            <a:off x="4674240" y="3682080"/>
-            <a:ext cx="4015800" cy="1896840"/>
+            <a:off x="4673880" y="3682080"/>
+            <a:ext cx="4015440" cy="1896840"/>
           </a:xfrm>
           <a:prstGeom prst="rect">
             <a:avLst/>
@@ -3359,11 +3149,8 @@
             <a:normAutofit/>
           </a:bodyPr>
           <a:p>
-            <a:endParaRPr b="0" lang="en-US" sz="2800" spc="-1" strike="noStrike">
-              <a:solidFill>
-                <a:srgbClr val="000000"/>
-              </a:solidFill>
-              <a:latin typeface="Calibri"/>
+            <a:endParaRPr b="0" lang="en-US" sz="3200" spc="-1" strike="noStrike">
+              <a:latin typeface="Arial"/>
             </a:endParaRPr>
           </a:p>
         </p:txBody>
@@ -3392,7 +3179,7 @@
       </p:grpSpPr>
       <p:sp>
         <p:nvSpPr>
-          <p:cNvPr id="117" name="PlaceHolder 1"/>
+          <p:cNvPr id="114" name="PlaceHolder 1"/>
           <p:cNvSpPr>
             <a:spLocks noGrp="1"/>
           </p:cNvSpPr>
@@ -3403,7 +3190,7 @@
         <p:spPr>
           <a:xfrm>
             <a:off x="457200" y="273600"/>
-            <a:ext cx="8229240" cy="1144800"/>
+            <a:ext cx="8228880" cy="1144440"/>
           </a:xfrm>
           <a:prstGeom prst="rect">
             <a:avLst/>
@@ -3412,18 +3199,16 @@
         <p:txBody>
           <a:bodyPr lIns="0" rIns="0" tIns="0" bIns="0" anchor="ctr"/>
           <a:p>
-            <a:endParaRPr b="0" lang="en-US" sz="1800" spc="-1" strike="noStrike">
-              <a:solidFill>
-                <a:srgbClr val="000000"/>
-              </a:solidFill>
-              <a:latin typeface="Calibri"/>
-            </a:endParaRPr>
-          </a:p>
-        </p:txBody>
-      </p:sp>
-      <p:sp>
-        <p:nvSpPr>
-          <p:cNvPr id="118" name="PlaceHolder 2"/>
+            <a:pPr algn="ctr"/>
+            <a:endParaRPr b="0" lang="en-US" sz="4400" spc="-1" strike="noStrike">
+              <a:latin typeface="Arial"/>
+            </a:endParaRPr>
+          </a:p>
+        </p:txBody>
+      </p:sp>
+      <p:sp>
+        <p:nvSpPr>
+          <p:cNvPr id="115" name="PlaceHolder 2"/>
           <p:cNvSpPr>
             <a:spLocks noGrp="1"/>
           </p:cNvSpPr>
@@ -3445,18 +3230,15 @@
             <a:normAutofit/>
           </a:bodyPr>
           <a:p>
-            <a:endParaRPr b="0" lang="en-US" sz="2800" spc="-1" strike="noStrike">
-              <a:solidFill>
-                <a:srgbClr val="000000"/>
-              </a:solidFill>
-              <a:latin typeface="Calibri"/>
-            </a:endParaRPr>
-          </a:p>
-        </p:txBody>
-      </p:sp>
-      <p:sp>
-        <p:nvSpPr>
-          <p:cNvPr id="119" name="PlaceHolder 3"/>
+            <a:endParaRPr b="0" lang="en-US" sz="3200" spc="-1" strike="noStrike">
+              <a:latin typeface="Arial"/>
+            </a:endParaRPr>
+          </a:p>
+        </p:txBody>
+      </p:sp>
+      <p:sp>
+        <p:nvSpPr>
+          <p:cNvPr id="116" name="PlaceHolder 3"/>
           <p:cNvSpPr>
             <a:spLocks noGrp="1"/>
           </p:cNvSpPr>
@@ -3478,18 +3260,15 @@
             <a:normAutofit/>
           </a:bodyPr>
           <a:p>
-            <a:endParaRPr b="0" lang="en-US" sz="2800" spc="-1" strike="noStrike">
-              <a:solidFill>
-                <a:srgbClr val="000000"/>
-              </a:solidFill>
-              <a:latin typeface="Calibri"/>
-            </a:endParaRPr>
-          </a:p>
-        </p:txBody>
-      </p:sp>
-      <p:sp>
-        <p:nvSpPr>
-          <p:cNvPr id="120" name="PlaceHolder 4"/>
+            <a:endParaRPr b="0" lang="en-US" sz="3200" spc="-1" strike="noStrike">
+              <a:latin typeface="Arial"/>
+            </a:endParaRPr>
+          </a:p>
+        </p:txBody>
+      </p:sp>
+      <p:sp>
+        <p:nvSpPr>
+          <p:cNvPr id="117" name="PlaceHolder 4"/>
           <p:cNvSpPr>
             <a:spLocks noGrp="1"/>
           </p:cNvSpPr>
@@ -3511,18 +3290,15 @@
             <a:normAutofit/>
           </a:bodyPr>
           <a:p>
-            <a:endParaRPr b="0" lang="en-US" sz="2800" spc="-1" strike="noStrike">
-              <a:solidFill>
-                <a:srgbClr val="000000"/>
-              </a:solidFill>
-              <a:latin typeface="Calibri"/>
-            </a:endParaRPr>
-          </a:p>
-        </p:txBody>
-      </p:sp>
-      <p:sp>
-        <p:nvSpPr>
-          <p:cNvPr id="121" name="PlaceHolder 5"/>
+            <a:endParaRPr b="0" lang="en-US" sz="3200" spc="-1" strike="noStrike">
+              <a:latin typeface="Arial"/>
+            </a:endParaRPr>
+          </a:p>
+        </p:txBody>
+      </p:sp>
+      <p:sp>
+        <p:nvSpPr>
+          <p:cNvPr id="118" name="PlaceHolder 5"/>
           <p:cNvSpPr>
             <a:spLocks noGrp="1"/>
           </p:cNvSpPr>
@@ -3544,18 +3320,15 @@
             <a:normAutofit/>
           </a:bodyPr>
           <a:p>
-            <a:endParaRPr b="0" lang="en-US" sz="2800" spc="-1" strike="noStrike">
-              <a:solidFill>
-                <a:srgbClr val="000000"/>
-              </a:solidFill>
-              <a:latin typeface="Calibri"/>
-            </a:endParaRPr>
-          </a:p>
-        </p:txBody>
-      </p:sp>
-      <p:sp>
-        <p:nvSpPr>
-          <p:cNvPr id="122" name="PlaceHolder 6"/>
+            <a:endParaRPr b="0" lang="en-US" sz="3200" spc="-1" strike="noStrike">
+              <a:latin typeface="Arial"/>
+            </a:endParaRPr>
+          </a:p>
+        </p:txBody>
+      </p:sp>
+      <p:sp>
+        <p:nvSpPr>
+          <p:cNvPr id="119" name="PlaceHolder 6"/>
           <p:cNvSpPr>
             <a:spLocks noGrp="1"/>
           </p:cNvSpPr>
@@ -3577,18 +3350,15 @@
             <a:normAutofit/>
           </a:bodyPr>
           <a:p>
-            <a:endParaRPr b="0" lang="en-US" sz="2800" spc="-1" strike="noStrike">
-              <a:solidFill>
-                <a:srgbClr val="000000"/>
-              </a:solidFill>
-              <a:latin typeface="Calibri"/>
-            </a:endParaRPr>
-          </a:p>
-        </p:txBody>
-      </p:sp>
-      <p:sp>
-        <p:nvSpPr>
-          <p:cNvPr id="123" name="PlaceHolder 7"/>
+            <a:endParaRPr b="0" lang="en-US" sz="3200" spc="-1" strike="noStrike">
+              <a:latin typeface="Arial"/>
+            </a:endParaRPr>
+          </a:p>
+        </p:txBody>
+      </p:sp>
+      <p:sp>
+        <p:nvSpPr>
+          <p:cNvPr id="120" name="PlaceHolder 7"/>
           <p:cNvSpPr>
             <a:spLocks noGrp="1"/>
           </p:cNvSpPr>
@@ -3610,201 +3380,8 @@
             <a:normAutofit/>
           </a:bodyPr>
           <a:p>
-            <a:endParaRPr b="0" lang="en-US" sz="2800" spc="-1" strike="noStrike">
-              <a:solidFill>
-                <a:srgbClr val="000000"/>
-              </a:solidFill>
-              <a:latin typeface="Calibri"/>
-            </a:endParaRPr>
-          </a:p>
-        </p:txBody>
-      </p:sp>
-    </p:spTree>
-  </p:cSld>
-</p:sldLayout>
-</file>
-
-<file path=ppt/slideLayouts/slideLayout37.xml><?xml version="1.0" encoding="utf-8"?>
-<p:sldLayout xmlns:a="http://schemas.openxmlformats.org/drawingml/2006/main" xmlns:p="http://schemas.openxmlformats.org/presentationml/2006/main" xmlns:r="http://schemas.openxmlformats.org/officeDocument/2006/relationships" xmlns:p14="http://schemas.microsoft.com/office/powerpoint/2010/main" xmlns:p15="http://schemas.microsoft.com/office/powerpoint/2012/main" xmlns:mc="http://schemas.openxmlformats.org/markup-compatibility/2006" type="blank" preserve="1">
-  <p:cSld name="Blank Slide">
-    <p:spTree>
-      <p:nvGrpSpPr>
-        <p:cNvPr id="1" name=""/>
-        <p:cNvGrpSpPr/>
-        <p:nvPr/>
-      </p:nvGrpSpPr>
-      <p:grpSpPr>
-        <a:xfrm>
-          <a:off x="0" y="0"/>
-          <a:ext cx="0" cy="0"/>
-          <a:chOff x="0" y="0"/>
-          <a:chExt cx="0" cy="0"/>
-        </a:xfrm>
-      </p:grpSpPr>
-    </p:spTree>
-  </p:cSld>
-</p:sldLayout>
-</file>
-
-<file path=ppt/slideLayouts/slideLayout38.xml><?xml version="1.0" encoding="utf-8"?>
-<p:sldLayout xmlns:a="http://schemas.openxmlformats.org/drawingml/2006/main" xmlns:p="http://schemas.openxmlformats.org/presentationml/2006/main" xmlns:r="http://schemas.openxmlformats.org/officeDocument/2006/relationships" xmlns:p14="http://schemas.microsoft.com/office/powerpoint/2010/main" xmlns:p15="http://schemas.microsoft.com/office/powerpoint/2012/main" xmlns:mc="http://schemas.openxmlformats.org/markup-compatibility/2006" type="tx" preserve="1">
-  <p:cSld name="Title Slide">
-    <p:spTree>
-      <p:nvGrpSpPr>
-        <p:cNvPr id="1" name=""/>
-        <p:cNvGrpSpPr/>
-        <p:nvPr/>
-      </p:nvGrpSpPr>
-      <p:grpSpPr>
-        <a:xfrm>
-          <a:off x="0" y="0"/>
-          <a:ext cx="0" cy="0"/>
-          <a:chOff x="0" y="0"/>
-          <a:chExt cx="0" cy="0"/>
-        </a:xfrm>
-      </p:grpSpPr>
-      <p:sp>
-        <p:nvSpPr>
-          <p:cNvPr id="132" name="PlaceHolder 1"/>
-          <p:cNvSpPr>
-            <a:spLocks noGrp="1"/>
-          </p:cNvSpPr>
-          <p:nvPr>
-            <p:ph type="title"/>
-          </p:nvPr>
-        </p:nvSpPr>
-        <p:spPr>
-          <a:xfrm>
-            <a:off x="457200" y="273600"/>
-            <a:ext cx="8229240" cy="1144800"/>
-          </a:xfrm>
-          <a:prstGeom prst="rect">
-            <a:avLst/>
-          </a:prstGeom>
-        </p:spPr>
-        <p:txBody>
-          <a:bodyPr lIns="0" rIns="0" tIns="0" bIns="0" anchor="ctr"/>
-          <a:p>
-            <a:endParaRPr b="0" lang="en-US" sz="1800" spc="-1" strike="noStrike">
-              <a:solidFill>
-                <a:srgbClr val="000000"/>
-              </a:solidFill>
-              <a:latin typeface="Calibri"/>
-            </a:endParaRPr>
-          </a:p>
-        </p:txBody>
-      </p:sp>
-      <p:sp>
-        <p:nvSpPr>
-          <p:cNvPr id="133" name="PlaceHolder 2"/>
-          <p:cNvSpPr>
-            <a:spLocks noGrp="1"/>
-          </p:cNvSpPr>
-          <p:nvPr>
-            <p:ph type="subTitle"/>
-          </p:nvPr>
-        </p:nvSpPr>
-        <p:spPr>
-          <a:xfrm>
-            <a:off x="457200" y="1604520"/>
-            <a:ext cx="8229240" cy="3977280"/>
-          </a:xfrm>
-          <a:prstGeom prst="rect">
-            <a:avLst/>
-          </a:prstGeom>
-        </p:spPr>
-        <p:txBody>
-          <a:bodyPr lIns="0" rIns="0" tIns="0" bIns="0" anchor="ctr"/>
-          <a:p>
-            <a:pPr algn="ctr"/>
             <a:endParaRPr b="0" lang="en-US" sz="3200" spc="-1" strike="noStrike">
               <a:latin typeface="Arial"/>
-            </a:endParaRPr>
-          </a:p>
-        </p:txBody>
-      </p:sp>
-    </p:spTree>
-  </p:cSld>
-</p:sldLayout>
-</file>
-
-<file path=ppt/slideLayouts/slideLayout39.xml><?xml version="1.0" encoding="utf-8"?>
-<p:sldLayout xmlns:a="http://schemas.openxmlformats.org/drawingml/2006/main" xmlns:p="http://schemas.openxmlformats.org/presentationml/2006/main" xmlns:r="http://schemas.openxmlformats.org/officeDocument/2006/relationships" xmlns:p14="http://schemas.microsoft.com/office/powerpoint/2010/main" xmlns:p15="http://schemas.microsoft.com/office/powerpoint/2012/main" xmlns:mc="http://schemas.openxmlformats.org/markup-compatibility/2006" type="obj" preserve="1">
-  <p:cSld name="Title, Content">
-    <p:spTree>
-      <p:nvGrpSpPr>
-        <p:cNvPr id="1" name=""/>
-        <p:cNvGrpSpPr/>
-        <p:nvPr/>
-      </p:nvGrpSpPr>
-      <p:grpSpPr>
-        <a:xfrm>
-          <a:off x="0" y="0"/>
-          <a:ext cx="0" cy="0"/>
-          <a:chOff x="0" y="0"/>
-          <a:chExt cx="0" cy="0"/>
-        </a:xfrm>
-      </p:grpSpPr>
-      <p:sp>
-        <p:nvSpPr>
-          <p:cNvPr id="134" name="PlaceHolder 1"/>
-          <p:cNvSpPr>
-            <a:spLocks noGrp="1"/>
-          </p:cNvSpPr>
-          <p:nvPr>
-            <p:ph type="title"/>
-          </p:nvPr>
-        </p:nvSpPr>
-        <p:spPr>
-          <a:xfrm>
-            <a:off x="457200" y="273600"/>
-            <a:ext cx="8229240" cy="1144800"/>
-          </a:xfrm>
-          <a:prstGeom prst="rect">
-            <a:avLst/>
-          </a:prstGeom>
-        </p:spPr>
-        <p:txBody>
-          <a:bodyPr lIns="0" rIns="0" tIns="0" bIns="0" anchor="ctr"/>
-          <a:p>
-            <a:endParaRPr b="0" lang="en-US" sz="1800" spc="-1" strike="noStrike">
-              <a:solidFill>
-                <a:srgbClr val="000000"/>
-              </a:solidFill>
-              <a:latin typeface="Calibri"/>
-            </a:endParaRPr>
-          </a:p>
-        </p:txBody>
-      </p:sp>
-      <p:sp>
-        <p:nvSpPr>
-          <p:cNvPr id="135" name="PlaceHolder 2"/>
-          <p:cNvSpPr>
-            <a:spLocks noGrp="1"/>
-          </p:cNvSpPr>
-          <p:nvPr>
-            <p:ph type="body"/>
-          </p:nvPr>
-        </p:nvSpPr>
-        <p:spPr>
-          <a:xfrm>
-            <a:off x="457200" y="1604520"/>
-            <a:ext cx="8229240" cy="3977280"/>
-          </a:xfrm>
-          <a:prstGeom prst="rect">
-            <a:avLst/>
-          </a:prstGeom>
-        </p:spPr>
-        <p:txBody>
-          <a:bodyPr lIns="0" rIns="0" tIns="0" bIns="0">
-            <a:normAutofit/>
-          </a:bodyPr>
-          <a:p>
-            <a:endParaRPr b="0" lang="en-US" sz="2800" spc="-1" strike="noStrike">
-              <a:solidFill>
-                <a:srgbClr val="000000"/>
-              </a:solidFill>
-              <a:latin typeface="Calibri"/>
             </a:endParaRPr>
           </a:p>
         </p:txBody>
@@ -3833,7 +3410,7 @@
       </p:grpSpPr>
       <p:sp>
         <p:nvSpPr>
-          <p:cNvPr id="9" name="PlaceHolder 1"/>
+          <p:cNvPr id="8" name="PlaceHolder 1"/>
           <p:cNvSpPr>
             <a:spLocks noGrp="1"/>
           </p:cNvSpPr>
@@ -3844,7 +3421,7 @@
         <p:spPr>
           <a:xfrm>
             <a:off x="457200" y="273600"/>
-            <a:ext cx="8229240" cy="1144800"/>
+            <a:ext cx="8228880" cy="1144440"/>
           </a:xfrm>
           <a:prstGeom prst="rect">
             <a:avLst/>
@@ -3853,18 +3430,16 @@
         <p:txBody>
           <a:bodyPr lIns="0" rIns="0" tIns="0" bIns="0" anchor="ctr"/>
           <a:p>
-            <a:endParaRPr b="0" lang="en-US" sz="1800" spc="-1" strike="noStrike">
-              <a:solidFill>
-                <a:srgbClr val="000000"/>
-              </a:solidFill>
-              <a:latin typeface="Calibri"/>
-            </a:endParaRPr>
-          </a:p>
-        </p:txBody>
-      </p:sp>
-      <p:sp>
-        <p:nvSpPr>
-          <p:cNvPr id="10" name="PlaceHolder 2"/>
+            <a:pPr algn="ctr"/>
+            <a:endParaRPr b="0" lang="en-US" sz="4400" spc="-1" strike="noStrike">
+              <a:latin typeface="Arial"/>
+            </a:endParaRPr>
+          </a:p>
+        </p:txBody>
+      </p:sp>
+      <p:sp>
+        <p:nvSpPr>
+          <p:cNvPr id="9" name="PlaceHolder 2"/>
           <p:cNvSpPr>
             <a:spLocks noGrp="1"/>
           </p:cNvSpPr>
@@ -3875,7 +3450,7 @@
         <p:spPr>
           <a:xfrm>
             <a:off x="457200" y="1604520"/>
-            <a:ext cx="4015800" cy="3977280"/>
+            <a:ext cx="4015440" cy="3976920"/>
           </a:xfrm>
           <a:prstGeom prst="rect">
             <a:avLst/>
@@ -3886,18 +3461,15 @@
             <a:normAutofit/>
           </a:bodyPr>
           <a:p>
-            <a:endParaRPr b="0" lang="en-US" sz="2800" spc="-1" strike="noStrike">
-              <a:solidFill>
-                <a:srgbClr val="000000"/>
-              </a:solidFill>
-              <a:latin typeface="Calibri"/>
-            </a:endParaRPr>
-          </a:p>
-        </p:txBody>
-      </p:sp>
-      <p:sp>
-        <p:nvSpPr>
-          <p:cNvPr id="11" name="PlaceHolder 3"/>
+            <a:endParaRPr b="0" lang="en-US" sz="3200" spc="-1" strike="noStrike">
+              <a:latin typeface="Arial"/>
+            </a:endParaRPr>
+          </a:p>
+        </p:txBody>
+      </p:sp>
+      <p:sp>
+        <p:nvSpPr>
+          <p:cNvPr id="10" name="PlaceHolder 3"/>
           <p:cNvSpPr>
             <a:spLocks noGrp="1"/>
           </p:cNvSpPr>
@@ -3907,8 +3479,8 @@
         </p:nvSpPr>
         <p:spPr>
           <a:xfrm>
-            <a:off x="4674240" y="1604520"/>
-            <a:ext cx="4015800" cy="3977280"/>
+            <a:off x="4673880" y="1604520"/>
+            <a:ext cx="4015440" cy="3976920"/>
           </a:xfrm>
           <a:prstGeom prst="rect">
             <a:avLst/>
@@ -3919,1245 +3491,8 @@
             <a:normAutofit/>
           </a:bodyPr>
           <a:p>
-            <a:endParaRPr b="0" lang="en-US" sz="2800" spc="-1" strike="noStrike">
-              <a:solidFill>
-                <a:srgbClr val="000000"/>
-              </a:solidFill>
-              <a:latin typeface="Calibri"/>
-            </a:endParaRPr>
-          </a:p>
-        </p:txBody>
-      </p:sp>
-    </p:spTree>
-  </p:cSld>
-</p:sldLayout>
-</file>
-
-<file path=ppt/slideLayouts/slideLayout40.xml><?xml version="1.0" encoding="utf-8"?>
-<p:sldLayout xmlns:a="http://schemas.openxmlformats.org/drawingml/2006/main" xmlns:p="http://schemas.openxmlformats.org/presentationml/2006/main" xmlns:r="http://schemas.openxmlformats.org/officeDocument/2006/relationships" xmlns:p14="http://schemas.microsoft.com/office/powerpoint/2010/main" xmlns:p15="http://schemas.microsoft.com/office/powerpoint/2012/main" xmlns:mc="http://schemas.openxmlformats.org/markup-compatibility/2006" type="twoObj" preserve="1">
-  <p:cSld name="Title, 2 Content">
-    <p:spTree>
-      <p:nvGrpSpPr>
-        <p:cNvPr id="1" name=""/>
-        <p:cNvGrpSpPr/>
-        <p:nvPr/>
-      </p:nvGrpSpPr>
-      <p:grpSpPr>
-        <a:xfrm>
-          <a:off x="0" y="0"/>
-          <a:ext cx="0" cy="0"/>
-          <a:chOff x="0" y="0"/>
-          <a:chExt cx="0" cy="0"/>
-        </a:xfrm>
-      </p:grpSpPr>
-      <p:sp>
-        <p:nvSpPr>
-          <p:cNvPr id="136" name="PlaceHolder 1"/>
-          <p:cNvSpPr>
-            <a:spLocks noGrp="1"/>
-          </p:cNvSpPr>
-          <p:nvPr>
-            <p:ph type="title"/>
-          </p:nvPr>
-        </p:nvSpPr>
-        <p:spPr>
-          <a:xfrm>
-            <a:off x="457200" y="273600"/>
-            <a:ext cx="8229240" cy="1144800"/>
-          </a:xfrm>
-          <a:prstGeom prst="rect">
-            <a:avLst/>
-          </a:prstGeom>
-        </p:spPr>
-        <p:txBody>
-          <a:bodyPr lIns="0" rIns="0" tIns="0" bIns="0" anchor="ctr"/>
-          <a:p>
-            <a:endParaRPr b="0" lang="en-US" sz="1800" spc="-1" strike="noStrike">
-              <a:solidFill>
-                <a:srgbClr val="000000"/>
-              </a:solidFill>
-              <a:latin typeface="Calibri"/>
-            </a:endParaRPr>
-          </a:p>
-        </p:txBody>
-      </p:sp>
-      <p:sp>
-        <p:nvSpPr>
-          <p:cNvPr id="137" name="PlaceHolder 2"/>
-          <p:cNvSpPr>
-            <a:spLocks noGrp="1"/>
-          </p:cNvSpPr>
-          <p:nvPr>
-            <p:ph type="body"/>
-          </p:nvPr>
-        </p:nvSpPr>
-        <p:spPr>
-          <a:xfrm>
-            <a:off x="457200" y="1604520"/>
-            <a:ext cx="4015800" cy="3977280"/>
-          </a:xfrm>
-          <a:prstGeom prst="rect">
-            <a:avLst/>
-          </a:prstGeom>
-        </p:spPr>
-        <p:txBody>
-          <a:bodyPr lIns="0" rIns="0" tIns="0" bIns="0">
-            <a:normAutofit/>
-          </a:bodyPr>
-          <a:p>
-            <a:endParaRPr b="0" lang="en-US" sz="2800" spc="-1" strike="noStrike">
-              <a:solidFill>
-                <a:srgbClr val="000000"/>
-              </a:solidFill>
-              <a:latin typeface="Calibri"/>
-            </a:endParaRPr>
-          </a:p>
-        </p:txBody>
-      </p:sp>
-      <p:sp>
-        <p:nvSpPr>
-          <p:cNvPr id="138" name="PlaceHolder 3"/>
-          <p:cNvSpPr>
-            <a:spLocks noGrp="1"/>
-          </p:cNvSpPr>
-          <p:nvPr>
-            <p:ph type="body"/>
-          </p:nvPr>
-        </p:nvSpPr>
-        <p:spPr>
-          <a:xfrm>
-            <a:off x="4674240" y="1604520"/>
-            <a:ext cx="4015800" cy="3977280"/>
-          </a:xfrm>
-          <a:prstGeom prst="rect">
-            <a:avLst/>
-          </a:prstGeom>
-        </p:spPr>
-        <p:txBody>
-          <a:bodyPr lIns="0" rIns="0" tIns="0" bIns="0">
-            <a:normAutofit/>
-          </a:bodyPr>
-          <a:p>
-            <a:endParaRPr b="0" lang="en-US" sz="2800" spc="-1" strike="noStrike">
-              <a:solidFill>
-                <a:srgbClr val="000000"/>
-              </a:solidFill>
-              <a:latin typeface="Calibri"/>
-            </a:endParaRPr>
-          </a:p>
-        </p:txBody>
-      </p:sp>
-    </p:spTree>
-  </p:cSld>
-</p:sldLayout>
-</file>
-
-<file path=ppt/slideLayouts/slideLayout41.xml><?xml version="1.0" encoding="utf-8"?>
-<p:sldLayout xmlns:a="http://schemas.openxmlformats.org/drawingml/2006/main" xmlns:p="http://schemas.openxmlformats.org/presentationml/2006/main" xmlns:r="http://schemas.openxmlformats.org/officeDocument/2006/relationships" xmlns:p14="http://schemas.microsoft.com/office/powerpoint/2010/main" xmlns:p15="http://schemas.microsoft.com/office/powerpoint/2012/main" xmlns:mc="http://schemas.openxmlformats.org/markup-compatibility/2006" type="titleOnly" preserve="1">
-  <p:cSld name="Title Only">
-    <p:spTree>
-      <p:nvGrpSpPr>
-        <p:cNvPr id="1" name=""/>
-        <p:cNvGrpSpPr/>
-        <p:nvPr/>
-      </p:nvGrpSpPr>
-      <p:grpSpPr>
-        <a:xfrm>
-          <a:off x="0" y="0"/>
-          <a:ext cx="0" cy="0"/>
-          <a:chOff x="0" y="0"/>
-          <a:chExt cx="0" cy="0"/>
-        </a:xfrm>
-      </p:grpSpPr>
-      <p:sp>
-        <p:nvSpPr>
-          <p:cNvPr id="139" name="PlaceHolder 1"/>
-          <p:cNvSpPr>
-            <a:spLocks noGrp="1"/>
-          </p:cNvSpPr>
-          <p:nvPr>
-            <p:ph type="title"/>
-          </p:nvPr>
-        </p:nvSpPr>
-        <p:spPr>
-          <a:xfrm>
-            <a:off x="457200" y="273600"/>
-            <a:ext cx="8229240" cy="1144800"/>
-          </a:xfrm>
-          <a:prstGeom prst="rect">
-            <a:avLst/>
-          </a:prstGeom>
-        </p:spPr>
-        <p:txBody>
-          <a:bodyPr lIns="0" rIns="0" tIns="0" bIns="0" anchor="ctr"/>
-          <a:p>
-            <a:endParaRPr b="0" lang="en-US" sz="1800" spc="-1" strike="noStrike">
-              <a:solidFill>
-                <a:srgbClr val="000000"/>
-              </a:solidFill>
-              <a:latin typeface="Calibri"/>
-            </a:endParaRPr>
-          </a:p>
-        </p:txBody>
-      </p:sp>
-    </p:spTree>
-  </p:cSld>
-</p:sldLayout>
-</file>
-
-<file path=ppt/slideLayouts/slideLayout42.xml><?xml version="1.0" encoding="utf-8"?>
-<p:sldLayout xmlns:a="http://schemas.openxmlformats.org/drawingml/2006/main" xmlns:p="http://schemas.openxmlformats.org/presentationml/2006/main" xmlns:r="http://schemas.openxmlformats.org/officeDocument/2006/relationships" xmlns:p14="http://schemas.microsoft.com/office/powerpoint/2010/main" xmlns:p15="http://schemas.microsoft.com/office/powerpoint/2012/main" xmlns:mc="http://schemas.openxmlformats.org/markup-compatibility/2006" type="objOnly" preserve="1">
-  <p:cSld name="Centered Text">
-    <p:spTree>
-      <p:nvGrpSpPr>
-        <p:cNvPr id="1" name=""/>
-        <p:cNvGrpSpPr/>
-        <p:nvPr/>
-      </p:nvGrpSpPr>
-      <p:grpSpPr>
-        <a:xfrm>
-          <a:off x="0" y="0"/>
-          <a:ext cx="0" cy="0"/>
-          <a:chOff x="0" y="0"/>
-          <a:chExt cx="0" cy="0"/>
-        </a:xfrm>
-      </p:grpSpPr>
-      <p:sp>
-        <p:nvSpPr>
-          <p:cNvPr id="140" name="PlaceHolder 1"/>
-          <p:cNvSpPr>
-            <a:spLocks noGrp="1"/>
-          </p:cNvSpPr>
-          <p:nvPr>
-            <p:ph type="subTitle"/>
-          </p:nvPr>
-        </p:nvSpPr>
-        <p:spPr>
-          <a:xfrm>
-            <a:off x="457200" y="273600"/>
-            <a:ext cx="8229240" cy="5307840"/>
-          </a:xfrm>
-          <a:prstGeom prst="rect">
-            <a:avLst/>
-          </a:prstGeom>
-        </p:spPr>
-        <p:txBody>
-          <a:bodyPr lIns="0" rIns="0" tIns="0" bIns="0" anchor="ctr"/>
-          <a:p>
-            <a:pPr algn="ctr"/>
             <a:endParaRPr b="0" lang="en-US" sz="3200" spc="-1" strike="noStrike">
               <a:latin typeface="Arial"/>
-            </a:endParaRPr>
-          </a:p>
-        </p:txBody>
-      </p:sp>
-    </p:spTree>
-  </p:cSld>
-</p:sldLayout>
-</file>
-
-<file path=ppt/slideLayouts/slideLayout43.xml><?xml version="1.0" encoding="utf-8"?>
-<p:sldLayout xmlns:a="http://schemas.openxmlformats.org/drawingml/2006/main" xmlns:p="http://schemas.openxmlformats.org/presentationml/2006/main" xmlns:r="http://schemas.openxmlformats.org/officeDocument/2006/relationships" xmlns:p14="http://schemas.microsoft.com/office/powerpoint/2010/main" xmlns:p15="http://schemas.microsoft.com/office/powerpoint/2012/main" xmlns:mc="http://schemas.openxmlformats.org/markup-compatibility/2006" type="twoObjAndObj" preserve="1">
-  <p:cSld name="Title, 2 Content and Content">
-    <p:spTree>
-      <p:nvGrpSpPr>
-        <p:cNvPr id="1" name=""/>
-        <p:cNvGrpSpPr/>
-        <p:nvPr/>
-      </p:nvGrpSpPr>
-      <p:grpSpPr>
-        <a:xfrm>
-          <a:off x="0" y="0"/>
-          <a:ext cx="0" cy="0"/>
-          <a:chOff x="0" y="0"/>
-          <a:chExt cx="0" cy="0"/>
-        </a:xfrm>
-      </p:grpSpPr>
-      <p:sp>
-        <p:nvSpPr>
-          <p:cNvPr id="141" name="PlaceHolder 1"/>
-          <p:cNvSpPr>
-            <a:spLocks noGrp="1"/>
-          </p:cNvSpPr>
-          <p:nvPr>
-            <p:ph type="title"/>
-          </p:nvPr>
-        </p:nvSpPr>
-        <p:spPr>
-          <a:xfrm>
-            <a:off x="457200" y="273600"/>
-            <a:ext cx="8229240" cy="1144800"/>
-          </a:xfrm>
-          <a:prstGeom prst="rect">
-            <a:avLst/>
-          </a:prstGeom>
-        </p:spPr>
-        <p:txBody>
-          <a:bodyPr lIns="0" rIns="0" tIns="0" bIns="0" anchor="ctr"/>
-          <a:p>
-            <a:endParaRPr b="0" lang="en-US" sz="1800" spc="-1" strike="noStrike">
-              <a:solidFill>
-                <a:srgbClr val="000000"/>
-              </a:solidFill>
-              <a:latin typeface="Calibri"/>
-            </a:endParaRPr>
-          </a:p>
-        </p:txBody>
-      </p:sp>
-      <p:sp>
-        <p:nvSpPr>
-          <p:cNvPr id="142" name="PlaceHolder 2"/>
-          <p:cNvSpPr>
-            <a:spLocks noGrp="1"/>
-          </p:cNvSpPr>
-          <p:nvPr>
-            <p:ph type="body"/>
-          </p:nvPr>
-        </p:nvSpPr>
-        <p:spPr>
-          <a:xfrm>
-            <a:off x="457200" y="1604520"/>
-            <a:ext cx="4015800" cy="1896840"/>
-          </a:xfrm>
-          <a:prstGeom prst="rect">
-            <a:avLst/>
-          </a:prstGeom>
-        </p:spPr>
-        <p:txBody>
-          <a:bodyPr lIns="0" rIns="0" tIns="0" bIns="0">
-            <a:normAutofit/>
-          </a:bodyPr>
-          <a:p>
-            <a:endParaRPr b="0" lang="en-US" sz="2800" spc="-1" strike="noStrike">
-              <a:solidFill>
-                <a:srgbClr val="000000"/>
-              </a:solidFill>
-              <a:latin typeface="Calibri"/>
-            </a:endParaRPr>
-          </a:p>
-        </p:txBody>
-      </p:sp>
-      <p:sp>
-        <p:nvSpPr>
-          <p:cNvPr id="143" name="PlaceHolder 3"/>
-          <p:cNvSpPr>
-            <a:spLocks noGrp="1"/>
-          </p:cNvSpPr>
-          <p:nvPr>
-            <p:ph type="body"/>
-          </p:nvPr>
-        </p:nvSpPr>
-        <p:spPr>
-          <a:xfrm>
-            <a:off x="4674240" y="1604520"/>
-            <a:ext cx="4015800" cy="3977280"/>
-          </a:xfrm>
-          <a:prstGeom prst="rect">
-            <a:avLst/>
-          </a:prstGeom>
-        </p:spPr>
-        <p:txBody>
-          <a:bodyPr lIns="0" rIns="0" tIns="0" bIns="0">
-            <a:normAutofit/>
-          </a:bodyPr>
-          <a:p>
-            <a:endParaRPr b="0" lang="en-US" sz="2800" spc="-1" strike="noStrike">
-              <a:solidFill>
-                <a:srgbClr val="000000"/>
-              </a:solidFill>
-              <a:latin typeface="Calibri"/>
-            </a:endParaRPr>
-          </a:p>
-        </p:txBody>
-      </p:sp>
-      <p:sp>
-        <p:nvSpPr>
-          <p:cNvPr id="144" name="PlaceHolder 4"/>
-          <p:cNvSpPr>
-            <a:spLocks noGrp="1"/>
-          </p:cNvSpPr>
-          <p:nvPr>
-            <p:ph type="body"/>
-          </p:nvPr>
-        </p:nvSpPr>
-        <p:spPr>
-          <a:xfrm>
-            <a:off x="457200" y="3682080"/>
-            <a:ext cx="4015800" cy="1896840"/>
-          </a:xfrm>
-          <a:prstGeom prst="rect">
-            <a:avLst/>
-          </a:prstGeom>
-        </p:spPr>
-        <p:txBody>
-          <a:bodyPr lIns="0" rIns="0" tIns="0" bIns="0">
-            <a:normAutofit/>
-          </a:bodyPr>
-          <a:p>
-            <a:endParaRPr b="0" lang="en-US" sz="2800" spc="-1" strike="noStrike">
-              <a:solidFill>
-                <a:srgbClr val="000000"/>
-              </a:solidFill>
-              <a:latin typeface="Calibri"/>
-            </a:endParaRPr>
-          </a:p>
-        </p:txBody>
-      </p:sp>
-    </p:spTree>
-  </p:cSld>
-</p:sldLayout>
-</file>
-
-<file path=ppt/slideLayouts/slideLayout44.xml><?xml version="1.0" encoding="utf-8"?>
-<p:sldLayout xmlns:a="http://schemas.openxmlformats.org/drawingml/2006/main" xmlns:p="http://schemas.openxmlformats.org/presentationml/2006/main" xmlns:r="http://schemas.openxmlformats.org/officeDocument/2006/relationships" xmlns:p14="http://schemas.microsoft.com/office/powerpoint/2010/main" xmlns:p15="http://schemas.microsoft.com/office/powerpoint/2012/main" xmlns:mc="http://schemas.openxmlformats.org/markup-compatibility/2006" type="objAndTwoObj" preserve="1">
-  <p:cSld name="Title Content and 2 Content">
-    <p:spTree>
-      <p:nvGrpSpPr>
-        <p:cNvPr id="1" name=""/>
-        <p:cNvGrpSpPr/>
-        <p:nvPr/>
-      </p:nvGrpSpPr>
-      <p:grpSpPr>
-        <a:xfrm>
-          <a:off x="0" y="0"/>
-          <a:ext cx="0" cy="0"/>
-          <a:chOff x="0" y="0"/>
-          <a:chExt cx="0" cy="0"/>
-        </a:xfrm>
-      </p:grpSpPr>
-      <p:sp>
-        <p:nvSpPr>
-          <p:cNvPr id="145" name="PlaceHolder 1"/>
-          <p:cNvSpPr>
-            <a:spLocks noGrp="1"/>
-          </p:cNvSpPr>
-          <p:nvPr>
-            <p:ph type="title"/>
-          </p:nvPr>
-        </p:nvSpPr>
-        <p:spPr>
-          <a:xfrm>
-            <a:off x="457200" y="273600"/>
-            <a:ext cx="8229240" cy="1144800"/>
-          </a:xfrm>
-          <a:prstGeom prst="rect">
-            <a:avLst/>
-          </a:prstGeom>
-        </p:spPr>
-        <p:txBody>
-          <a:bodyPr lIns="0" rIns="0" tIns="0" bIns="0" anchor="ctr"/>
-          <a:p>
-            <a:endParaRPr b="0" lang="en-US" sz="1800" spc="-1" strike="noStrike">
-              <a:solidFill>
-                <a:srgbClr val="000000"/>
-              </a:solidFill>
-              <a:latin typeface="Calibri"/>
-            </a:endParaRPr>
-          </a:p>
-        </p:txBody>
-      </p:sp>
-      <p:sp>
-        <p:nvSpPr>
-          <p:cNvPr id="146" name="PlaceHolder 2"/>
-          <p:cNvSpPr>
-            <a:spLocks noGrp="1"/>
-          </p:cNvSpPr>
-          <p:nvPr>
-            <p:ph type="body"/>
-          </p:nvPr>
-        </p:nvSpPr>
-        <p:spPr>
-          <a:xfrm>
-            <a:off x="457200" y="1604520"/>
-            <a:ext cx="4015800" cy="3977280"/>
-          </a:xfrm>
-          <a:prstGeom prst="rect">
-            <a:avLst/>
-          </a:prstGeom>
-        </p:spPr>
-        <p:txBody>
-          <a:bodyPr lIns="0" rIns="0" tIns="0" bIns="0">
-            <a:normAutofit/>
-          </a:bodyPr>
-          <a:p>
-            <a:endParaRPr b="0" lang="en-US" sz="2800" spc="-1" strike="noStrike">
-              <a:solidFill>
-                <a:srgbClr val="000000"/>
-              </a:solidFill>
-              <a:latin typeface="Calibri"/>
-            </a:endParaRPr>
-          </a:p>
-        </p:txBody>
-      </p:sp>
-      <p:sp>
-        <p:nvSpPr>
-          <p:cNvPr id="147" name="PlaceHolder 3"/>
-          <p:cNvSpPr>
-            <a:spLocks noGrp="1"/>
-          </p:cNvSpPr>
-          <p:nvPr>
-            <p:ph type="body"/>
-          </p:nvPr>
-        </p:nvSpPr>
-        <p:spPr>
-          <a:xfrm>
-            <a:off x="4674240" y="1604520"/>
-            <a:ext cx="4015800" cy="1896840"/>
-          </a:xfrm>
-          <a:prstGeom prst="rect">
-            <a:avLst/>
-          </a:prstGeom>
-        </p:spPr>
-        <p:txBody>
-          <a:bodyPr lIns="0" rIns="0" tIns="0" bIns="0">
-            <a:normAutofit/>
-          </a:bodyPr>
-          <a:p>
-            <a:endParaRPr b="0" lang="en-US" sz="2800" spc="-1" strike="noStrike">
-              <a:solidFill>
-                <a:srgbClr val="000000"/>
-              </a:solidFill>
-              <a:latin typeface="Calibri"/>
-            </a:endParaRPr>
-          </a:p>
-        </p:txBody>
-      </p:sp>
-      <p:sp>
-        <p:nvSpPr>
-          <p:cNvPr id="148" name="PlaceHolder 4"/>
-          <p:cNvSpPr>
-            <a:spLocks noGrp="1"/>
-          </p:cNvSpPr>
-          <p:nvPr>
-            <p:ph type="body"/>
-          </p:nvPr>
-        </p:nvSpPr>
-        <p:spPr>
-          <a:xfrm>
-            <a:off x="4674240" y="3682080"/>
-            <a:ext cx="4015800" cy="1896840"/>
-          </a:xfrm>
-          <a:prstGeom prst="rect">
-            <a:avLst/>
-          </a:prstGeom>
-        </p:spPr>
-        <p:txBody>
-          <a:bodyPr lIns="0" rIns="0" tIns="0" bIns="0">
-            <a:normAutofit/>
-          </a:bodyPr>
-          <a:p>
-            <a:endParaRPr b="0" lang="en-US" sz="2800" spc="-1" strike="noStrike">
-              <a:solidFill>
-                <a:srgbClr val="000000"/>
-              </a:solidFill>
-              <a:latin typeface="Calibri"/>
-            </a:endParaRPr>
-          </a:p>
-        </p:txBody>
-      </p:sp>
-    </p:spTree>
-  </p:cSld>
-</p:sldLayout>
-</file>
-
-<file path=ppt/slideLayouts/slideLayout45.xml><?xml version="1.0" encoding="utf-8"?>
-<p:sldLayout xmlns:a="http://schemas.openxmlformats.org/drawingml/2006/main" xmlns:p="http://schemas.openxmlformats.org/presentationml/2006/main" xmlns:r="http://schemas.openxmlformats.org/officeDocument/2006/relationships" xmlns:p14="http://schemas.microsoft.com/office/powerpoint/2010/main" xmlns:p15="http://schemas.microsoft.com/office/powerpoint/2012/main" xmlns:mc="http://schemas.openxmlformats.org/markup-compatibility/2006" type="twoObjOverTx" preserve="1">
-  <p:cSld name="Title, 2 Content over Content">
-    <p:spTree>
-      <p:nvGrpSpPr>
-        <p:cNvPr id="1" name=""/>
-        <p:cNvGrpSpPr/>
-        <p:nvPr/>
-      </p:nvGrpSpPr>
-      <p:grpSpPr>
-        <a:xfrm>
-          <a:off x="0" y="0"/>
-          <a:ext cx="0" cy="0"/>
-          <a:chOff x="0" y="0"/>
-          <a:chExt cx="0" cy="0"/>
-        </a:xfrm>
-      </p:grpSpPr>
-      <p:sp>
-        <p:nvSpPr>
-          <p:cNvPr id="149" name="PlaceHolder 1"/>
-          <p:cNvSpPr>
-            <a:spLocks noGrp="1"/>
-          </p:cNvSpPr>
-          <p:nvPr>
-            <p:ph type="title"/>
-          </p:nvPr>
-        </p:nvSpPr>
-        <p:spPr>
-          <a:xfrm>
-            <a:off x="457200" y="273600"/>
-            <a:ext cx="8229240" cy="1144800"/>
-          </a:xfrm>
-          <a:prstGeom prst="rect">
-            <a:avLst/>
-          </a:prstGeom>
-        </p:spPr>
-        <p:txBody>
-          <a:bodyPr lIns="0" rIns="0" tIns="0" bIns="0" anchor="ctr"/>
-          <a:p>
-            <a:endParaRPr b="0" lang="en-US" sz="1800" spc="-1" strike="noStrike">
-              <a:solidFill>
-                <a:srgbClr val="000000"/>
-              </a:solidFill>
-              <a:latin typeface="Calibri"/>
-            </a:endParaRPr>
-          </a:p>
-        </p:txBody>
-      </p:sp>
-      <p:sp>
-        <p:nvSpPr>
-          <p:cNvPr id="150" name="PlaceHolder 2"/>
-          <p:cNvSpPr>
-            <a:spLocks noGrp="1"/>
-          </p:cNvSpPr>
-          <p:nvPr>
-            <p:ph type="body"/>
-          </p:nvPr>
-        </p:nvSpPr>
-        <p:spPr>
-          <a:xfrm>
-            <a:off x="457200" y="1604520"/>
-            <a:ext cx="4015800" cy="1896840"/>
-          </a:xfrm>
-          <a:prstGeom prst="rect">
-            <a:avLst/>
-          </a:prstGeom>
-        </p:spPr>
-        <p:txBody>
-          <a:bodyPr lIns="0" rIns="0" tIns="0" bIns="0">
-            <a:normAutofit/>
-          </a:bodyPr>
-          <a:p>
-            <a:endParaRPr b="0" lang="en-US" sz="2800" spc="-1" strike="noStrike">
-              <a:solidFill>
-                <a:srgbClr val="000000"/>
-              </a:solidFill>
-              <a:latin typeface="Calibri"/>
-            </a:endParaRPr>
-          </a:p>
-        </p:txBody>
-      </p:sp>
-      <p:sp>
-        <p:nvSpPr>
-          <p:cNvPr id="151" name="PlaceHolder 3"/>
-          <p:cNvSpPr>
-            <a:spLocks noGrp="1"/>
-          </p:cNvSpPr>
-          <p:nvPr>
-            <p:ph type="body"/>
-          </p:nvPr>
-        </p:nvSpPr>
-        <p:spPr>
-          <a:xfrm>
-            <a:off x="4674240" y="1604520"/>
-            <a:ext cx="4015800" cy="1896840"/>
-          </a:xfrm>
-          <a:prstGeom prst="rect">
-            <a:avLst/>
-          </a:prstGeom>
-        </p:spPr>
-        <p:txBody>
-          <a:bodyPr lIns="0" rIns="0" tIns="0" bIns="0">
-            <a:normAutofit/>
-          </a:bodyPr>
-          <a:p>
-            <a:endParaRPr b="0" lang="en-US" sz="2800" spc="-1" strike="noStrike">
-              <a:solidFill>
-                <a:srgbClr val="000000"/>
-              </a:solidFill>
-              <a:latin typeface="Calibri"/>
-            </a:endParaRPr>
-          </a:p>
-        </p:txBody>
-      </p:sp>
-      <p:sp>
-        <p:nvSpPr>
-          <p:cNvPr id="152" name="PlaceHolder 4"/>
-          <p:cNvSpPr>
-            <a:spLocks noGrp="1"/>
-          </p:cNvSpPr>
-          <p:nvPr>
-            <p:ph type="body"/>
-          </p:nvPr>
-        </p:nvSpPr>
-        <p:spPr>
-          <a:xfrm>
-            <a:off x="457200" y="3682080"/>
-            <a:ext cx="8229240" cy="1896840"/>
-          </a:xfrm>
-          <a:prstGeom prst="rect">
-            <a:avLst/>
-          </a:prstGeom>
-        </p:spPr>
-        <p:txBody>
-          <a:bodyPr lIns="0" rIns="0" tIns="0" bIns="0">
-            <a:normAutofit/>
-          </a:bodyPr>
-          <a:p>
-            <a:endParaRPr b="0" lang="en-US" sz="2800" spc="-1" strike="noStrike">
-              <a:solidFill>
-                <a:srgbClr val="000000"/>
-              </a:solidFill>
-              <a:latin typeface="Calibri"/>
-            </a:endParaRPr>
-          </a:p>
-        </p:txBody>
-      </p:sp>
-    </p:spTree>
-  </p:cSld>
-</p:sldLayout>
-</file>
-
-<file path=ppt/slideLayouts/slideLayout46.xml><?xml version="1.0" encoding="utf-8"?>
-<p:sldLayout xmlns:a="http://schemas.openxmlformats.org/drawingml/2006/main" xmlns:p="http://schemas.openxmlformats.org/presentationml/2006/main" xmlns:r="http://schemas.openxmlformats.org/officeDocument/2006/relationships" xmlns:p14="http://schemas.microsoft.com/office/powerpoint/2010/main" xmlns:p15="http://schemas.microsoft.com/office/powerpoint/2012/main" xmlns:mc="http://schemas.openxmlformats.org/markup-compatibility/2006" type="objOverTx" preserve="1">
-  <p:cSld name="Title, Content over Content">
-    <p:spTree>
-      <p:nvGrpSpPr>
-        <p:cNvPr id="1" name=""/>
-        <p:cNvGrpSpPr/>
-        <p:nvPr/>
-      </p:nvGrpSpPr>
-      <p:grpSpPr>
-        <a:xfrm>
-          <a:off x="0" y="0"/>
-          <a:ext cx="0" cy="0"/>
-          <a:chOff x="0" y="0"/>
-          <a:chExt cx="0" cy="0"/>
-        </a:xfrm>
-      </p:grpSpPr>
-      <p:sp>
-        <p:nvSpPr>
-          <p:cNvPr id="153" name="PlaceHolder 1"/>
-          <p:cNvSpPr>
-            <a:spLocks noGrp="1"/>
-          </p:cNvSpPr>
-          <p:nvPr>
-            <p:ph type="title"/>
-          </p:nvPr>
-        </p:nvSpPr>
-        <p:spPr>
-          <a:xfrm>
-            <a:off x="457200" y="273600"/>
-            <a:ext cx="8229240" cy="1144800"/>
-          </a:xfrm>
-          <a:prstGeom prst="rect">
-            <a:avLst/>
-          </a:prstGeom>
-        </p:spPr>
-        <p:txBody>
-          <a:bodyPr lIns="0" rIns="0" tIns="0" bIns="0" anchor="ctr"/>
-          <a:p>
-            <a:endParaRPr b="0" lang="en-US" sz="1800" spc="-1" strike="noStrike">
-              <a:solidFill>
-                <a:srgbClr val="000000"/>
-              </a:solidFill>
-              <a:latin typeface="Calibri"/>
-            </a:endParaRPr>
-          </a:p>
-        </p:txBody>
-      </p:sp>
-      <p:sp>
-        <p:nvSpPr>
-          <p:cNvPr id="154" name="PlaceHolder 2"/>
-          <p:cNvSpPr>
-            <a:spLocks noGrp="1"/>
-          </p:cNvSpPr>
-          <p:nvPr>
-            <p:ph type="body"/>
-          </p:nvPr>
-        </p:nvSpPr>
-        <p:spPr>
-          <a:xfrm>
-            <a:off x="457200" y="1604520"/>
-            <a:ext cx="8229240" cy="1896840"/>
-          </a:xfrm>
-          <a:prstGeom prst="rect">
-            <a:avLst/>
-          </a:prstGeom>
-        </p:spPr>
-        <p:txBody>
-          <a:bodyPr lIns="0" rIns="0" tIns="0" bIns="0">
-            <a:normAutofit/>
-          </a:bodyPr>
-          <a:p>
-            <a:endParaRPr b="0" lang="en-US" sz="2800" spc="-1" strike="noStrike">
-              <a:solidFill>
-                <a:srgbClr val="000000"/>
-              </a:solidFill>
-              <a:latin typeface="Calibri"/>
-            </a:endParaRPr>
-          </a:p>
-        </p:txBody>
-      </p:sp>
-      <p:sp>
-        <p:nvSpPr>
-          <p:cNvPr id="155" name="PlaceHolder 3"/>
-          <p:cNvSpPr>
-            <a:spLocks noGrp="1"/>
-          </p:cNvSpPr>
-          <p:nvPr>
-            <p:ph type="body"/>
-          </p:nvPr>
-        </p:nvSpPr>
-        <p:spPr>
-          <a:xfrm>
-            <a:off x="457200" y="3682080"/>
-            <a:ext cx="8229240" cy="1896840"/>
-          </a:xfrm>
-          <a:prstGeom prst="rect">
-            <a:avLst/>
-          </a:prstGeom>
-        </p:spPr>
-        <p:txBody>
-          <a:bodyPr lIns="0" rIns="0" tIns="0" bIns="0">
-            <a:normAutofit/>
-          </a:bodyPr>
-          <a:p>
-            <a:endParaRPr b="0" lang="en-US" sz="2800" spc="-1" strike="noStrike">
-              <a:solidFill>
-                <a:srgbClr val="000000"/>
-              </a:solidFill>
-              <a:latin typeface="Calibri"/>
-            </a:endParaRPr>
-          </a:p>
-        </p:txBody>
-      </p:sp>
-    </p:spTree>
-  </p:cSld>
-</p:sldLayout>
-</file>
-
-<file path=ppt/slideLayouts/slideLayout47.xml><?xml version="1.0" encoding="utf-8"?>
-<p:sldLayout xmlns:a="http://schemas.openxmlformats.org/drawingml/2006/main" xmlns:p="http://schemas.openxmlformats.org/presentationml/2006/main" xmlns:r="http://schemas.openxmlformats.org/officeDocument/2006/relationships" xmlns:p14="http://schemas.microsoft.com/office/powerpoint/2010/main" xmlns:p15="http://schemas.microsoft.com/office/powerpoint/2012/main" xmlns:mc="http://schemas.openxmlformats.org/markup-compatibility/2006" type="fourObj" preserve="1">
-  <p:cSld name="Title, 4 Content">
-    <p:spTree>
-      <p:nvGrpSpPr>
-        <p:cNvPr id="1" name=""/>
-        <p:cNvGrpSpPr/>
-        <p:nvPr/>
-      </p:nvGrpSpPr>
-      <p:grpSpPr>
-        <a:xfrm>
-          <a:off x="0" y="0"/>
-          <a:ext cx="0" cy="0"/>
-          <a:chOff x="0" y="0"/>
-          <a:chExt cx="0" cy="0"/>
-        </a:xfrm>
-      </p:grpSpPr>
-      <p:sp>
-        <p:nvSpPr>
-          <p:cNvPr id="156" name="PlaceHolder 1"/>
-          <p:cNvSpPr>
-            <a:spLocks noGrp="1"/>
-          </p:cNvSpPr>
-          <p:nvPr>
-            <p:ph type="title"/>
-          </p:nvPr>
-        </p:nvSpPr>
-        <p:spPr>
-          <a:xfrm>
-            <a:off x="457200" y="273600"/>
-            <a:ext cx="8229240" cy="1144800"/>
-          </a:xfrm>
-          <a:prstGeom prst="rect">
-            <a:avLst/>
-          </a:prstGeom>
-        </p:spPr>
-        <p:txBody>
-          <a:bodyPr lIns="0" rIns="0" tIns="0" bIns="0" anchor="ctr"/>
-          <a:p>
-            <a:endParaRPr b="0" lang="en-US" sz="1800" spc="-1" strike="noStrike">
-              <a:solidFill>
-                <a:srgbClr val="000000"/>
-              </a:solidFill>
-              <a:latin typeface="Calibri"/>
-            </a:endParaRPr>
-          </a:p>
-        </p:txBody>
-      </p:sp>
-      <p:sp>
-        <p:nvSpPr>
-          <p:cNvPr id="157" name="PlaceHolder 2"/>
-          <p:cNvSpPr>
-            <a:spLocks noGrp="1"/>
-          </p:cNvSpPr>
-          <p:nvPr>
-            <p:ph type="body"/>
-          </p:nvPr>
-        </p:nvSpPr>
-        <p:spPr>
-          <a:xfrm>
-            <a:off x="457200" y="1604520"/>
-            <a:ext cx="4015800" cy="1896840"/>
-          </a:xfrm>
-          <a:prstGeom prst="rect">
-            <a:avLst/>
-          </a:prstGeom>
-        </p:spPr>
-        <p:txBody>
-          <a:bodyPr lIns="0" rIns="0" tIns="0" bIns="0">
-            <a:normAutofit/>
-          </a:bodyPr>
-          <a:p>
-            <a:endParaRPr b="0" lang="en-US" sz="2800" spc="-1" strike="noStrike">
-              <a:solidFill>
-                <a:srgbClr val="000000"/>
-              </a:solidFill>
-              <a:latin typeface="Calibri"/>
-            </a:endParaRPr>
-          </a:p>
-        </p:txBody>
-      </p:sp>
-      <p:sp>
-        <p:nvSpPr>
-          <p:cNvPr id="158" name="PlaceHolder 3"/>
-          <p:cNvSpPr>
-            <a:spLocks noGrp="1"/>
-          </p:cNvSpPr>
-          <p:nvPr>
-            <p:ph type="body"/>
-          </p:nvPr>
-        </p:nvSpPr>
-        <p:spPr>
-          <a:xfrm>
-            <a:off x="4674240" y="1604520"/>
-            <a:ext cx="4015800" cy="1896840"/>
-          </a:xfrm>
-          <a:prstGeom prst="rect">
-            <a:avLst/>
-          </a:prstGeom>
-        </p:spPr>
-        <p:txBody>
-          <a:bodyPr lIns="0" rIns="0" tIns="0" bIns="0">
-            <a:normAutofit/>
-          </a:bodyPr>
-          <a:p>
-            <a:endParaRPr b="0" lang="en-US" sz="2800" spc="-1" strike="noStrike">
-              <a:solidFill>
-                <a:srgbClr val="000000"/>
-              </a:solidFill>
-              <a:latin typeface="Calibri"/>
-            </a:endParaRPr>
-          </a:p>
-        </p:txBody>
-      </p:sp>
-      <p:sp>
-        <p:nvSpPr>
-          <p:cNvPr id="159" name="PlaceHolder 4"/>
-          <p:cNvSpPr>
-            <a:spLocks noGrp="1"/>
-          </p:cNvSpPr>
-          <p:nvPr>
-            <p:ph type="body"/>
-          </p:nvPr>
-        </p:nvSpPr>
-        <p:spPr>
-          <a:xfrm>
-            <a:off x="457200" y="3682080"/>
-            <a:ext cx="4015800" cy="1896840"/>
-          </a:xfrm>
-          <a:prstGeom prst="rect">
-            <a:avLst/>
-          </a:prstGeom>
-        </p:spPr>
-        <p:txBody>
-          <a:bodyPr lIns="0" rIns="0" tIns="0" bIns="0">
-            <a:normAutofit/>
-          </a:bodyPr>
-          <a:p>
-            <a:endParaRPr b="0" lang="en-US" sz="2800" spc="-1" strike="noStrike">
-              <a:solidFill>
-                <a:srgbClr val="000000"/>
-              </a:solidFill>
-              <a:latin typeface="Calibri"/>
-            </a:endParaRPr>
-          </a:p>
-        </p:txBody>
-      </p:sp>
-      <p:sp>
-        <p:nvSpPr>
-          <p:cNvPr id="160" name="PlaceHolder 5"/>
-          <p:cNvSpPr>
-            <a:spLocks noGrp="1"/>
-          </p:cNvSpPr>
-          <p:nvPr>
-            <p:ph type="body"/>
-          </p:nvPr>
-        </p:nvSpPr>
-        <p:spPr>
-          <a:xfrm>
-            <a:off x="4674240" y="3682080"/>
-            <a:ext cx="4015800" cy="1896840"/>
-          </a:xfrm>
-          <a:prstGeom prst="rect">
-            <a:avLst/>
-          </a:prstGeom>
-        </p:spPr>
-        <p:txBody>
-          <a:bodyPr lIns="0" rIns="0" tIns="0" bIns="0">
-            <a:normAutofit/>
-          </a:bodyPr>
-          <a:p>
-            <a:endParaRPr b="0" lang="en-US" sz="2800" spc="-1" strike="noStrike">
-              <a:solidFill>
-                <a:srgbClr val="000000"/>
-              </a:solidFill>
-              <a:latin typeface="Calibri"/>
-            </a:endParaRPr>
-          </a:p>
-        </p:txBody>
-      </p:sp>
-    </p:spTree>
-  </p:cSld>
-</p:sldLayout>
-</file>
-
-<file path=ppt/slideLayouts/slideLayout48.xml><?xml version="1.0" encoding="utf-8"?>
-<p:sldLayout xmlns:a="http://schemas.openxmlformats.org/drawingml/2006/main" xmlns:p="http://schemas.openxmlformats.org/presentationml/2006/main" xmlns:r="http://schemas.openxmlformats.org/officeDocument/2006/relationships" xmlns:p14="http://schemas.microsoft.com/office/powerpoint/2010/main" xmlns:p15="http://schemas.microsoft.com/office/powerpoint/2012/main" xmlns:mc="http://schemas.openxmlformats.org/markup-compatibility/2006" type="blank" preserve="1">
-  <p:cSld name="Title, 6 Content">
-    <p:spTree>
-      <p:nvGrpSpPr>
-        <p:cNvPr id="1" name=""/>
-        <p:cNvGrpSpPr/>
-        <p:nvPr/>
-      </p:nvGrpSpPr>
-      <p:grpSpPr>
-        <a:xfrm>
-          <a:off x="0" y="0"/>
-          <a:ext cx="0" cy="0"/>
-          <a:chOff x="0" y="0"/>
-          <a:chExt cx="0" cy="0"/>
-        </a:xfrm>
-      </p:grpSpPr>
-      <p:sp>
-        <p:nvSpPr>
-          <p:cNvPr id="161" name="PlaceHolder 1"/>
-          <p:cNvSpPr>
-            <a:spLocks noGrp="1"/>
-          </p:cNvSpPr>
-          <p:nvPr>
-            <p:ph type="title"/>
-          </p:nvPr>
-        </p:nvSpPr>
-        <p:spPr>
-          <a:xfrm>
-            <a:off x="457200" y="273600"/>
-            <a:ext cx="8229240" cy="1144800"/>
-          </a:xfrm>
-          <a:prstGeom prst="rect">
-            <a:avLst/>
-          </a:prstGeom>
-        </p:spPr>
-        <p:txBody>
-          <a:bodyPr lIns="0" rIns="0" tIns="0" bIns="0" anchor="ctr"/>
-          <a:p>
-            <a:endParaRPr b="0" lang="en-US" sz="1800" spc="-1" strike="noStrike">
-              <a:solidFill>
-                <a:srgbClr val="000000"/>
-              </a:solidFill>
-              <a:latin typeface="Calibri"/>
-            </a:endParaRPr>
-          </a:p>
-        </p:txBody>
-      </p:sp>
-      <p:sp>
-        <p:nvSpPr>
-          <p:cNvPr id="162" name="PlaceHolder 2"/>
-          <p:cNvSpPr>
-            <a:spLocks noGrp="1"/>
-          </p:cNvSpPr>
-          <p:nvPr>
-            <p:ph type="body"/>
-          </p:nvPr>
-        </p:nvSpPr>
-        <p:spPr>
-          <a:xfrm>
-            <a:off x="457200" y="1604520"/>
-            <a:ext cx="2649600" cy="1896840"/>
-          </a:xfrm>
-          <a:prstGeom prst="rect">
-            <a:avLst/>
-          </a:prstGeom>
-        </p:spPr>
-        <p:txBody>
-          <a:bodyPr lIns="0" rIns="0" tIns="0" bIns="0">
-            <a:normAutofit/>
-          </a:bodyPr>
-          <a:p>
-            <a:endParaRPr b="0" lang="en-US" sz="2800" spc="-1" strike="noStrike">
-              <a:solidFill>
-                <a:srgbClr val="000000"/>
-              </a:solidFill>
-              <a:latin typeface="Calibri"/>
-            </a:endParaRPr>
-          </a:p>
-        </p:txBody>
-      </p:sp>
-      <p:sp>
-        <p:nvSpPr>
-          <p:cNvPr id="163" name="PlaceHolder 3"/>
-          <p:cNvSpPr>
-            <a:spLocks noGrp="1"/>
-          </p:cNvSpPr>
-          <p:nvPr>
-            <p:ph type="body"/>
-          </p:nvPr>
-        </p:nvSpPr>
-        <p:spPr>
-          <a:xfrm>
-            <a:off x="3239640" y="1604520"/>
-            <a:ext cx="2649600" cy="1896840"/>
-          </a:xfrm>
-          <a:prstGeom prst="rect">
-            <a:avLst/>
-          </a:prstGeom>
-        </p:spPr>
-        <p:txBody>
-          <a:bodyPr lIns="0" rIns="0" tIns="0" bIns="0">
-            <a:normAutofit/>
-          </a:bodyPr>
-          <a:p>
-            <a:endParaRPr b="0" lang="en-US" sz="2800" spc="-1" strike="noStrike">
-              <a:solidFill>
-                <a:srgbClr val="000000"/>
-              </a:solidFill>
-              <a:latin typeface="Calibri"/>
-            </a:endParaRPr>
-          </a:p>
-        </p:txBody>
-      </p:sp>
-      <p:sp>
-        <p:nvSpPr>
-          <p:cNvPr id="164" name="PlaceHolder 4"/>
-          <p:cNvSpPr>
-            <a:spLocks noGrp="1"/>
-          </p:cNvSpPr>
-          <p:nvPr>
-            <p:ph type="body"/>
-          </p:nvPr>
-        </p:nvSpPr>
-        <p:spPr>
-          <a:xfrm>
-            <a:off x="6022080" y="1604520"/>
-            <a:ext cx="2649600" cy="1896840"/>
-          </a:xfrm>
-          <a:prstGeom prst="rect">
-            <a:avLst/>
-          </a:prstGeom>
-        </p:spPr>
-        <p:txBody>
-          <a:bodyPr lIns="0" rIns="0" tIns="0" bIns="0">
-            <a:normAutofit/>
-          </a:bodyPr>
-          <a:p>
-            <a:endParaRPr b="0" lang="en-US" sz="2800" spc="-1" strike="noStrike">
-              <a:solidFill>
-                <a:srgbClr val="000000"/>
-              </a:solidFill>
-              <a:latin typeface="Calibri"/>
-            </a:endParaRPr>
-          </a:p>
-        </p:txBody>
-      </p:sp>
-      <p:sp>
-        <p:nvSpPr>
-          <p:cNvPr id="165" name="PlaceHolder 5"/>
-          <p:cNvSpPr>
-            <a:spLocks noGrp="1"/>
-          </p:cNvSpPr>
-          <p:nvPr>
-            <p:ph type="body"/>
-          </p:nvPr>
-        </p:nvSpPr>
-        <p:spPr>
-          <a:xfrm>
-            <a:off x="457200" y="3682080"/>
-            <a:ext cx="2649600" cy="1896840"/>
-          </a:xfrm>
-          <a:prstGeom prst="rect">
-            <a:avLst/>
-          </a:prstGeom>
-        </p:spPr>
-        <p:txBody>
-          <a:bodyPr lIns="0" rIns="0" tIns="0" bIns="0">
-            <a:normAutofit/>
-          </a:bodyPr>
-          <a:p>
-            <a:endParaRPr b="0" lang="en-US" sz="2800" spc="-1" strike="noStrike">
-              <a:solidFill>
-                <a:srgbClr val="000000"/>
-              </a:solidFill>
-              <a:latin typeface="Calibri"/>
-            </a:endParaRPr>
-          </a:p>
-        </p:txBody>
-      </p:sp>
-      <p:sp>
-        <p:nvSpPr>
-          <p:cNvPr id="166" name="PlaceHolder 6"/>
-          <p:cNvSpPr>
-            <a:spLocks noGrp="1"/>
-          </p:cNvSpPr>
-          <p:nvPr>
-            <p:ph type="body"/>
-          </p:nvPr>
-        </p:nvSpPr>
-        <p:spPr>
-          <a:xfrm>
-            <a:off x="3239640" y="3682080"/>
-            <a:ext cx="2649600" cy="1896840"/>
-          </a:xfrm>
-          <a:prstGeom prst="rect">
-            <a:avLst/>
-          </a:prstGeom>
-        </p:spPr>
-        <p:txBody>
-          <a:bodyPr lIns="0" rIns="0" tIns="0" bIns="0">
-            <a:normAutofit/>
-          </a:bodyPr>
-          <a:p>
-            <a:endParaRPr b="0" lang="en-US" sz="2800" spc="-1" strike="noStrike">
-              <a:solidFill>
-                <a:srgbClr val="000000"/>
-              </a:solidFill>
-              <a:latin typeface="Calibri"/>
-            </a:endParaRPr>
-          </a:p>
-        </p:txBody>
-      </p:sp>
-      <p:sp>
-        <p:nvSpPr>
-          <p:cNvPr id="167" name="PlaceHolder 7"/>
-          <p:cNvSpPr>
-            <a:spLocks noGrp="1"/>
-          </p:cNvSpPr>
-          <p:nvPr>
-            <p:ph type="body"/>
-          </p:nvPr>
-        </p:nvSpPr>
-        <p:spPr>
-          <a:xfrm>
-            <a:off x="6022080" y="3682080"/>
-            <a:ext cx="2649600" cy="1896840"/>
-          </a:xfrm>
-          <a:prstGeom prst="rect">
-            <a:avLst/>
-          </a:prstGeom>
-        </p:spPr>
-        <p:txBody>
-          <a:bodyPr lIns="0" rIns="0" tIns="0" bIns="0">
-            <a:normAutofit/>
-          </a:bodyPr>
-          <a:p>
-            <a:endParaRPr b="0" lang="en-US" sz="2800" spc="-1" strike="noStrike">
-              <a:solidFill>
-                <a:srgbClr val="000000"/>
-              </a:solidFill>
-              <a:latin typeface="Calibri"/>
             </a:endParaRPr>
           </a:p>
         </p:txBody>
@@ -5186,7 +3521,7 @@
       </p:grpSpPr>
       <p:sp>
         <p:nvSpPr>
-          <p:cNvPr id="12" name="PlaceHolder 1"/>
+          <p:cNvPr id="11" name="PlaceHolder 1"/>
           <p:cNvSpPr>
             <a:spLocks noGrp="1"/>
           </p:cNvSpPr>
@@ -5197,7 +3532,7 @@
         <p:spPr>
           <a:xfrm>
             <a:off x="457200" y="273600"/>
-            <a:ext cx="8229240" cy="1144800"/>
+            <a:ext cx="8228880" cy="1144440"/>
           </a:xfrm>
           <a:prstGeom prst="rect">
             <a:avLst/>
@@ -5206,11 +3541,9 @@
         <p:txBody>
           <a:bodyPr lIns="0" rIns="0" tIns="0" bIns="0" anchor="ctr"/>
           <a:p>
-            <a:endParaRPr b="0" lang="en-US" sz="1800" spc="-1" strike="noStrike">
-              <a:solidFill>
-                <a:srgbClr val="000000"/>
-              </a:solidFill>
-              <a:latin typeface="Calibri"/>
+            <a:pPr algn="ctr"/>
+            <a:endParaRPr b="0" lang="en-US" sz="4400" spc="-1" strike="noStrike">
+              <a:latin typeface="Arial"/>
             </a:endParaRPr>
           </a:p>
         </p:txBody>
@@ -5239,7 +3572,7 @@
       </p:grpSpPr>
       <p:sp>
         <p:nvSpPr>
-          <p:cNvPr id="13" name="PlaceHolder 1"/>
+          <p:cNvPr id="12" name="PlaceHolder 1"/>
           <p:cNvSpPr>
             <a:spLocks noGrp="1"/>
           </p:cNvSpPr>
@@ -5250,7 +3583,7 @@
         <p:spPr>
           <a:xfrm>
             <a:off x="457200" y="273600"/>
-            <a:ext cx="8229240" cy="5307840"/>
+            <a:ext cx="8228880" cy="5306400"/>
           </a:xfrm>
           <a:prstGeom prst="rect">
             <a:avLst/>
@@ -5290,7 +3623,7 @@
       </p:grpSpPr>
       <p:sp>
         <p:nvSpPr>
-          <p:cNvPr id="14" name="PlaceHolder 1"/>
+          <p:cNvPr id="13" name="PlaceHolder 1"/>
           <p:cNvSpPr>
             <a:spLocks noGrp="1"/>
           </p:cNvSpPr>
@@ -5301,7 +3634,7 @@
         <p:spPr>
           <a:xfrm>
             <a:off x="457200" y="273600"/>
-            <a:ext cx="8229240" cy="1144800"/>
+            <a:ext cx="8228880" cy="1144440"/>
           </a:xfrm>
           <a:prstGeom prst="rect">
             <a:avLst/>
@@ -5310,18 +3643,16 @@
         <p:txBody>
           <a:bodyPr lIns="0" rIns="0" tIns="0" bIns="0" anchor="ctr"/>
           <a:p>
-            <a:endParaRPr b="0" lang="en-US" sz="1800" spc="-1" strike="noStrike">
-              <a:solidFill>
-                <a:srgbClr val="000000"/>
-              </a:solidFill>
-              <a:latin typeface="Calibri"/>
-            </a:endParaRPr>
-          </a:p>
-        </p:txBody>
-      </p:sp>
-      <p:sp>
-        <p:nvSpPr>
-          <p:cNvPr id="15" name="PlaceHolder 2"/>
+            <a:pPr algn="ctr"/>
+            <a:endParaRPr b="0" lang="en-US" sz="4400" spc="-1" strike="noStrike">
+              <a:latin typeface="Arial"/>
+            </a:endParaRPr>
+          </a:p>
+        </p:txBody>
+      </p:sp>
+      <p:sp>
+        <p:nvSpPr>
+          <p:cNvPr id="14" name="PlaceHolder 2"/>
           <p:cNvSpPr>
             <a:spLocks noGrp="1"/>
           </p:cNvSpPr>
@@ -5332,7 +3663,7 @@
         <p:spPr>
           <a:xfrm>
             <a:off x="457200" y="1604520"/>
-            <a:ext cx="4015800" cy="1896840"/>
+            <a:ext cx="4015440" cy="1896840"/>
           </a:xfrm>
           <a:prstGeom prst="rect">
             <a:avLst/>
@@ -5343,18 +3674,15 @@
             <a:normAutofit/>
           </a:bodyPr>
           <a:p>
-            <a:endParaRPr b="0" lang="en-US" sz="2800" spc="-1" strike="noStrike">
-              <a:solidFill>
-                <a:srgbClr val="000000"/>
-              </a:solidFill>
-              <a:latin typeface="Calibri"/>
-            </a:endParaRPr>
-          </a:p>
-        </p:txBody>
-      </p:sp>
-      <p:sp>
-        <p:nvSpPr>
-          <p:cNvPr id="16" name="PlaceHolder 3"/>
+            <a:endParaRPr b="0" lang="en-US" sz="3200" spc="-1" strike="noStrike">
+              <a:latin typeface="Arial"/>
+            </a:endParaRPr>
+          </a:p>
+        </p:txBody>
+      </p:sp>
+      <p:sp>
+        <p:nvSpPr>
+          <p:cNvPr id="15" name="PlaceHolder 3"/>
           <p:cNvSpPr>
             <a:spLocks noGrp="1"/>
           </p:cNvSpPr>
@@ -5364,8 +3692,8 @@
         </p:nvSpPr>
         <p:spPr>
           <a:xfrm>
-            <a:off x="4674240" y="1604520"/>
-            <a:ext cx="4015800" cy="3977280"/>
+            <a:off x="4673880" y="1604520"/>
+            <a:ext cx="4015440" cy="3976920"/>
           </a:xfrm>
           <a:prstGeom prst="rect">
             <a:avLst/>
@@ -5376,18 +3704,15 @@
             <a:normAutofit/>
           </a:bodyPr>
           <a:p>
-            <a:endParaRPr b="0" lang="en-US" sz="2800" spc="-1" strike="noStrike">
-              <a:solidFill>
-                <a:srgbClr val="000000"/>
-              </a:solidFill>
-              <a:latin typeface="Calibri"/>
-            </a:endParaRPr>
-          </a:p>
-        </p:txBody>
-      </p:sp>
-      <p:sp>
-        <p:nvSpPr>
-          <p:cNvPr id="17" name="PlaceHolder 4"/>
+            <a:endParaRPr b="0" lang="en-US" sz="3200" spc="-1" strike="noStrike">
+              <a:latin typeface="Arial"/>
+            </a:endParaRPr>
+          </a:p>
+        </p:txBody>
+      </p:sp>
+      <p:sp>
+        <p:nvSpPr>
+          <p:cNvPr id="16" name="PlaceHolder 4"/>
           <p:cNvSpPr>
             <a:spLocks noGrp="1"/>
           </p:cNvSpPr>
@@ -5398,7 +3723,7 @@
         <p:spPr>
           <a:xfrm>
             <a:off x="457200" y="3682080"/>
-            <a:ext cx="4015800" cy="1896840"/>
+            <a:ext cx="4015440" cy="1896840"/>
           </a:xfrm>
           <a:prstGeom prst="rect">
             <a:avLst/>
@@ -5409,11 +3734,8 @@
             <a:normAutofit/>
           </a:bodyPr>
           <a:p>
-            <a:endParaRPr b="0" lang="en-US" sz="2800" spc="-1" strike="noStrike">
-              <a:solidFill>
-                <a:srgbClr val="000000"/>
-              </a:solidFill>
-              <a:latin typeface="Calibri"/>
+            <a:endParaRPr b="0" lang="en-US" sz="3200" spc="-1" strike="noStrike">
+              <a:latin typeface="Arial"/>
             </a:endParaRPr>
           </a:p>
         </p:txBody>
@@ -5442,7 +3764,7 @@
       </p:grpSpPr>
       <p:sp>
         <p:nvSpPr>
-          <p:cNvPr id="18" name="PlaceHolder 1"/>
+          <p:cNvPr id="17" name="PlaceHolder 1"/>
           <p:cNvSpPr>
             <a:spLocks noGrp="1"/>
           </p:cNvSpPr>
@@ -5453,7 +3775,7 @@
         <p:spPr>
           <a:xfrm>
             <a:off x="457200" y="273600"/>
-            <a:ext cx="8229240" cy="1144800"/>
+            <a:ext cx="8228880" cy="1144440"/>
           </a:xfrm>
           <a:prstGeom prst="rect">
             <a:avLst/>
@@ -5462,18 +3784,16 @@
         <p:txBody>
           <a:bodyPr lIns="0" rIns="0" tIns="0" bIns="0" anchor="ctr"/>
           <a:p>
-            <a:endParaRPr b="0" lang="en-US" sz="1800" spc="-1" strike="noStrike">
-              <a:solidFill>
-                <a:srgbClr val="000000"/>
-              </a:solidFill>
-              <a:latin typeface="Calibri"/>
-            </a:endParaRPr>
-          </a:p>
-        </p:txBody>
-      </p:sp>
-      <p:sp>
-        <p:nvSpPr>
-          <p:cNvPr id="19" name="PlaceHolder 2"/>
+            <a:pPr algn="ctr"/>
+            <a:endParaRPr b="0" lang="en-US" sz="4400" spc="-1" strike="noStrike">
+              <a:latin typeface="Arial"/>
+            </a:endParaRPr>
+          </a:p>
+        </p:txBody>
+      </p:sp>
+      <p:sp>
+        <p:nvSpPr>
+          <p:cNvPr id="18" name="PlaceHolder 2"/>
           <p:cNvSpPr>
             <a:spLocks noGrp="1"/>
           </p:cNvSpPr>
@@ -5484,7 +3804,7 @@
         <p:spPr>
           <a:xfrm>
             <a:off x="457200" y="1604520"/>
-            <a:ext cx="4015800" cy="3977280"/>
+            <a:ext cx="4015440" cy="3976920"/>
           </a:xfrm>
           <a:prstGeom prst="rect">
             <a:avLst/>
@@ -5495,18 +3815,15 @@
             <a:normAutofit/>
           </a:bodyPr>
           <a:p>
-            <a:endParaRPr b="0" lang="en-US" sz="2800" spc="-1" strike="noStrike">
-              <a:solidFill>
-                <a:srgbClr val="000000"/>
-              </a:solidFill>
-              <a:latin typeface="Calibri"/>
-            </a:endParaRPr>
-          </a:p>
-        </p:txBody>
-      </p:sp>
-      <p:sp>
-        <p:nvSpPr>
-          <p:cNvPr id="20" name="PlaceHolder 3"/>
+            <a:endParaRPr b="0" lang="en-US" sz="3200" spc="-1" strike="noStrike">
+              <a:latin typeface="Arial"/>
+            </a:endParaRPr>
+          </a:p>
+        </p:txBody>
+      </p:sp>
+      <p:sp>
+        <p:nvSpPr>
+          <p:cNvPr id="19" name="PlaceHolder 3"/>
           <p:cNvSpPr>
             <a:spLocks noGrp="1"/>
           </p:cNvSpPr>
@@ -5516,8 +3833,8 @@
         </p:nvSpPr>
         <p:spPr>
           <a:xfrm>
-            <a:off x="4674240" y="1604520"/>
-            <a:ext cx="4015800" cy="1896840"/>
+            <a:off x="4673880" y="1604520"/>
+            <a:ext cx="4015440" cy="1896840"/>
           </a:xfrm>
           <a:prstGeom prst="rect">
             <a:avLst/>
@@ -5528,18 +3845,15 @@
             <a:normAutofit/>
           </a:bodyPr>
           <a:p>
-            <a:endParaRPr b="0" lang="en-US" sz="2800" spc="-1" strike="noStrike">
-              <a:solidFill>
-                <a:srgbClr val="000000"/>
-              </a:solidFill>
-              <a:latin typeface="Calibri"/>
-            </a:endParaRPr>
-          </a:p>
-        </p:txBody>
-      </p:sp>
-      <p:sp>
-        <p:nvSpPr>
-          <p:cNvPr id="21" name="PlaceHolder 4"/>
+            <a:endParaRPr b="0" lang="en-US" sz="3200" spc="-1" strike="noStrike">
+              <a:latin typeface="Arial"/>
+            </a:endParaRPr>
+          </a:p>
+        </p:txBody>
+      </p:sp>
+      <p:sp>
+        <p:nvSpPr>
+          <p:cNvPr id="20" name="PlaceHolder 4"/>
           <p:cNvSpPr>
             <a:spLocks noGrp="1"/>
           </p:cNvSpPr>
@@ -5549,8 +3863,8 @@
         </p:nvSpPr>
         <p:spPr>
           <a:xfrm>
-            <a:off x="4674240" y="3682080"/>
-            <a:ext cx="4015800" cy="1896840"/>
+            <a:off x="4673880" y="3682080"/>
+            <a:ext cx="4015440" cy="1896840"/>
           </a:xfrm>
           <a:prstGeom prst="rect">
             <a:avLst/>
@@ -5561,11 +3875,8 @@
             <a:normAutofit/>
           </a:bodyPr>
           <a:p>
-            <a:endParaRPr b="0" lang="en-US" sz="2800" spc="-1" strike="noStrike">
-              <a:solidFill>
-                <a:srgbClr val="000000"/>
-              </a:solidFill>
-              <a:latin typeface="Calibri"/>
+            <a:endParaRPr b="0" lang="en-US" sz="3200" spc="-1" strike="noStrike">
+              <a:latin typeface="Arial"/>
             </a:endParaRPr>
           </a:p>
         </p:txBody>
@@ -5594,7 +3905,7 @@
       </p:grpSpPr>
       <p:sp>
         <p:nvSpPr>
-          <p:cNvPr id="22" name="PlaceHolder 1"/>
+          <p:cNvPr id="21" name="PlaceHolder 1"/>
           <p:cNvSpPr>
             <a:spLocks noGrp="1"/>
           </p:cNvSpPr>
@@ -5605,7 +3916,7 @@
         <p:spPr>
           <a:xfrm>
             <a:off x="457200" y="273600"/>
-            <a:ext cx="8229240" cy="1144800"/>
+            <a:ext cx="8228880" cy="1144440"/>
           </a:xfrm>
           <a:prstGeom prst="rect">
             <a:avLst/>
@@ -5614,18 +3925,16 @@
         <p:txBody>
           <a:bodyPr lIns="0" rIns="0" tIns="0" bIns="0" anchor="ctr"/>
           <a:p>
-            <a:endParaRPr b="0" lang="en-US" sz="1800" spc="-1" strike="noStrike">
-              <a:solidFill>
-                <a:srgbClr val="000000"/>
-              </a:solidFill>
-              <a:latin typeface="Calibri"/>
-            </a:endParaRPr>
-          </a:p>
-        </p:txBody>
-      </p:sp>
-      <p:sp>
-        <p:nvSpPr>
-          <p:cNvPr id="23" name="PlaceHolder 2"/>
+            <a:pPr algn="ctr"/>
+            <a:endParaRPr b="0" lang="en-US" sz="4400" spc="-1" strike="noStrike">
+              <a:latin typeface="Arial"/>
+            </a:endParaRPr>
+          </a:p>
+        </p:txBody>
+      </p:sp>
+      <p:sp>
+        <p:nvSpPr>
+          <p:cNvPr id="22" name="PlaceHolder 2"/>
           <p:cNvSpPr>
             <a:spLocks noGrp="1"/>
           </p:cNvSpPr>
@@ -5636,7 +3945,7 @@
         <p:spPr>
           <a:xfrm>
             <a:off x="457200" y="1604520"/>
-            <a:ext cx="4015800" cy="1896840"/>
+            <a:ext cx="4015440" cy="1896840"/>
           </a:xfrm>
           <a:prstGeom prst="rect">
             <a:avLst/>
@@ -5647,18 +3956,15 @@
             <a:normAutofit/>
           </a:bodyPr>
           <a:p>
-            <a:endParaRPr b="0" lang="en-US" sz="2800" spc="-1" strike="noStrike">
-              <a:solidFill>
-                <a:srgbClr val="000000"/>
-              </a:solidFill>
-              <a:latin typeface="Calibri"/>
-            </a:endParaRPr>
-          </a:p>
-        </p:txBody>
-      </p:sp>
-      <p:sp>
-        <p:nvSpPr>
-          <p:cNvPr id="24" name="PlaceHolder 3"/>
+            <a:endParaRPr b="0" lang="en-US" sz="3200" spc="-1" strike="noStrike">
+              <a:latin typeface="Arial"/>
+            </a:endParaRPr>
+          </a:p>
+        </p:txBody>
+      </p:sp>
+      <p:sp>
+        <p:nvSpPr>
+          <p:cNvPr id="23" name="PlaceHolder 3"/>
           <p:cNvSpPr>
             <a:spLocks noGrp="1"/>
           </p:cNvSpPr>
@@ -5668,8 +3974,8 @@
         </p:nvSpPr>
         <p:spPr>
           <a:xfrm>
-            <a:off x="4674240" y="1604520"/>
-            <a:ext cx="4015800" cy="1896840"/>
+            <a:off x="4673880" y="1604520"/>
+            <a:ext cx="4015440" cy="1896840"/>
           </a:xfrm>
           <a:prstGeom prst="rect">
             <a:avLst/>
@@ -5680,18 +3986,15 @@
             <a:normAutofit/>
           </a:bodyPr>
           <a:p>
-            <a:endParaRPr b="0" lang="en-US" sz="2800" spc="-1" strike="noStrike">
-              <a:solidFill>
-                <a:srgbClr val="000000"/>
-              </a:solidFill>
-              <a:latin typeface="Calibri"/>
-            </a:endParaRPr>
-          </a:p>
-        </p:txBody>
-      </p:sp>
-      <p:sp>
-        <p:nvSpPr>
-          <p:cNvPr id="25" name="PlaceHolder 4"/>
+            <a:endParaRPr b="0" lang="en-US" sz="3200" spc="-1" strike="noStrike">
+              <a:latin typeface="Arial"/>
+            </a:endParaRPr>
+          </a:p>
+        </p:txBody>
+      </p:sp>
+      <p:sp>
+        <p:nvSpPr>
+          <p:cNvPr id="24" name="PlaceHolder 4"/>
           <p:cNvSpPr>
             <a:spLocks noGrp="1"/>
           </p:cNvSpPr>
@@ -5702,7 +4005,7 @@
         <p:spPr>
           <a:xfrm>
             <a:off x="457200" y="3682080"/>
-            <a:ext cx="8229240" cy="1896840"/>
+            <a:ext cx="8228880" cy="1896840"/>
           </a:xfrm>
           <a:prstGeom prst="rect">
             <a:avLst/>
@@ -5713,11 +4016,8 @@
             <a:normAutofit/>
           </a:bodyPr>
           <a:p>
-            <a:endParaRPr b="0" lang="en-US" sz="2800" spc="-1" strike="noStrike">
-              <a:solidFill>
-                <a:srgbClr val="000000"/>
-              </a:solidFill>
-              <a:latin typeface="Calibri"/>
+            <a:endParaRPr b="0" lang="en-US" sz="3200" spc="-1" strike="noStrike">
+              <a:latin typeface="Arial"/>
             </a:endParaRPr>
           </a:p>
         </p:txBody>
@@ -5760,7 +4060,7 @@
         <p:spPr>
           <a:xfrm>
             <a:off x="257760" y="893520"/>
-            <a:ext cx="8595360" cy="0"/>
+            <a:ext cx="8595360" cy="360"/>
           </a:xfrm>
           <a:prstGeom prst="line">
             <a:avLst/>
@@ -5792,7 +4092,7 @@
         <p:spPr>
           <a:xfrm>
             <a:off x="8415000" y="173160"/>
-            <a:ext cx="370800" cy="536040"/>
+            <a:ext cx="370440" cy="535680"/>
           </a:xfrm>
           <a:prstGeom prst="rect">
             <a:avLst/>
@@ -5809,56 +4109,13 @@
             <a:spLocks noGrp="1"/>
           </p:cNvSpPr>
           <p:nvPr>
-            <p:ph type="sldNum"/>
-          </p:nvPr>
-        </p:nvSpPr>
-        <p:spPr>
-          <a:xfrm>
-            <a:off x="5486400" y="6172200"/>
-            <a:ext cx="2133360" cy="367920"/>
-          </a:xfrm>
-          <a:prstGeom prst="rect">
-            <a:avLst/>
-          </a:prstGeom>
-        </p:spPr>
-        <p:txBody>
-          <a:bodyPr lIns="45720" rIns="45720" tIns="45000" bIns="45000" anchor="ctr"/>
-          <a:p>
-            <a:pPr algn="ctr">
-              <a:lnSpc>
-                <a:spcPct val="100000"/>
-              </a:lnSpc>
-            </a:pPr>
-            <a:fld id="{44577916-3467-4FDE-B279-A1773AA581F0}" type="slidenum">
-              <a:rPr b="0" lang="en-US" sz="1200" spc="-1" strike="noStrike">
-                <a:solidFill>
-                  <a:srgbClr val="888888"/>
-                </a:solidFill>
-                <a:latin typeface="Garamond"/>
-                <a:ea typeface="Garamond"/>
-              </a:rPr>
-              <a:t>&lt;number&gt;</a:t>
-            </a:fld>
-            <a:endParaRPr b="0" lang="en-US" sz="1200" spc="-1" strike="noStrike">
-              <a:latin typeface="Times New Roman"/>
-            </a:endParaRPr>
-          </a:p>
-        </p:txBody>
-      </p:sp>
-      <p:sp>
-        <p:nvSpPr>
-          <p:cNvPr id="3" name="PlaceHolder 3"/>
-          <p:cNvSpPr>
-            <a:spLocks noGrp="1"/>
-          </p:cNvSpPr>
-          <p:nvPr>
             <p:ph type="title"/>
           </p:nvPr>
         </p:nvSpPr>
         <p:spPr>
           <a:xfrm>
             <a:off x="457200" y="273600"/>
-            <a:ext cx="8229240" cy="1144800"/>
+            <a:ext cx="8228880" cy="1144440"/>
           </a:xfrm>
           <a:prstGeom prst="rect">
             <a:avLst/>
@@ -5869,25 +4126,19 @@
           <a:p>
             <a:r>
               <a:rPr b="0" lang="en-US" sz="1800" spc="-1" strike="noStrike">
-                <a:solidFill>
-                  <a:srgbClr val="000000"/>
-                </a:solidFill>
-                <a:latin typeface="Calibri"/>
+                <a:latin typeface="Arial"/>
               </a:rPr>
               <a:t>Click to edit the title text format</a:t>
             </a:r>
             <a:endParaRPr b="0" lang="en-US" sz="1800" spc="-1" strike="noStrike">
-              <a:solidFill>
-                <a:srgbClr val="000000"/>
-              </a:solidFill>
-              <a:latin typeface="Calibri"/>
-            </a:endParaRPr>
-          </a:p>
-        </p:txBody>
-      </p:sp>
-      <p:sp>
-        <p:nvSpPr>
-          <p:cNvPr id="4" name="PlaceHolder 4"/>
+              <a:latin typeface="Arial"/>
+            </a:endParaRPr>
+          </a:p>
+        </p:txBody>
+      </p:sp>
+      <p:sp>
+        <p:nvSpPr>
+          <p:cNvPr id="3" name="PlaceHolder 3"/>
           <p:cNvSpPr>
             <a:spLocks noGrp="1"/>
           </p:cNvSpPr>
@@ -5898,7 +4149,7 @@
         <p:spPr>
           <a:xfrm>
             <a:off x="457200" y="1604520"/>
-            <a:ext cx="8229240" cy="3977280"/>
+            <a:ext cx="8228880" cy="3976920"/>
           </a:xfrm>
           <a:prstGeom prst="rect">
             <a:avLst/>
@@ -5921,19 +4172,13 @@
               <a:buChar char=""/>
             </a:pPr>
             <a:r>
-              <a:rPr b="0" lang="en-US" sz="2800" spc="-1" strike="noStrike">
-                <a:solidFill>
-                  <a:srgbClr val="000000"/>
-                </a:solidFill>
-                <a:latin typeface="Calibri"/>
+              <a:rPr b="0" lang="en-US" sz="1800" spc="-1" strike="noStrike">
+                <a:latin typeface="Arial"/>
               </a:rPr>
               <a:t>Click to edit the outline text format</a:t>
             </a:r>
-            <a:endParaRPr b="0" lang="en-US" sz="2800" spc="-1" strike="noStrike">
-              <a:solidFill>
-                <a:srgbClr val="000000"/>
-              </a:solidFill>
-              <a:latin typeface="Calibri"/>
+            <a:endParaRPr b="0" lang="en-US" sz="1800" spc="-1" strike="noStrike">
+              <a:latin typeface="Arial"/>
             </a:endParaRPr>
           </a:p>
           <a:p>
@@ -5949,19 +4194,13 @@
               <a:buChar char=""/>
             </a:pPr>
             <a:r>
-              <a:rPr b="0" lang="en-US" sz="2800" spc="-1" strike="noStrike">
-                <a:solidFill>
-                  <a:srgbClr val="000000"/>
-                </a:solidFill>
-                <a:latin typeface="Calibri"/>
+              <a:rPr b="0" lang="en-US" sz="1800" spc="-1" strike="noStrike">
+                <a:latin typeface="Arial"/>
               </a:rPr>
               <a:t>Second Outline Level</a:t>
             </a:r>
-            <a:endParaRPr b="0" lang="en-US" sz="2800" spc="-1" strike="noStrike">
-              <a:solidFill>
-                <a:srgbClr val="000000"/>
-              </a:solidFill>
-              <a:latin typeface="Calibri"/>
+            <a:endParaRPr b="0" lang="en-US" sz="1800" spc="-1" strike="noStrike">
+              <a:latin typeface="Arial"/>
             </a:endParaRPr>
           </a:p>
           <a:p>
@@ -5977,19 +4216,13 @@
               <a:buChar char=""/>
             </a:pPr>
             <a:r>
-              <a:rPr b="0" lang="en-US" sz="2800" spc="-1" strike="noStrike">
-                <a:solidFill>
-                  <a:srgbClr val="000000"/>
-                </a:solidFill>
-                <a:latin typeface="Calibri"/>
+              <a:rPr b="0" lang="en-US" sz="1800" spc="-1" strike="noStrike">
+                <a:latin typeface="Arial"/>
               </a:rPr>
               <a:t>Third Outline Level</a:t>
             </a:r>
-            <a:endParaRPr b="0" lang="en-US" sz="2800" spc="-1" strike="noStrike">
-              <a:solidFill>
-                <a:srgbClr val="000000"/>
-              </a:solidFill>
-              <a:latin typeface="Calibri"/>
+            <a:endParaRPr b="0" lang="en-US" sz="1800" spc="-1" strike="noStrike">
+              <a:latin typeface="Arial"/>
             </a:endParaRPr>
           </a:p>
           <a:p>
@@ -6005,19 +4238,13 @@
               <a:buChar char=""/>
             </a:pPr>
             <a:r>
-              <a:rPr b="0" lang="en-US" sz="2800" spc="-1" strike="noStrike">
-                <a:solidFill>
-                  <a:srgbClr val="000000"/>
-                </a:solidFill>
-                <a:latin typeface="Calibri"/>
+              <a:rPr b="0" lang="en-US" sz="1800" spc="-1" strike="noStrike">
+                <a:latin typeface="Arial"/>
               </a:rPr>
               <a:t>Fourth Outline Level</a:t>
             </a:r>
-            <a:endParaRPr b="0" lang="en-US" sz="2800" spc="-1" strike="noStrike">
-              <a:solidFill>
-                <a:srgbClr val="000000"/>
-              </a:solidFill>
-              <a:latin typeface="Calibri"/>
+            <a:endParaRPr b="0" lang="en-US" sz="1800" spc="-1" strike="noStrike">
+              <a:latin typeface="Arial"/>
             </a:endParaRPr>
           </a:p>
           <a:p>
@@ -6033,19 +4260,13 @@
               <a:buChar char=""/>
             </a:pPr>
             <a:r>
-              <a:rPr b="0" lang="en-US" sz="2000" spc="-1" strike="noStrike">
-                <a:solidFill>
-                  <a:srgbClr val="000000"/>
-                </a:solidFill>
-                <a:latin typeface="Calibri"/>
+              <a:rPr b="0" lang="en-US" sz="1800" spc="-1" strike="noStrike">
+                <a:latin typeface="Arial"/>
               </a:rPr>
               <a:t>Fifth Outline Level</a:t>
             </a:r>
-            <a:endParaRPr b="0" lang="en-US" sz="2000" spc="-1" strike="noStrike">
-              <a:solidFill>
-                <a:srgbClr val="000000"/>
-              </a:solidFill>
-              <a:latin typeface="Calibri"/>
+            <a:endParaRPr b="0" lang="en-US" sz="1800" spc="-1" strike="noStrike">
+              <a:latin typeface="Arial"/>
             </a:endParaRPr>
           </a:p>
           <a:p>
@@ -6061,19 +4282,13 @@
               <a:buChar char=""/>
             </a:pPr>
             <a:r>
-              <a:rPr b="0" lang="en-US" sz="2000" spc="-1" strike="noStrike">
-                <a:solidFill>
-                  <a:srgbClr val="000000"/>
-                </a:solidFill>
-                <a:latin typeface="Calibri"/>
+              <a:rPr b="0" lang="en-US" sz="1800" spc="-1" strike="noStrike">
+                <a:latin typeface="Arial"/>
               </a:rPr>
               <a:t>Sixth Outline Level</a:t>
             </a:r>
-            <a:endParaRPr b="0" lang="en-US" sz="2000" spc="-1" strike="noStrike">
-              <a:solidFill>
-                <a:srgbClr val="000000"/>
-              </a:solidFill>
-              <a:latin typeface="Calibri"/>
+            <a:endParaRPr b="0" lang="en-US" sz="1800" spc="-1" strike="noStrike">
+              <a:latin typeface="Arial"/>
             </a:endParaRPr>
           </a:p>
           <a:p>
@@ -6089,19 +4304,13 @@
               <a:buChar char=""/>
             </a:pPr>
             <a:r>
-              <a:rPr b="0" lang="en-US" sz="2000" spc="-1" strike="noStrike">
-                <a:solidFill>
-                  <a:srgbClr val="000000"/>
-                </a:solidFill>
-                <a:latin typeface="Calibri"/>
+              <a:rPr b="0" lang="en-US" sz="1800" spc="-1" strike="noStrike">
+                <a:latin typeface="Arial"/>
               </a:rPr>
               <a:t>Seventh Outline Level</a:t>
             </a:r>
-            <a:endParaRPr b="0" lang="en-US" sz="2000" spc="-1" strike="noStrike">
-              <a:solidFill>
-                <a:srgbClr val="000000"/>
-              </a:solidFill>
-              <a:latin typeface="Calibri"/>
+            <a:endParaRPr b="0" lang="en-US" sz="1800" spc="-1" strike="noStrike">
+              <a:latin typeface="Arial"/>
             </a:endParaRPr>
           </a:p>
         </p:txBody>
@@ -6152,14 +4361,14 @@
       </p:grpSpPr>
       <p:sp>
         <p:nvSpPr>
-          <p:cNvPr id="41" name="Line 1"/>
+          <p:cNvPr id="40" name="Line 1"/>
           <p:cNvSpPr/>
           <p:nvPr/>
         </p:nvSpPr>
         <p:spPr>
           <a:xfrm>
             <a:off x="257760" y="893520"/>
-            <a:ext cx="8595360" cy="0"/>
+            <a:ext cx="8595360" cy="360"/>
           </a:xfrm>
           <a:prstGeom prst="line">
             <a:avLst/>
@@ -6180,7 +4389,7 @@
       </p:sp>
       <p:pic>
         <p:nvPicPr>
-          <p:cNvPr id="42" name="Picture 2" descr=""/>
+          <p:cNvPr id="41" name="Picture 2" descr=""/>
           <p:cNvPicPr/>
           <p:nvPr/>
         </p:nvPicPr>
@@ -6191,7 +4400,7 @@
         <p:spPr>
           <a:xfrm>
             <a:off x="8415000" y="173160"/>
-            <a:ext cx="370800" cy="536040"/>
+            <a:ext cx="370440" cy="535680"/>
           </a:xfrm>
           <a:prstGeom prst="rect">
             <a:avLst/>
@@ -6203,50 +4412,7 @@
       </p:pic>
       <p:sp>
         <p:nvSpPr>
-          <p:cNvPr id="43" name="PlaceHolder 2"/>
-          <p:cNvSpPr>
-            <a:spLocks noGrp="1"/>
-          </p:cNvSpPr>
-          <p:nvPr>
-            <p:ph type="sldNum"/>
-          </p:nvPr>
-        </p:nvSpPr>
-        <p:spPr>
-          <a:xfrm>
-            <a:off x="8588520" y="6506640"/>
-            <a:ext cx="246600" cy="256320"/>
-          </a:xfrm>
-          <a:prstGeom prst="rect">
-            <a:avLst/>
-          </a:prstGeom>
-        </p:spPr>
-        <p:txBody>
-          <a:bodyPr lIns="45720" rIns="45720" tIns="45000" bIns="45000" anchor="ctr"/>
-          <a:p>
-            <a:pPr algn="ctr">
-              <a:lnSpc>
-                <a:spcPct val="100000"/>
-              </a:lnSpc>
-            </a:pPr>
-            <a:fld id="{480C8FEE-8770-4574-BBAE-D992DFC347F5}" type="slidenum">
-              <a:rPr b="0" lang="en-US" sz="1200" spc="-1" strike="noStrike">
-                <a:solidFill>
-                  <a:srgbClr val="888888"/>
-                </a:solidFill>
-                <a:latin typeface="Garamond"/>
-                <a:ea typeface="Garamond"/>
-              </a:rPr>
-              <a:t>1</a:t>
-            </a:fld>
-            <a:endParaRPr b="0" lang="en-US" sz="1200" spc="-1" strike="noStrike">
-              <a:latin typeface="Times New Roman"/>
-            </a:endParaRPr>
-          </a:p>
-        </p:txBody>
-      </p:sp>
-      <p:sp>
-        <p:nvSpPr>
-          <p:cNvPr id="44" name="PlaceHolder 3"/>
+          <p:cNvPr id="42" name="PlaceHolder 2"/>
           <p:cNvSpPr>
             <a:spLocks noGrp="1"/>
           </p:cNvSpPr>
@@ -6257,7 +4423,7 @@
         <p:spPr>
           <a:xfrm>
             <a:off x="457200" y="273600"/>
-            <a:ext cx="8229240" cy="1144800"/>
+            <a:ext cx="8228880" cy="1144440"/>
           </a:xfrm>
           <a:prstGeom prst="rect">
             <a:avLst/>
@@ -6268,25 +4434,19 @@
           <a:p>
             <a:r>
               <a:rPr b="0" lang="en-US" sz="1800" spc="-1" strike="noStrike">
-                <a:solidFill>
-                  <a:srgbClr val="000000"/>
-                </a:solidFill>
-                <a:latin typeface="Calibri"/>
+                <a:latin typeface="Arial"/>
               </a:rPr>
               <a:t>Click to edit the title text format</a:t>
             </a:r>
             <a:endParaRPr b="0" lang="en-US" sz="1800" spc="-1" strike="noStrike">
-              <a:solidFill>
-                <a:srgbClr val="000000"/>
-              </a:solidFill>
-              <a:latin typeface="Calibri"/>
-            </a:endParaRPr>
-          </a:p>
-        </p:txBody>
-      </p:sp>
-      <p:sp>
-        <p:nvSpPr>
-          <p:cNvPr id="45" name="PlaceHolder 4"/>
+              <a:latin typeface="Arial"/>
+            </a:endParaRPr>
+          </a:p>
+        </p:txBody>
+      </p:sp>
+      <p:sp>
+        <p:nvSpPr>
+          <p:cNvPr id="43" name="PlaceHolder 3"/>
           <p:cNvSpPr>
             <a:spLocks noGrp="1"/>
           </p:cNvSpPr>
@@ -6297,7 +4457,7 @@
         <p:spPr>
           <a:xfrm>
             <a:off x="457200" y="1604520"/>
-            <a:ext cx="8229240" cy="3977280"/>
+            <a:ext cx="8228880" cy="3976920"/>
           </a:xfrm>
           <a:prstGeom prst="rect">
             <a:avLst/>
@@ -6320,19 +4480,13 @@
               <a:buChar char=""/>
             </a:pPr>
             <a:r>
-              <a:rPr b="0" lang="en-US" sz="2800" spc="-1" strike="noStrike">
-                <a:solidFill>
-                  <a:srgbClr val="000000"/>
-                </a:solidFill>
-                <a:latin typeface="Calibri"/>
+              <a:rPr b="0" lang="en-US" sz="1800" spc="-1" strike="noStrike">
+                <a:latin typeface="Arial"/>
               </a:rPr>
               <a:t>Click to edit the outline text format</a:t>
             </a:r>
-            <a:endParaRPr b="0" lang="en-US" sz="2800" spc="-1" strike="noStrike">
-              <a:solidFill>
-                <a:srgbClr val="000000"/>
-              </a:solidFill>
-              <a:latin typeface="Calibri"/>
+            <a:endParaRPr b="0" lang="en-US" sz="1800" spc="-1" strike="noStrike">
+              <a:latin typeface="Arial"/>
             </a:endParaRPr>
           </a:p>
           <a:p>
@@ -6348,19 +4502,13 @@
               <a:buChar char=""/>
             </a:pPr>
             <a:r>
-              <a:rPr b="0" lang="en-US" sz="2800" spc="-1" strike="noStrike">
-                <a:solidFill>
-                  <a:srgbClr val="000000"/>
-                </a:solidFill>
-                <a:latin typeface="Calibri"/>
+              <a:rPr b="0" lang="en-US" sz="1800" spc="-1" strike="noStrike">
+                <a:latin typeface="Arial"/>
               </a:rPr>
               <a:t>Second Outline Level</a:t>
             </a:r>
-            <a:endParaRPr b="0" lang="en-US" sz="2800" spc="-1" strike="noStrike">
-              <a:solidFill>
-                <a:srgbClr val="000000"/>
-              </a:solidFill>
-              <a:latin typeface="Calibri"/>
+            <a:endParaRPr b="0" lang="en-US" sz="1800" spc="-1" strike="noStrike">
+              <a:latin typeface="Arial"/>
             </a:endParaRPr>
           </a:p>
           <a:p>
@@ -6376,19 +4524,13 @@
               <a:buChar char=""/>
             </a:pPr>
             <a:r>
-              <a:rPr b="0" lang="en-US" sz="2800" spc="-1" strike="noStrike">
-                <a:solidFill>
-                  <a:srgbClr val="000000"/>
-                </a:solidFill>
-                <a:latin typeface="Calibri"/>
+              <a:rPr b="0" lang="en-US" sz="1800" spc="-1" strike="noStrike">
+                <a:latin typeface="Arial"/>
               </a:rPr>
               <a:t>Third Outline Level</a:t>
             </a:r>
-            <a:endParaRPr b="0" lang="en-US" sz="2800" spc="-1" strike="noStrike">
-              <a:solidFill>
-                <a:srgbClr val="000000"/>
-              </a:solidFill>
-              <a:latin typeface="Calibri"/>
+            <a:endParaRPr b="0" lang="en-US" sz="1800" spc="-1" strike="noStrike">
+              <a:latin typeface="Arial"/>
             </a:endParaRPr>
           </a:p>
           <a:p>
@@ -6404,19 +4546,13 @@
               <a:buChar char=""/>
             </a:pPr>
             <a:r>
-              <a:rPr b="0" lang="en-US" sz="2800" spc="-1" strike="noStrike">
-                <a:solidFill>
-                  <a:srgbClr val="000000"/>
-                </a:solidFill>
-                <a:latin typeface="Calibri"/>
+              <a:rPr b="0" lang="en-US" sz="1800" spc="-1" strike="noStrike">
+                <a:latin typeface="Arial"/>
               </a:rPr>
               <a:t>Fourth Outline Level</a:t>
             </a:r>
-            <a:endParaRPr b="0" lang="en-US" sz="2800" spc="-1" strike="noStrike">
-              <a:solidFill>
-                <a:srgbClr val="000000"/>
-              </a:solidFill>
-              <a:latin typeface="Calibri"/>
+            <a:endParaRPr b="0" lang="en-US" sz="1800" spc="-1" strike="noStrike">
+              <a:latin typeface="Arial"/>
             </a:endParaRPr>
           </a:p>
           <a:p>
@@ -6432,19 +4568,13 @@
               <a:buChar char=""/>
             </a:pPr>
             <a:r>
-              <a:rPr b="0" lang="en-US" sz="2000" spc="-1" strike="noStrike">
-                <a:solidFill>
-                  <a:srgbClr val="000000"/>
-                </a:solidFill>
-                <a:latin typeface="Calibri"/>
+              <a:rPr b="0" lang="en-US" sz="1800" spc="-1" strike="noStrike">
+                <a:latin typeface="Arial"/>
               </a:rPr>
               <a:t>Fifth Outline Level</a:t>
             </a:r>
-            <a:endParaRPr b="0" lang="en-US" sz="2000" spc="-1" strike="noStrike">
-              <a:solidFill>
-                <a:srgbClr val="000000"/>
-              </a:solidFill>
-              <a:latin typeface="Calibri"/>
+            <a:endParaRPr b="0" lang="en-US" sz="1800" spc="-1" strike="noStrike">
+              <a:latin typeface="Arial"/>
             </a:endParaRPr>
           </a:p>
           <a:p>
@@ -6460,19 +4590,13 @@
               <a:buChar char=""/>
             </a:pPr>
             <a:r>
-              <a:rPr b="0" lang="en-US" sz="2000" spc="-1" strike="noStrike">
-                <a:solidFill>
-                  <a:srgbClr val="000000"/>
-                </a:solidFill>
-                <a:latin typeface="Calibri"/>
+              <a:rPr b="0" lang="en-US" sz="1800" spc="-1" strike="noStrike">
+                <a:latin typeface="Arial"/>
               </a:rPr>
               <a:t>Sixth Outline Level</a:t>
             </a:r>
-            <a:endParaRPr b="0" lang="en-US" sz="2000" spc="-1" strike="noStrike">
-              <a:solidFill>
-                <a:srgbClr val="000000"/>
-              </a:solidFill>
-              <a:latin typeface="Calibri"/>
+            <a:endParaRPr b="0" lang="en-US" sz="1800" spc="-1" strike="noStrike">
+              <a:latin typeface="Arial"/>
             </a:endParaRPr>
           </a:p>
           <a:p>
@@ -6488,19 +4612,13 @@
               <a:buChar char=""/>
             </a:pPr>
             <a:r>
-              <a:rPr b="0" lang="en-US" sz="2000" spc="-1" strike="noStrike">
-                <a:solidFill>
-                  <a:srgbClr val="000000"/>
-                </a:solidFill>
-                <a:latin typeface="Calibri"/>
+              <a:rPr b="0" lang="en-US" sz="1800" spc="-1" strike="noStrike">
+                <a:latin typeface="Arial"/>
               </a:rPr>
               <a:t>Seventh Outline Level</a:t>
             </a:r>
-            <a:endParaRPr b="0" lang="en-US" sz="2000" spc="-1" strike="noStrike">
-              <a:solidFill>
-                <a:srgbClr val="000000"/>
-              </a:solidFill>
-              <a:latin typeface="Calibri"/>
+            <a:endParaRPr b="0" lang="en-US" sz="1800" spc="-1" strike="noStrike">
+              <a:latin typeface="Arial"/>
             </a:endParaRPr>
           </a:p>
         </p:txBody>
@@ -6551,14 +4669,14 @@
       </p:grpSpPr>
       <p:sp>
         <p:nvSpPr>
-          <p:cNvPr id="82" name="Line 1"/>
+          <p:cNvPr id="80" name="Line 1"/>
           <p:cNvSpPr/>
           <p:nvPr/>
         </p:nvSpPr>
         <p:spPr>
           <a:xfrm>
             <a:off x="257760" y="893520"/>
-            <a:ext cx="8595360" cy="0"/>
+            <a:ext cx="8595360" cy="360"/>
           </a:xfrm>
           <a:prstGeom prst="line">
             <a:avLst/>
@@ -6579,7 +4697,7 @@
       </p:sp>
       <p:pic>
         <p:nvPicPr>
-          <p:cNvPr id="83" name="Picture 2" descr=""/>
+          <p:cNvPr id="81" name="Picture 2" descr=""/>
           <p:cNvPicPr/>
           <p:nvPr/>
         </p:nvPicPr>
@@ -6590,7 +4708,7 @@
         <p:spPr>
           <a:xfrm>
             <a:off x="8415000" y="173160"/>
-            <a:ext cx="370800" cy="536040"/>
+            <a:ext cx="370440" cy="535680"/>
           </a:xfrm>
           <a:prstGeom prst="rect">
             <a:avLst/>
@@ -6602,14 +4720,14 @@
       </p:pic>
       <p:sp>
         <p:nvSpPr>
-          <p:cNvPr id="84" name="Line 2"/>
+          <p:cNvPr id="82" name="Line 2"/>
           <p:cNvSpPr/>
           <p:nvPr/>
         </p:nvSpPr>
         <p:spPr>
           <a:xfrm>
             <a:off x="257760" y="893520"/>
-            <a:ext cx="8595360" cy="0"/>
+            <a:ext cx="8595360" cy="360"/>
           </a:xfrm>
           <a:prstGeom prst="line">
             <a:avLst/>
@@ -6630,50 +4748,7 @@
       </p:sp>
       <p:sp>
         <p:nvSpPr>
-          <p:cNvPr id="85" name="PlaceHolder 3"/>
-          <p:cNvSpPr>
-            <a:spLocks noGrp="1"/>
-          </p:cNvSpPr>
-          <p:nvPr>
-            <p:ph type="sldNum"/>
-          </p:nvPr>
-        </p:nvSpPr>
-        <p:spPr>
-          <a:xfrm>
-            <a:off x="8588520" y="6506640"/>
-            <a:ext cx="246600" cy="256320"/>
-          </a:xfrm>
-          <a:prstGeom prst="rect">
-            <a:avLst/>
-          </a:prstGeom>
-        </p:spPr>
-        <p:txBody>
-          <a:bodyPr lIns="45720" rIns="45720" tIns="45000" bIns="45000" anchor="ctr"/>
-          <a:p>
-            <a:pPr algn="ctr">
-              <a:lnSpc>
-                <a:spcPct val="100000"/>
-              </a:lnSpc>
-            </a:pPr>
-            <a:fld id="{AF173950-E66F-4D79-81B9-D093237DF570}" type="slidenum">
-              <a:rPr b="0" lang="en-US" sz="1200" spc="-1" strike="noStrike">
-                <a:solidFill>
-                  <a:srgbClr val="888888"/>
-                </a:solidFill>
-                <a:latin typeface="Garamond"/>
-                <a:ea typeface="Garamond"/>
-              </a:rPr>
-              <a:t>1</a:t>
-            </a:fld>
-            <a:endParaRPr b="0" lang="en-US" sz="1200" spc="-1" strike="noStrike">
-              <a:latin typeface="Times New Roman"/>
-            </a:endParaRPr>
-          </a:p>
-        </p:txBody>
-      </p:sp>
-      <p:sp>
-        <p:nvSpPr>
-          <p:cNvPr id="86" name="PlaceHolder 4"/>
+          <p:cNvPr id="83" name="PlaceHolder 3"/>
           <p:cNvSpPr>
             <a:spLocks noGrp="1"/>
           </p:cNvSpPr>
@@ -6684,7 +4759,7 @@
         <p:spPr>
           <a:xfrm>
             <a:off x="457200" y="273600"/>
-            <a:ext cx="8229240" cy="1144800"/>
+            <a:ext cx="8228880" cy="1144440"/>
           </a:xfrm>
           <a:prstGeom prst="rect">
             <a:avLst/>
@@ -6695,25 +4770,19 @@
           <a:p>
             <a:r>
               <a:rPr b="0" lang="en-US" sz="1800" spc="-1" strike="noStrike">
-                <a:solidFill>
-                  <a:srgbClr val="000000"/>
-                </a:solidFill>
-                <a:latin typeface="Calibri"/>
+                <a:latin typeface="Arial"/>
               </a:rPr>
               <a:t>Click to edit the title text format</a:t>
             </a:r>
             <a:endParaRPr b="0" lang="en-US" sz="1800" spc="-1" strike="noStrike">
-              <a:solidFill>
-                <a:srgbClr val="000000"/>
-              </a:solidFill>
-              <a:latin typeface="Calibri"/>
-            </a:endParaRPr>
-          </a:p>
-        </p:txBody>
-      </p:sp>
-      <p:sp>
-        <p:nvSpPr>
-          <p:cNvPr id="87" name="PlaceHolder 5"/>
+              <a:latin typeface="Arial"/>
+            </a:endParaRPr>
+          </a:p>
+        </p:txBody>
+      </p:sp>
+      <p:sp>
+        <p:nvSpPr>
+          <p:cNvPr id="84" name="PlaceHolder 4"/>
           <p:cNvSpPr>
             <a:spLocks noGrp="1"/>
           </p:cNvSpPr>
@@ -6724,7 +4793,7 @@
         <p:spPr>
           <a:xfrm>
             <a:off x="457200" y="1604520"/>
-            <a:ext cx="8229240" cy="3977280"/>
+            <a:ext cx="8228880" cy="3976920"/>
           </a:xfrm>
           <a:prstGeom prst="rect">
             <a:avLst/>
@@ -6747,19 +4816,13 @@
               <a:buChar char=""/>
             </a:pPr>
             <a:r>
-              <a:rPr b="0" lang="en-US" sz="2800" spc="-1" strike="noStrike">
-                <a:solidFill>
-                  <a:srgbClr val="000000"/>
-                </a:solidFill>
-                <a:latin typeface="Calibri"/>
+              <a:rPr b="0" lang="en-US" sz="1800" spc="-1" strike="noStrike">
+                <a:latin typeface="Arial"/>
               </a:rPr>
               <a:t>Click to edit the outline text format</a:t>
             </a:r>
-            <a:endParaRPr b="0" lang="en-US" sz="2800" spc="-1" strike="noStrike">
-              <a:solidFill>
-                <a:srgbClr val="000000"/>
-              </a:solidFill>
-              <a:latin typeface="Calibri"/>
+            <a:endParaRPr b="0" lang="en-US" sz="1800" spc="-1" strike="noStrike">
+              <a:latin typeface="Arial"/>
             </a:endParaRPr>
           </a:p>
           <a:p>
@@ -6775,19 +4838,13 @@
               <a:buChar char=""/>
             </a:pPr>
             <a:r>
-              <a:rPr b="0" lang="en-US" sz="2800" spc="-1" strike="noStrike">
-                <a:solidFill>
-                  <a:srgbClr val="000000"/>
-                </a:solidFill>
-                <a:latin typeface="Calibri"/>
+              <a:rPr b="0" lang="en-US" sz="1800" spc="-1" strike="noStrike">
+                <a:latin typeface="Arial"/>
               </a:rPr>
               <a:t>Second Outline Level</a:t>
             </a:r>
-            <a:endParaRPr b="0" lang="en-US" sz="2800" spc="-1" strike="noStrike">
-              <a:solidFill>
-                <a:srgbClr val="000000"/>
-              </a:solidFill>
-              <a:latin typeface="Calibri"/>
+            <a:endParaRPr b="0" lang="en-US" sz="1800" spc="-1" strike="noStrike">
+              <a:latin typeface="Arial"/>
             </a:endParaRPr>
           </a:p>
           <a:p>
@@ -6803,19 +4860,13 @@
               <a:buChar char=""/>
             </a:pPr>
             <a:r>
-              <a:rPr b="0" lang="en-US" sz="2800" spc="-1" strike="noStrike">
-                <a:solidFill>
-                  <a:srgbClr val="000000"/>
-                </a:solidFill>
-                <a:latin typeface="Calibri"/>
+              <a:rPr b="0" lang="en-US" sz="1800" spc="-1" strike="noStrike">
+                <a:latin typeface="Arial"/>
               </a:rPr>
               <a:t>Third Outline Level</a:t>
             </a:r>
-            <a:endParaRPr b="0" lang="en-US" sz="2800" spc="-1" strike="noStrike">
-              <a:solidFill>
-                <a:srgbClr val="000000"/>
-              </a:solidFill>
-              <a:latin typeface="Calibri"/>
+            <a:endParaRPr b="0" lang="en-US" sz="1800" spc="-1" strike="noStrike">
+              <a:latin typeface="Arial"/>
             </a:endParaRPr>
           </a:p>
           <a:p>
@@ -6831,19 +4882,13 @@
               <a:buChar char=""/>
             </a:pPr>
             <a:r>
-              <a:rPr b="0" lang="en-US" sz="2800" spc="-1" strike="noStrike">
-                <a:solidFill>
-                  <a:srgbClr val="000000"/>
-                </a:solidFill>
-                <a:latin typeface="Calibri"/>
+              <a:rPr b="0" lang="en-US" sz="1800" spc="-1" strike="noStrike">
+                <a:latin typeface="Arial"/>
               </a:rPr>
               <a:t>Fourth Outline Level</a:t>
             </a:r>
-            <a:endParaRPr b="0" lang="en-US" sz="2800" spc="-1" strike="noStrike">
-              <a:solidFill>
-                <a:srgbClr val="000000"/>
-              </a:solidFill>
-              <a:latin typeface="Calibri"/>
+            <a:endParaRPr b="0" lang="en-US" sz="1800" spc="-1" strike="noStrike">
+              <a:latin typeface="Arial"/>
             </a:endParaRPr>
           </a:p>
           <a:p>
@@ -6859,19 +4904,13 @@
               <a:buChar char=""/>
             </a:pPr>
             <a:r>
-              <a:rPr b="0" lang="en-US" sz="2000" spc="-1" strike="noStrike">
-                <a:solidFill>
-                  <a:srgbClr val="000000"/>
-                </a:solidFill>
-                <a:latin typeface="Calibri"/>
+              <a:rPr b="0" lang="en-US" sz="1800" spc="-1" strike="noStrike">
+                <a:latin typeface="Arial"/>
               </a:rPr>
               <a:t>Fifth Outline Level</a:t>
             </a:r>
-            <a:endParaRPr b="0" lang="en-US" sz="2000" spc="-1" strike="noStrike">
-              <a:solidFill>
-                <a:srgbClr val="000000"/>
-              </a:solidFill>
-              <a:latin typeface="Calibri"/>
+            <a:endParaRPr b="0" lang="en-US" sz="1800" spc="-1" strike="noStrike">
+              <a:latin typeface="Arial"/>
             </a:endParaRPr>
           </a:p>
           <a:p>
@@ -6887,19 +4926,13 @@
               <a:buChar char=""/>
             </a:pPr>
             <a:r>
-              <a:rPr b="0" lang="en-US" sz="2000" spc="-1" strike="noStrike">
-                <a:solidFill>
-                  <a:srgbClr val="000000"/>
-                </a:solidFill>
-                <a:latin typeface="Calibri"/>
+              <a:rPr b="0" lang="en-US" sz="1800" spc="-1" strike="noStrike">
+                <a:latin typeface="Arial"/>
               </a:rPr>
               <a:t>Sixth Outline Level</a:t>
             </a:r>
-            <a:endParaRPr b="0" lang="en-US" sz="2000" spc="-1" strike="noStrike">
-              <a:solidFill>
-                <a:srgbClr val="000000"/>
-              </a:solidFill>
-              <a:latin typeface="Calibri"/>
+            <a:endParaRPr b="0" lang="en-US" sz="1800" spc="-1" strike="noStrike">
+              <a:latin typeface="Arial"/>
             </a:endParaRPr>
           </a:p>
           <a:p>
@@ -6915,19 +4948,13 @@
               <a:buChar char=""/>
             </a:pPr>
             <a:r>
-              <a:rPr b="0" lang="en-US" sz="2000" spc="-1" strike="noStrike">
-                <a:solidFill>
-                  <a:srgbClr val="000000"/>
-                </a:solidFill>
-                <a:latin typeface="Calibri"/>
+              <a:rPr b="0" lang="en-US" sz="1800" spc="-1" strike="noStrike">
+                <a:latin typeface="Arial"/>
               </a:rPr>
               <a:t>Seventh Outline Level</a:t>
             </a:r>
-            <a:endParaRPr b="0" lang="en-US" sz="2000" spc="-1" strike="noStrike">
-              <a:solidFill>
-                <a:srgbClr val="000000"/>
-              </a:solidFill>
-              <a:latin typeface="Calibri"/>
+            <a:endParaRPr b="0" lang="en-US" sz="1800" spc="-1" strike="noStrike">
+              <a:latin typeface="Arial"/>
             </a:endParaRPr>
           </a:p>
         </p:txBody>
@@ -6948,482 +4975,6 @@
     <p:sldLayoutId id="2147483684" r:id="rId12"/>
     <p:sldLayoutId id="2147483685" r:id="rId13"/>
     <p:sldLayoutId id="2147483686" r:id="rId14"/>
-  </p:sldLayoutIdLst>
-</p:sldMaster>
-</file>
-
-<file path=ppt/slideMasters/slideMaster4.xml><?xml version="1.0" encoding="utf-8"?>
-<p:sldMaster xmlns:a="http://schemas.openxmlformats.org/drawingml/2006/main" xmlns:p="http://schemas.openxmlformats.org/presentationml/2006/main" xmlns:r="http://schemas.openxmlformats.org/officeDocument/2006/relationships" xmlns:p14="http://schemas.microsoft.com/office/powerpoint/2010/main" xmlns:p15="http://schemas.microsoft.com/office/powerpoint/2012/main" xmlns:mc="http://schemas.openxmlformats.org/markup-compatibility/2006">
-  <p:cSld>
-    <p:bg>
-      <p:bgPr>
-        <a:solidFill>
-          <a:srgbClr val="ffffff"/>
-        </a:solidFill>
-      </p:bgPr>
-    </p:bg>
-    <p:spTree>
-      <p:nvGrpSpPr>
-        <p:cNvPr id="1" name=""/>
-        <p:cNvGrpSpPr/>
-        <p:nvPr/>
-      </p:nvGrpSpPr>
-      <p:grpSpPr>
-        <a:xfrm>
-          <a:off x="0" y="0"/>
-          <a:ext cx="0" cy="0"/>
-          <a:chOff x="0" y="0"/>
-          <a:chExt cx="0" cy="0"/>
-        </a:xfrm>
-      </p:grpSpPr>
-      <p:sp>
-        <p:nvSpPr>
-          <p:cNvPr id="124" name="Line 1"/>
-          <p:cNvSpPr/>
-          <p:nvPr/>
-        </p:nvSpPr>
-        <p:spPr>
-          <a:xfrm>
-            <a:off x="257760" y="893520"/>
-            <a:ext cx="8595360" cy="0"/>
-          </a:xfrm>
-          <a:prstGeom prst="line">
-            <a:avLst/>
-          </a:prstGeom>
-          <a:ln w="6480">
-            <a:solidFill>
-              <a:srgbClr val="000000"/>
-            </a:solidFill>
-            <a:miter/>
-          </a:ln>
-        </p:spPr>
-        <p:style>
-          <a:lnRef idx="0"/>
-          <a:fillRef idx="0"/>
-          <a:effectRef idx="0"/>
-          <a:fontRef idx="minor"/>
-        </p:style>
-      </p:sp>
-      <p:pic>
-        <p:nvPicPr>
-          <p:cNvPr id="125" name="Picture 2" descr=""/>
-          <p:cNvPicPr/>
-          <p:nvPr/>
-        </p:nvPicPr>
-        <p:blipFill>
-          <a:blip r:embed="rId2"/>
-          <a:stretch/>
-        </p:blipFill>
-        <p:spPr>
-          <a:xfrm>
-            <a:off x="8415000" y="173160"/>
-            <a:ext cx="370800" cy="536040"/>
-          </a:xfrm>
-          <a:prstGeom prst="rect">
-            <a:avLst/>
-          </a:prstGeom>
-          <a:ln w="12600">
-            <a:noFill/>
-          </a:ln>
-        </p:spPr>
-      </p:pic>
-      <p:sp>
-        <p:nvSpPr>
-          <p:cNvPr id="126" name="PlaceHolder 2"/>
-          <p:cNvSpPr>
-            <a:spLocks noGrp="1"/>
-          </p:cNvSpPr>
-          <p:nvPr>
-            <p:ph type="sldNum"/>
-          </p:nvPr>
-        </p:nvSpPr>
-        <p:spPr>
-          <a:xfrm>
-            <a:off x="8588520" y="6506640"/>
-            <a:ext cx="246600" cy="256320"/>
-          </a:xfrm>
-          <a:prstGeom prst="rect">
-            <a:avLst/>
-          </a:prstGeom>
-        </p:spPr>
-        <p:txBody>
-          <a:bodyPr lIns="45720" rIns="45720" tIns="45000" bIns="45000" anchor="ctr"/>
-          <a:p>
-            <a:pPr algn="ctr">
-              <a:lnSpc>
-                <a:spcPct val="100000"/>
-              </a:lnSpc>
-            </a:pPr>
-            <a:fld id="{C5F5ACED-A777-4546-8FBF-7CE0BFCD5260}" type="slidenum">
-              <a:rPr b="0" lang="en-US" sz="1200" spc="-1" strike="noStrike">
-                <a:solidFill>
-                  <a:srgbClr val="888888"/>
-                </a:solidFill>
-                <a:latin typeface="Garamond"/>
-                <a:ea typeface="Garamond"/>
-              </a:rPr>
-              <a:t>1</a:t>
-            </a:fld>
-            <a:endParaRPr b="0" lang="en-US" sz="1200" spc="-1" strike="noStrike">
-              <a:latin typeface="Times New Roman"/>
-            </a:endParaRPr>
-          </a:p>
-        </p:txBody>
-      </p:sp>
-      <p:sp>
-        <p:nvSpPr>
-          <p:cNvPr id="127" name="Line 3"/>
-          <p:cNvSpPr/>
-          <p:nvPr/>
-        </p:nvSpPr>
-        <p:spPr>
-          <a:xfrm>
-            <a:off x="257760" y="893520"/>
-            <a:ext cx="8595360" cy="0"/>
-          </a:xfrm>
-          <a:prstGeom prst="line">
-            <a:avLst/>
-          </a:prstGeom>
-          <a:ln w="6480">
-            <a:solidFill>
-              <a:srgbClr val="000000"/>
-            </a:solidFill>
-            <a:miter/>
-          </a:ln>
-        </p:spPr>
-        <p:style>
-          <a:lnRef idx="0"/>
-          <a:fillRef idx="0"/>
-          <a:effectRef idx="0"/>
-          <a:fontRef idx="minor"/>
-        </p:style>
-      </p:sp>
-      <p:sp>
-        <p:nvSpPr>
-          <p:cNvPr id="128" name="CustomShape 4"/>
-          <p:cNvSpPr/>
-          <p:nvPr/>
-        </p:nvSpPr>
-        <p:spPr>
-          <a:xfrm>
-            <a:off x="8478000" y="6506640"/>
-            <a:ext cx="467280" cy="256320"/>
-          </a:xfrm>
-          <a:prstGeom prst="rect">
-            <a:avLst/>
-          </a:prstGeom>
-          <a:noFill/>
-          <a:ln w="12600">
-            <a:noFill/>
-          </a:ln>
-        </p:spPr>
-        <p:style>
-          <a:lnRef idx="0"/>
-          <a:fillRef idx="0"/>
-          <a:effectRef idx="0"/>
-          <a:fontRef idx="minor"/>
-        </p:style>
-      </p:sp>
-      <p:pic>
-        <p:nvPicPr>
-          <p:cNvPr id="129" name="Picture 2" descr=""/>
-          <p:cNvPicPr/>
-          <p:nvPr/>
-        </p:nvPicPr>
-        <p:blipFill>
-          <a:blip r:embed="rId3"/>
-          <a:stretch/>
-        </p:blipFill>
-        <p:spPr>
-          <a:xfrm>
-            <a:off x="8415000" y="173160"/>
-            <a:ext cx="370800" cy="536040"/>
-          </a:xfrm>
-          <a:prstGeom prst="rect">
-            <a:avLst/>
-          </a:prstGeom>
-          <a:ln w="12600">
-            <a:noFill/>
-          </a:ln>
-        </p:spPr>
-      </p:pic>
-      <p:sp>
-        <p:nvSpPr>
-          <p:cNvPr id="130" name="PlaceHolder 5"/>
-          <p:cNvSpPr>
-            <a:spLocks noGrp="1"/>
-          </p:cNvSpPr>
-          <p:nvPr>
-            <p:ph type="title"/>
-          </p:nvPr>
-        </p:nvSpPr>
-        <p:spPr>
-          <a:xfrm>
-            <a:off x="457200" y="273600"/>
-            <a:ext cx="8229240" cy="1144800"/>
-          </a:xfrm>
-          <a:prstGeom prst="rect">
-            <a:avLst/>
-          </a:prstGeom>
-        </p:spPr>
-        <p:txBody>
-          <a:bodyPr lIns="0" rIns="0" tIns="0" bIns="0" anchor="ctr"/>
-          <a:p>
-            <a:r>
-              <a:rPr b="0" lang="en-US" sz="1800" spc="-1" strike="noStrike">
-                <a:solidFill>
-                  <a:srgbClr val="000000"/>
-                </a:solidFill>
-                <a:latin typeface="Calibri"/>
-              </a:rPr>
-              <a:t>Click to edit the title text format</a:t>
-            </a:r>
-            <a:endParaRPr b="0" lang="en-US" sz="1800" spc="-1" strike="noStrike">
-              <a:solidFill>
-                <a:srgbClr val="000000"/>
-              </a:solidFill>
-              <a:latin typeface="Calibri"/>
-            </a:endParaRPr>
-          </a:p>
-        </p:txBody>
-      </p:sp>
-      <p:sp>
-        <p:nvSpPr>
-          <p:cNvPr id="131" name="PlaceHolder 6"/>
-          <p:cNvSpPr>
-            <a:spLocks noGrp="1"/>
-          </p:cNvSpPr>
-          <p:nvPr>
-            <p:ph type="body"/>
-          </p:nvPr>
-        </p:nvSpPr>
-        <p:spPr>
-          <a:xfrm>
-            <a:off x="457200" y="1604520"/>
-            <a:ext cx="8229240" cy="3977280"/>
-          </a:xfrm>
-          <a:prstGeom prst="rect">
-            <a:avLst/>
-          </a:prstGeom>
-        </p:spPr>
-        <p:txBody>
-          <a:bodyPr lIns="0" rIns="0" tIns="0" bIns="0">
-            <a:normAutofit/>
-          </a:bodyPr>
-          <a:p>
-            <a:pPr marL="432000" indent="-324000">
-              <a:spcBef>
-                <a:spcPts val="1417"/>
-              </a:spcBef>
-              <a:buClr>
-                <a:srgbClr val="000000"/>
-              </a:buClr>
-              <a:buSzPct val="45000"/>
-              <a:buFont typeface="Wingdings" charset="2"/>
-              <a:buChar char=""/>
-            </a:pPr>
-            <a:r>
-              <a:rPr b="0" lang="en-US" sz="2800" spc="-1" strike="noStrike">
-                <a:solidFill>
-                  <a:srgbClr val="000000"/>
-                </a:solidFill>
-                <a:latin typeface="Calibri"/>
-              </a:rPr>
-              <a:t>Click to edit the outline text format</a:t>
-            </a:r>
-            <a:endParaRPr b="0" lang="en-US" sz="2800" spc="-1" strike="noStrike">
-              <a:solidFill>
-                <a:srgbClr val="000000"/>
-              </a:solidFill>
-              <a:latin typeface="Calibri"/>
-            </a:endParaRPr>
-          </a:p>
-          <a:p>
-            <a:pPr lvl="1" marL="864000" indent="-324000">
-              <a:spcBef>
-                <a:spcPts val="1134"/>
-              </a:spcBef>
-              <a:buClr>
-                <a:srgbClr val="000000"/>
-              </a:buClr>
-              <a:buSzPct val="75000"/>
-              <a:buFont typeface="Symbol" charset="2"/>
-              <a:buChar char=""/>
-            </a:pPr>
-            <a:r>
-              <a:rPr b="0" lang="en-US" sz="2800" spc="-1" strike="noStrike">
-                <a:solidFill>
-                  <a:srgbClr val="000000"/>
-                </a:solidFill>
-                <a:latin typeface="Calibri"/>
-              </a:rPr>
-              <a:t>Second Outline Level</a:t>
-            </a:r>
-            <a:endParaRPr b="0" lang="en-US" sz="2800" spc="-1" strike="noStrike">
-              <a:solidFill>
-                <a:srgbClr val="000000"/>
-              </a:solidFill>
-              <a:latin typeface="Calibri"/>
-            </a:endParaRPr>
-          </a:p>
-          <a:p>
-            <a:pPr lvl="2" marL="1296000" indent="-288000">
-              <a:spcBef>
-                <a:spcPts val="850"/>
-              </a:spcBef>
-              <a:buClr>
-                <a:srgbClr val="000000"/>
-              </a:buClr>
-              <a:buSzPct val="45000"/>
-              <a:buFont typeface="Wingdings" charset="2"/>
-              <a:buChar char=""/>
-            </a:pPr>
-            <a:r>
-              <a:rPr b="0" lang="en-US" sz="2800" spc="-1" strike="noStrike">
-                <a:solidFill>
-                  <a:srgbClr val="000000"/>
-                </a:solidFill>
-                <a:latin typeface="Calibri"/>
-              </a:rPr>
-              <a:t>Third Outline Level</a:t>
-            </a:r>
-            <a:endParaRPr b="0" lang="en-US" sz="2800" spc="-1" strike="noStrike">
-              <a:solidFill>
-                <a:srgbClr val="000000"/>
-              </a:solidFill>
-              <a:latin typeface="Calibri"/>
-            </a:endParaRPr>
-          </a:p>
-          <a:p>
-            <a:pPr lvl="3" marL="1728000" indent="-216000">
-              <a:spcBef>
-                <a:spcPts val="567"/>
-              </a:spcBef>
-              <a:buClr>
-                <a:srgbClr val="000000"/>
-              </a:buClr>
-              <a:buSzPct val="75000"/>
-              <a:buFont typeface="Symbol" charset="2"/>
-              <a:buChar char=""/>
-            </a:pPr>
-            <a:r>
-              <a:rPr b="0" lang="en-US" sz="2800" spc="-1" strike="noStrike">
-                <a:solidFill>
-                  <a:srgbClr val="000000"/>
-                </a:solidFill>
-                <a:latin typeface="Calibri"/>
-              </a:rPr>
-              <a:t>Fourth Outline Level</a:t>
-            </a:r>
-            <a:endParaRPr b="0" lang="en-US" sz="2800" spc="-1" strike="noStrike">
-              <a:solidFill>
-                <a:srgbClr val="000000"/>
-              </a:solidFill>
-              <a:latin typeface="Calibri"/>
-            </a:endParaRPr>
-          </a:p>
-          <a:p>
-            <a:pPr lvl="4" marL="2160000" indent="-216000">
-              <a:spcBef>
-                <a:spcPts val="283"/>
-              </a:spcBef>
-              <a:buClr>
-                <a:srgbClr val="000000"/>
-              </a:buClr>
-              <a:buSzPct val="45000"/>
-              <a:buFont typeface="Wingdings" charset="2"/>
-              <a:buChar char=""/>
-            </a:pPr>
-            <a:r>
-              <a:rPr b="0" lang="en-US" sz="2000" spc="-1" strike="noStrike">
-                <a:solidFill>
-                  <a:srgbClr val="000000"/>
-                </a:solidFill>
-                <a:latin typeface="Calibri"/>
-              </a:rPr>
-              <a:t>Fifth Outline Level</a:t>
-            </a:r>
-            <a:endParaRPr b="0" lang="en-US" sz="2000" spc="-1" strike="noStrike">
-              <a:solidFill>
-                <a:srgbClr val="000000"/>
-              </a:solidFill>
-              <a:latin typeface="Calibri"/>
-            </a:endParaRPr>
-          </a:p>
-          <a:p>
-            <a:pPr lvl="5" marL="2592000" indent="-216000">
-              <a:spcBef>
-                <a:spcPts val="283"/>
-              </a:spcBef>
-              <a:buClr>
-                <a:srgbClr val="000000"/>
-              </a:buClr>
-              <a:buSzPct val="45000"/>
-              <a:buFont typeface="Wingdings" charset="2"/>
-              <a:buChar char=""/>
-            </a:pPr>
-            <a:r>
-              <a:rPr b="0" lang="en-US" sz="2000" spc="-1" strike="noStrike">
-                <a:solidFill>
-                  <a:srgbClr val="000000"/>
-                </a:solidFill>
-                <a:latin typeface="Calibri"/>
-              </a:rPr>
-              <a:t>Sixth Outline Level</a:t>
-            </a:r>
-            <a:endParaRPr b="0" lang="en-US" sz="2000" spc="-1" strike="noStrike">
-              <a:solidFill>
-                <a:srgbClr val="000000"/>
-              </a:solidFill>
-              <a:latin typeface="Calibri"/>
-            </a:endParaRPr>
-          </a:p>
-          <a:p>
-            <a:pPr lvl="6" marL="3024000" indent="-216000">
-              <a:spcBef>
-                <a:spcPts val="283"/>
-              </a:spcBef>
-              <a:buClr>
-                <a:srgbClr val="000000"/>
-              </a:buClr>
-              <a:buSzPct val="45000"/>
-              <a:buFont typeface="Wingdings" charset="2"/>
-              <a:buChar char=""/>
-            </a:pPr>
-            <a:r>
-              <a:rPr b="0" lang="en-US" sz="2000" spc="-1" strike="noStrike">
-                <a:solidFill>
-                  <a:srgbClr val="000000"/>
-                </a:solidFill>
-                <a:latin typeface="Calibri"/>
-              </a:rPr>
-              <a:t>Seventh Outline Level</a:t>
-            </a:r>
-            <a:endParaRPr b="0" lang="en-US" sz="2000" spc="-1" strike="noStrike">
-              <a:solidFill>
-                <a:srgbClr val="000000"/>
-              </a:solidFill>
-              <a:latin typeface="Calibri"/>
-            </a:endParaRPr>
-          </a:p>
-        </p:txBody>
-      </p:sp>
-    </p:spTree>
-  </p:cSld>
-  <p:clrMap bg1="lt1" bg2="lt2" tx1="dk1" tx2="dk2" accent1="accent1" accent2="accent2" accent3="accent3" accent4="accent4" accent5="accent5" accent6="accent6" hlink="hlink" folHlink="folHlink"/>
-  <p:sldLayoutIdLst>
-    <p:sldLayoutId id="2147483688" r:id="rId4"/>
-    <p:sldLayoutId id="2147483689" r:id="rId5"/>
-    <p:sldLayoutId id="2147483690" r:id="rId6"/>
-    <p:sldLayoutId id="2147483691" r:id="rId7"/>
-    <p:sldLayoutId id="2147483692" r:id="rId8"/>
-    <p:sldLayoutId id="2147483693" r:id="rId9"/>
-    <p:sldLayoutId id="2147483694" r:id="rId10"/>
-    <p:sldLayoutId id="2147483695" r:id="rId11"/>
-    <p:sldLayoutId id="2147483696" r:id="rId12"/>
-    <p:sldLayoutId id="2147483697" r:id="rId13"/>
-    <p:sldLayoutId id="2147483698" r:id="rId14"/>
-    <p:sldLayoutId id="2147483699" r:id="rId15"/>
   </p:sldLayoutIdLst>
 </p:sldMaster>
 </file>
@@ -7447,7 +4998,7 @@
       </p:grpSpPr>
       <p:pic>
         <p:nvPicPr>
-          <p:cNvPr id="168" name="Picture 4" descr=""/>
+          <p:cNvPr id="121" name="Picture 4" descr=""/>
           <p:cNvPicPr/>
           <p:nvPr/>
         </p:nvPicPr>
@@ -7458,7 +5009,7 @@
         <p:spPr>
           <a:xfrm>
             <a:off x="0" y="0"/>
-            <a:ext cx="9143640" cy="6857640"/>
+            <a:ext cx="9143280" cy="6857280"/>
           </a:xfrm>
           <a:prstGeom prst="rect">
             <a:avLst/>
@@ -7470,14 +5021,14 @@
       </p:pic>
       <p:sp>
         <p:nvSpPr>
-          <p:cNvPr id="169" name="CustomShape 1"/>
+          <p:cNvPr id="122" name="CustomShape 1"/>
           <p:cNvSpPr/>
           <p:nvPr/>
         </p:nvSpPr>
         <p:spPr>
           <a:xfrm>
             <a:off x="339840" y="3293640"/>
-            <a:ext cx="8480880" cy="364680"/>
+            <a:ext cx="8480520" cy="364320"/>
           </a:xfrm>
           <a:prstGeom prst="rect">
             <a:avLst/>
@@ -7523,14 +5074,14 @@
       </p:sp>
       <p:sp>
         <p:nvSpPr>
-          <p:cNvPr id="170" name="CustomShape 2"/>
+          <p:cNvPr id="123" name="CustomShape 2"/>
           <p:cNvSpPr/>
           <p:nvPr/>
         </p:nvSpPr>
         <p:spPr>
           <a:xfrm>
             <a:off x="339840" y="2827080"/>
-            <a:ext cx="8480880" cy="456120"/>
+            <a:ext cx="8480520" cy="455760"/>
           </a:xfrm>
           <a:prstGeom prst="rect">
             <a:avLst/>
@@ -7576,14 +5127,14 @@
       </p:sp>
       <p:sp>
         <p:nvSpPr>
-          <p:cNvPr id="171" name="Line 3"/>
+          <p:cNvPr id="124" name="Line 3"/>
           <p:cNvSpPr/>
           <p:nvPr/>
         </p:nvSpPr>
         <p:spPr>
           <a:xfrm>
             <a:off x="378720" y="3237120"/>
-            <a:ext cx="8056800" cy="0"/>
+            <a:ext cx="8056800" cy="360"/>
           </a:xfrm>
           <a:prstGeom prst="line">
             <a:avLst/>
@@ -7604,14 +5155,14 @@
       </p:sp>
       <p:sp>
         <p:nvSpPr>
-          <p:cNvPr id="172" name="CustomShape 4"/>
+          <p:cNvPr id="125" name="CustomShape 4"/>
           <p:cNvSpPr/>
           <p:nvPr/>
         </p:nvSpPr>
         <p:spPr>
           <a:xfrm>
             <a:off x="339840" y="6360120"/>
-            <a:ext cx="1941840" cy="454680"/>
+            <a:ext cx="1941480" cy="454320"/>
           </a:xfrm>
           <a:prstGeom prst="rect">
             <a:avLst/>
@@ -7702,7 +5253,7 @@
       </p:grpSpPr>
       <p:pic>
         <p:nvPicPr>
-          <p:cNvPr id="230" name="Picture 10" descr=""/>
+          <p:cNvPr id="183" name="Picture 10" descr=""/>
           <p:cNvPicPr/>
           <p:nvPr/>
         </p:nvPicPr>
@@ -7713,7 +5264,7 @@
         <p:spPr>
           <a:xfrm>
             <a:off x="0" y="0"/>
-            <a:ext cx="12482640" cy="6857640"/>
+            <a:ext cx="12482280" cy="6857280"/>
           </a:xfrm>
           <a:prstGeom prst="rect">
             <a:avLst/>
@@ -7725,14 +5276,14 @@
       </p:pic>
       <p:sp>
         <p:nvSpPr>
-          <p:cNvPr id="231" name="CustomShape 1"/>
+          <p:cNvPr id="184" name="CustomShape 1"/>
           <p:cNvSpPr/>
           <p:nvPr/>
         </p:nvSpPr>
         <p:spPr>
           <a:xfrm>
             <a:off x="339840" y="3293640"/>
-            <a:ext cx="8480880" cy="363960"/>
+            <a:ext cx="8480520" cy="363600"/>
           </a:xfrm>
           <a:prstGeom prst="rect">
             <a:avLst/>
@@ -7778,14 +5329,14 @@
       </p:sp>
       <p:sp>
         <p:nvSpPr>
-          <p:cNvPr id="232" name="CustomShape 2"/>
+          <p:cNvPr id="185" name="CustomShape 2"/>
           <p:cNvSpPr/>
           <p:nvPr/>
         </p:nvSpPr>
         <p:spPr>
           <a:xfrm>
             <a:off x="339840" y="2827080"/>
-            <a:ext cx="8480880" cy="455400"/>
+            <a:ext cx="8480520" cy="455040"/>
           </a:xfrm>
           <a:prstGeom prst="rect">
             <a:avLst/>
@@ -7831,14 +5382,14 @@
       </p:sp>
       <p:sp>
         <p:nvSpPr>
-          <p:cNvPr id="233" name="Line 3"/>
+          <p:cNvPr id="186" name="Line 3"/>
           <p:cNvSpPr/>
           <p:nvPr/>
         </p:nvSpPr>
         <p:spPr>
           <a:xfrm>
             <a:off x="378720" y="3237120"/>
-            <a:ext cx="8056800" cy="0"/>
+            <a:ext cx="8056800" cy="360"/>
           </a:xfrm>
           <a:prstGeom prst="line">
             <a:avLst/>
@@ -7908,14 +5459,14 @@
       </p:grpSpPr>
       <p:sp>
         <p:nvSpPr>
-          <p:cNvPr id="234" name="CustomShape 1"/>
+          <p:cNvPr id="187" name="CustomShape 1"/>
           <p:cNvSpPr/>
           <p:nvPr/>
         </p:nvSpPr>
         <p:spPr>
           <a:xfrm>
             <a:off x="365760" y="212760"/>
-            <a:ext cx="1708200" cy="547200"/>
+            <a:ext cx="1707840" cy="546840"/>
           </a:xfrm>
           <a:prstGeom prst="rect">
             <a:avLst/>
@@ -7957,14 +5508,14 @@
       </p:sp>
       <p:sp>
         <p:nvSpPr>
-          <p:cNvPr id="235" name="CustomShape 2"/>
+          <p:cNvPr id="188" name="CustomShape 2"/>
           <p:cNvSpPr/>
           <p:nvPr/>
         </p:nvSpPr>
         <p:spPr>
           <a:xfrm>
             <a:off x="264960" y="1065600"/>
-            <a:ext cx="8587800" cy="400680"/>
+            <a:ext cx="8587440" cy="400320"/>
           </a:xfrm>
           <a:prstGeom prst="rect">
             <a:avLst/>
@@ -8016,14 +5567,14 @@
       </p:sp>
       <p:sp>
         <p:nvSpPr>
-          <p:cNvPr id="236" name="CustomShape 3"/>
+          <p:cNvPr id="189" name="CustomShape 3"/>
           <p:cNvSpPr/>
           <p:nvPr/>
         </p:nvSpPr>
         <p:spPr>
           <a:xfrm>
             <a:off x="264960" y="1555200"/>
-            <a:ext cx="8587800" cy="2299680"/>
+            <a:ext cx="8587440" cy="2299320"/>
           </a:xfrm>
           <a:prstGeom prst="rect">
             <a:avLst/>
@@ -8065,7 +5616,7 @@
             </a:endParaRPr>
           </a:p>
           <a:p>
-            <a:pPr marL="171360" indent="-171000">
+            <a:pPr marL="171360" indent="-170640">
               <a:lnSpc>
                 <a:spcPct val="150000"/>
               </a:lnSpc>
@@ -8093,7 +5644,7 @@
             </a:endParaRPr>
           </a:p>
           <a:p>
-            <a:pPr marL="171360" indent="-171000">
+            <a:pPr marL="171360" indent="-170640">
               <a:lnSpc>
                 <a:spcPct val="150000"/>
               </a:lnSpc>
@@ -8121,7 +5672,7 @@
             </a:endParaRPr>
           </a:p>
           <a:p>
-            <a:pPr marL="171360" indent="-171000">
+            <a:pPr marL="171360" indent="-170640">
               <a:lnSpc>
                 <a:spcPct val="150000"/>
               </a:lnSpc>
@@ -8149,7 +5700,7 @@
             </a:endParaRPr>
           </a:p>
           <a:p>
-            <a:pPr marL="171360" indent="-171000">
+            <a:pPr marL="171360" indent="-170640">
               <a:lnSpc>
                 <a:spcPct val="150000"/>
               </a:lnSpc>
@@ -8180,14 +5731,14 @@
       </p:sp>
       <p:sp>
         <p:nvSpPr>
-          <p:cNvPr id="237" name="CustomShape 4"/>
+          <p:cNvPr id="190" name="CustomShape 4"/>
           <p:cNvSpPr/>
           <p:nvPr/>
         </p:nvSpPr>
         <p:spPr>
           <a:xfrm>
             <a:off x="365760" y="4023360"/>
-            <a:ext cx="8587800" cy="400680"/>
+            <a:ext cx="8587440" cy="400320"/>
           </a:xfrm>
           <a:prstGeom prst="rect">
             <a:avLst/>
@@ -8239,14 +5790,14 @@
       </p:sp>
       <p:sp>
         <p:nvSpPr>
-          <p:cNvPr id="238" name="CustomShape 5"/>
+          <p:cNvPr id="191" name="CustomShape 5"/>
           <p:cNvSpPr/>
           <p:nvPr/>
         </p:nvSpPr>
         <p:spPr>
           <a:xfrm>
             <a:off x="281880" y="4573800"/>
-            <a:ext cx="8587800" cy="912600"/>
+            <a:ext cx="8587440" cy="912240"/>
           </a:xfrm>
           <a:prstGeom prst="rect">
             <a:avLst/>
@@ -8281,17 +5832,7 @@
                 <a:latin typeface="Garamond"/>
                 <a:ea typeface="Calibri"/>
               </a:rPr>
-              <a:t>We will understand the App development market, predict some </a:t>
-            </a:r>
-            <a:r>
-              <a:rPr b="0" lang="en-US" sz="1800" spc="-1" strike="noStrike">
-                <a:solidFill>
-                  <a:srgbClr val="000000"/>
-                </a:solidFill>
-                <a:latin typeface="Garamond"/>
-                <a:ea typeface="Calibri"/>
-              </a:rPr>
-              <a:t>trends and see how our “new App” would develop in the market</a:t>
+              <a:t>We will understand the App development market, predict some trends and see how our “new App” would develop in the market</a:t>
             </a:r>
             <a:endParaRPr b="0" lang="en-US" sz="1800" spc="-1" strike="noStrike">
               <a:latin typeface="Arial"/>
@@ -8350,14 +5891,14 @@
       </p:grpSpPr>
       <p:sp>
         <p:nvSpPr>
-          <p:cNvPr id="239" name="CustomShape 1"/>
+          <p:cNvPr id="192" name="CustomShape 1"/>
           <p:cNvSpPr/>
           <p:nvPr/>
         </p:nvSpPr>
         <p:spPr>
           <a:xfrm>
             <a:off x="365760" y="212760"/>
-            <a:ext cx="1708200" cy="547200"/>
+            <a:ext cx="1707840" cy="546840"/>
           </a:xfrm>
           <a:prstGeom prst="rect">
             <a:avLst/>
@@ -8399,14 +5940,14 @@
       </p:sp>
       <p:sp>
         <p:nvSpPr>
-          <p:cNvPr id="240" name="CustomShape 2"/>
+          <p:cNvPr id="193" name="CustomShape 2"/>
           <p:cNvSpPr/>
           <p:nvPr/>
         </p:nvSpPr>
         <p:spPr>
           <a:xfrm>
             <a:off x="264960" y="1065600"/>
-            <a:ext cx="8587800" cy="400680"/>
+            <a:ext cx="8587440" cy="400320"/>
           </a:xfrm>
           <a:prstGeom prst="rect">
             <a:avLst/>
@@ -8458,7 +5999,7 @@
       </p:sp>
       <p:pic>
         <p:nvPicPr>
-          <p:cNvPr id="241" name="" descr=""/>
+          <p:cNvPr id="194" name="" descr=""/>
           <p:cNvPicPr/>
           <p:nvPr/>
         </p:nvPicPr>
@@ -8470,7 +6011,7 @@
         <p:spPr>
           <a:xfrm>
             <a:off x="1554480" y="1625040"/>
-            <a:ext cx="6217920" cy="4684320"/>
+            <a:ext cx="6217560" cy="4683960"/>
           </a:xfrm>
           <a:prstGeom prst="rect">
             <a:avLst/>
@@ -8531,14 +6072,14 @@
       </p:grpSpPr>
       <p:sp>
         <p:nvSpPr>
-          <p:cNvPr id="242" name="CustomShape 1"/>
+          <p:cNvPr id="195" name="CustomShape 1"/>
           <p:cNvSpPr/>
           <p:nvPr/>
         </p:nvSpPr>
         <p:spPr>
           <a:xfrm>
             <a:off x="365760" y="212760"/>
-            <a:ext cx="1708200" cy="547200"/>
+            <a:ext cx="1707840" cy="546840"/>
           </a:xfrm>
           <a:prstGeom prst="rect">
             <a:avLst/>
@@ -8580,14 +6121,14 @@
       </p:sp>
       <p:sp>
         <p:nvSpPr>
-          <p:cNvPr id="243" name="CustomShape 2"/>
+          <p:cNvPr id="196" name="CustomShape 2"/>
           <p:cNvSpPr/>
           <p:nvPr/>
         </p:nvSpPr>
         <p:spPr>
           <a:xfrm>
             <a:off x="264960" y="1065600"/>
-            <a:ext cx="8587800" cy="400680"/>
+            <a:ext cx="8587440" cy="400320"/>
           </a:xfrm>
           <a:prstGeom prst="rect">
             <a:avLst/>
@@ -8639,7 +6180,7 @@
       </p:sp>
       <p:pic>
         <p:nvPicPr>
-          <p:cNvPr id="244" name="" descr=""/>
+          <p:cNvPr id="197" name="" descr=""/>
           <p:cNvPicPr/>
           <p:nvPr/>
         </p:nvPicPr>
@@ -8650,7 +6191,7 @@
         <p:spPr>
           <a:xfrm>
             <a:off x="1081440" y="2111040"/>
-            <a:ext cx="7239600" cy="3649680"/>
+            <a:ext cx="7239240" cy="3649320"/>
           </a:xfrm>
           <a:prstGeom prst="rect">
             <a:avLst/>
@@ -8662,7 +6203,7 @@
       </p:pic>
       <p:pic>
         <p:nvPicPr>
-          <p:cNvPr id="245" name="" descr=""/>
+          <p:cNvPr id="198" name="" descr=""/>
           <p:cNvPicPr/>
           <p:nvPr/>
         </p:nvPicPr>
@@ -8673,7 +6214,7 @@
         <p:spPr>
           <a:xfrm>
             <a:off x="1081440" y="2111040"/>
-            <a:ext cx="7239600" cy="3649680"/>
+            <a:ext cx="7239240" cy="3649320"/>
           </a:xfrm>
           <a:prstGeom prst="rect">
             <a:avLst/>
@@ -8734,14 +6275,14 @@
       </p:grpSpPr>
       <p:sp>
         <p:nvSpPr>
-          <p:cNvPr id="246" name="CustomShape 1"/>
+          <p:cNvPr id="199" name="CustomShape 1"/>
           <p:cNvSpPr/>
           <p:nvPr/>
         </p:nvSpPr>
         <p:spPr>
           <a:xfrm>
             <a:off x="365760" y="212760"/>
-            <a:ext cx="1708200" cy="547200"/>
+            <a:ext cx="1707840" cy="546840"/>
           </a:xfrm>
           <a:prstGeom prst="rect">
             <a:avLst/>
@@ -8783,14 +6324,14 @@
       </p:sp>
       <p:sp>
         <p:nvSpPr>
-          <p:cNvPr id="247" name="CustomShape 2"/>
+          <p:cNvPr id="200" name="CustomShape 2"/>
           <p:cNvSpPr/>
           <p:nvPr/>
         </p:nvSpPr>
         <p:spPr>
           <a:xfrm>
             <a:off x="264960" y="1065600"/>
-            <a:ext cx="8587800" cy="400680"/>
+            <a:ext cx="8587440" cy="400320"/>
           </a:xfrm>
           <a:prstGeom prst="rect">
             <a:avLst/>
@@ -8842,7 +6383,7 @@
       </p:sp>
       <p:pic>
         <p:nvPicPr>
-          <p:cNvPr id="248" name="" descr=""/>
+          <p:cNvPr id="201" name="" descr=""/>
           <p:cNvPicPr/>
           <p:nvPr/>
         </p:nvPicPr>
@@ -8853,7 +6394,7 @@
         <p:spPr>
           <a:xfrm>
             <a:off x="836280" y="1828800"/>
-            <a:ext cx="7484760" cy="4366080"/>
+            <a:ext cx="7484400" cy="4365720"/>
           </a:xfrm>
           <a:prstGeom prst="rect">
             <a:avLst/>
@@ -8914,14 +6455,14 @@
       </p:grpSpPr>
       <p:sp>
         <p:nvSpPr>
-          <p:cNvPr id="249" name="CustomShape 1"/>
+          <p:cNvPr id="202" name="CustomShape 1"/>
           <p:cNvSpPr/>
           <p:nvPr/>
         </p:nvSpPr>
         <p:spPr>
           <a:xfrm>
             <a:off x="365760" y="212760"/>
-            <a:ext cx="1708200" cy="547200"/>
+            <a:ext cx="1707840" cy="546840"/>
           </a:xfrm>
           <a:prstGeom prst="rect">
             <a:avLst/>
@@ -8963,14 +6504,14 @@
       </p:sp>
       <p:sp>
         <p:nvSpPr>
-          <p:cNvPr id="250" name="CustomShape 2"/>
+          <p:cNvPr id="203" name="CustomShape 2"/>
           <p:cNvSpPr/>
           <p:nvPr/>
         </p:nvSpPr>
         <p:spPr>
           <a:xfrm>
             <a:off x="264960" y="1065600"/>
-            <a:ext cx="8587800" cy="400680"/>
+            <a:ext cx="8587440" cy="400320"/>
           </a:xfrm>
           <a:prstGeom prst="rect">
             <a:avLst/>
@@ -9022,7 +6563,7 @@
       </p:sp>
       <p:pic>
         <p:nvPicPr>
-          <p:cNvPr id="251" name="" descr=""/>
+          <p:cNvPr id="204" name="" descr=""/>
           <p:cNvPicPr/>
           <p:nvPr/>
         </p:nvPicPr>
@@ -9033,7 +6574,7 @@
         <p:spPr>
           <a:xfrm>
             <a:off x="822960" y="1737360"/>
-            <a:ext cx="7561440" cy="3749040"/>
+            <a:ext cx="7561080" cy="3748680"/>
           </a:xfrm>
           <a:prstGeom prst="rect">
             <a:avLst/>
@@ -9094,14 +6635,14 @@
       </p:grpSpPr>
       <p:sp>
         <p:nvSpPr>
-          <p:cNvPr id="252" name="CustomShape 1"/>
+          <p:cNvPr id="205" name="CustomShape 1"/>
           <p:cNvSpPr/>
           <p:nvPr/>
         </p:nvSpPr>
         <p:spPr>
           <a:xfrm>
             <a:off x="365760" y="212760"/>
-            <a:ext cx="1708200" cy="547200"/>
+            <a:ext cx="1707840" cy="546840"/>
           </a:xfrm>
           <a:prstGeom prst="rect">
             <a:avLst/>
@@ -9143,14 +6684,14 @@
       </p:sp>
       <p:sp>
         <p:nvSpPr>
-          <p:cNvPr id="253" name="CustomShape 2"/>
+          <p:cNvPr id="206" name="CustomShape 2"/>
           <p:cNvSpPr/>
           <p:nvPr/>
         </p:nvSpPr>
         <p:spPr>
           <a:xfrm>
             <a:off x="264960" y="1065600"/>
-            <a:ext cx="8587800" cy="400680"/>
+            <a:ext cx="8587440" cy="400320"/>
           </a:xfrm>
           <a:prstGeom prst="rect">
             <a:avLst/>
@@ -9192,17 +6733,7 @@
                 <a:latin typeface="Garamond"/>
                 <a:ea typeface="Arial"/>
               </a:rPr>
-              <a:t>The </a:t>
-            </a:r>
-            <a:r>
-              <a:rPr b="1" lang="en-US" sz="2000" spc="-1" strike="noStrike">
-                <a:solidFill>
-                  <a:srgbClr val="ffffff"/>
-                </a:solidFill>
-                <a:latin typeface="Garamond"/>
-                <a:ea typeface="Arial"/>
-              </a:rPr>
-              <a:t>Problem</a:t>
+              <a:t>The Problem</a:t>
             </a:r>
             <a:endParaRPr b="0" lang="en-US" sz="2000" spc="-1" strike="noStrike">
               <a:latin typeface="Arial"/>
@@ -9212,7 +6743,7 @@
       </p:sp>
       <p:pic>
         <p:nvPicPr>
-          <p:cNvPr id="254" name="" descr=""/>
+          <p:cNvPr id="207" name="" descr=""/>
           <p:cNvPicPr/>
           <p:nvPr/>
         </p:nvPicPr>
@@ -9223,7 +6754,7 @@
         <p:spPr>
           <a:xfrm>
             <a:off x="1097280" y="1554480"/>
-            <a:ext cx="6857640" cy="5229000"/>
+            <a:ext cx="6857280" cy="5228640"/>
           </a:xfrm>
           <a:prstGeom prst="rect">
             <a:avLst/>
@@ -9284,14 +6815,14 @@
       </p:grpSpPr>
       <p:sp>
         <p:nvSpPr>
-          <p:cNvPr id="255" name="CustomShape 1"/>
+          <p:cNvPr id="208" name="CustomShape 1"/>
           <p:cNvSpPr/>
           <p:nvPr/>
         </p:nvSpPr>
         <p:spPr>
           <a:xfrm>
             <a:off x="365760" y="212760"/>
-            <a:ext cx="1708200" cy="547200"/>
+            <a:ext cx="1707840" cy="546840"/>
           </a:xfrm>
           <a:prstGeom prst="rect">
             <a:avLst/>
@@ -9333,14 +6864,14 @@
       </p:sp>
       <p:sp>
         <p:nvSpPr>
-          <p:cNvPr id="256" name="CustomShape 2"/>
+          <p:cNvPr id="209" name="CustomShape 2"/>
           <p:cNvSpPr/>
           <p:nvPr/>
         </p:nvSpPr>
         <p:spPr>
           <a:xfrm>
             <a:off x="264960" y="1065600"/>
-            <a:ext cx="8587800" cy="400680"/>
+            <a:ext cx="8587440" cy="400320"/>
           </a:xfrm>
           <a:prstGeom prst="rect">
             <a:avLst/>
@@ -9392,7 +6923,7 @@
       </p:sp>
       <p:pic>
         <p:nvPicPr>
-          <p:cNvPr id="257" name="" descr=""/>
+          <p:cNvPr id="210" name="" descr=""/>
           <p:cNvPicPr/>
           <p:nvPr/>
         </p:nvPicPr>
@@ -9403,7 +6934,7 @@
         <p:spPr>
           <a:xfrm>
             <a:off x="822960" y="1542960"/>
-            <a:ext cx="7315200" cy="5040720"/>
+            <a:ext cx="7314840" cy="5040360"/>
           </a:xfrm>
           <a:prstGeom prst="rect">
             <a:avLst/>
@@ -9445,6 +6976,171 @@
 </p:sld>
 </file>
 
+<file path=ppt/slides/slide18.xml><?xml version="1.0" encoding="utf-8"?>
+<p:sld xmlns:a="http://schemas.openxmlformats.org/drawingml/2006/main" xmlns:p="http://schemas.openxmlformats.org/presentationml/2006/main" xmlns:r="http://schemas.openxmlformats.org/officeDocument/2006/relationships" xmlns:p14="http://schemas.microsoft.com/office/powerpoint/2010/main" xmlns:p15="http://schemas.microsoft.com/office/powerpoint/2012/main" xmlns:mc="http://schemas.openxmlformats.org/markup-compatibility/2006">
+  <p:cSld>
+    <p:spTree>
+      <p:nvGrpSpPr>
+        <p:cNvPr id="1" name=""/>
+        <p:cNvGrpSpPr/>
+        <p:nvPr/>
+      </p:nvGrpSpPr>
+      <p:grpSpPr>
+        <a:xfrm>
+          <a:off x="0" y="0"/>
+          <a:ext cx="0" cy="0"/>
+          <a:chOff x="0" y="0"/>
+          <a:chExt cx="0" cy="0"/>
+        </a:xfrm>
+      </p:grpSpPr>
+      <p:sp>
+        <p:nvSpPr>
+          <p:cNvPr id="211" name="TextShape 1"/>
+          <p:cNvSpPr txBox="1"/>
+          <p:nvPr/>
+        </p:nvSpPr>
+        <p:spPr>
+          <a:xfrm>
+            <a:off x="549360" y="44280"/>
+            <a:ext cx="8228880" cy="1144440"/>
+          </a:xfrm>
+          <a:prstGeom prst="rect">
+            <a:avLst/>
+          </a:prstGeom>
+          <a:noFill/>
+          <a:ln>
+            <a:noFill/>
+          </a:ln>
+        </p:spPr>
+        <p:txBody>
+          <a:bodyPr lIns="0" rIns="0" tIns="0" bIns="0" anchor="ctr"/>
+          <a:p>
+            <a:pPr algn="ctr"/>
+            <a:r>
+              <a:rPr b="0" lang="en-US" sz="4400" spc="-1" strike="noStrike">
+                <a:latin typeface="Arial"/>
+              </a:rPr>
+              <a:t>Let’s Begin</a:t>
+            </a:r>
+            <a:endParaRPr b="0" lang="en-US" sz="4400" spc="-1" strike="noStrike">
+              <a:latin typeface="Arial"/>
+            </a:endParaRPr>
+          </a:p>
+        </p:txBody>
+      </p:sp>
+      <p:sp>
+        <p:nvSpPr>
+          <p:cNvPr id="212" name="TextShape 2"/>
+          <p:cNvSpPr txBox="1"/>
+          <p:nvPr/>
+        </p:nvSpPr>
+        <p:spPr>
+          <a:xfrm>
+            <a:off x="457200" y="1604520"/>
+            <a:ext cx="8228880" cy="3976920"/>
+          </a:xfrm>
+          <a:prstGeom prst="rect">
+            <a:avLst/>
+          </a:prstGeom>
+          <a:noFill/>
+          <a:ln>
+            <a:noFill/>
+          </a:ln>
+        </p:spPr>
+        <p:txBody>
+          <a:bodyPr lIns="0" rIns="0" tIns="0" bIns="0">
+            <a:normAutofit/>
+          </a:bodyPr>
+          <a:p>
+            <a:pPr marL="432000" indent="-324000">
+              <a:spcBef>
+                <a:spcPts val="1417"/>
+              </a:spcBef>
+              <a:buClr>
+                <a:srgbClr val="000000"/>
+              </a:buClr>
+              <a:buSzPct val="45000"/>
+              <a:buFont typeface="Wingdings" charset="2"/>
+              <a:buChar char=""/>
+            </a:pPr>
+            <a:r>
+              <a:rPr b="0" lang="en-US" sz="3200" spc="-1" strike="noStrike">
+                <a:latin typeface="Arial"/>
+                <a:hlinkClick r:id="rId1"/>
+              </a:rPr>
+              <a:t>https://notebooks.azure.com/fralvro/projects/python-4-fin/tree/machine_learning_intro/pandas</a:t>
+            </a:r>
+            <a:endParaRPr b="0" lang="en-US" sz="3200" spc="-1" strike="noStrike">
+              <a:latin typeface="Arial"/>
+            </a:endParaRPr>
+          </a:p>
+          <a:p>
+            <a:pPr marL="432000" indent="-324000">
+              <a:spcBef>
+                <a:spcPts val="1417"/>
+              </a:spcBef>
+              <a:buClr>
+                <a:srgbClr val="000000"/>
+              </a:buClr>
+              <a:buSzPct val="45000"/>
+              <a:buFont typeface="Wingdings" charset="2"/>
+              <a:buChar char=""/>
+            </a:pPr>
+            <a:endParaRPr b="0" lang="en-US" sz="3200" spc="-1" strike="noStrike">
+              <a:latin typeface="Arial"/>
+            </a:endParaRPr>
+          </a:p>
+          <a:p>
+            <a:pPr marL="432000" indent="-324000">
+              <a:spcBef>
+                <a:spcPts val="1417"/>
+              </a:spcBef>
+              <a:buClr>
+                <a:srgbClr val="000000"/>
+              </a:buClr>
+              <a:buSzPct val="45000"/>
+              <a:buFont typeface="Wingdings" charset="2"/>
+              <a:buChar char=""/>
+            </a:pPr>
+            <a:r>
+              <a:rPr b="0" lang="en-US" sz="3200" spc="-1" strike="noStrike">
+                <a:latin typeface="Arial"/>
+              </a:rPr>
+              <a:t>Sorry For the long Link</a:t>
+            </a:r>
+            <a:endParaRPr b="0" lang="en-US" sz="3200" spc="-1" strike="noStrike">
+              <a:latin typeface="Arial"/>
+            </a:endParaRPr>
+          </a:p>
+          <a:p>
+            <a:pPr marL="432000" indent="-324000">
+              <a:spcBef>
+                <a:spcPts val="1417"/>
+              </a:spcBef>
+              <a:buClr>
+                <a:srgbClr val="000000"/>
+              </a:buClr>
+              <a:buSzPct val="45000"/>
+              <a:buFont typeface="Wingdings" charset="2"/>
+              <a:buChar char=""/>
+            </a:pPr>
+            <a:r>
+              <a:rPr b="0" lang="en-US" sz="3200" spc="-1" strike="noStrike">
+                <a:latin typeface="Arial"/>
+              </a:rPr>
+              <a:t>If you want just go to https://notebooks.azure.com/fralvro/projects</a:t>
+            </a:r>
+            <a:endParaRPr b="0" lang="en-US" sz="3200" spc="-1" strike="noStrike">
+              <a:latin typeface="Arial"/>
+            </a:endParaRPr>
+          </a:p>
+        </p:txBody>
+      </p:sp>
+    </p:spTree>
+  </p:cSld>
+</p:sld>
+</file>
+
 <file path=ppt/slides/slide2.xml><?xml version="1.0" encoding="utf-8"?>
 <p:sld xmlns:a="http://schemas.openxmlformats.org/drawingml/2006/main" xmlns:p="http://schemas.openxmlformats.org/presentationml/2006/main" xmlns:r="http://schemas.openxmlformats.org/officeDocument/2006/relationships" xmlns:p14="http://schemas.microsoft.com/office/powerpoint/2010/main" xmlns:p15="http://schemas.microsoft.com/office/powerpoint/2012/main" xmlns:mc="http://schemas.openxmlformats.org/markup-compatibility/2006">
   <p:cSld>
@@ -9464,14 +7160,14 @@
       </p:grpSpPr>
       <p:sp>
         <p:nvSpPr>
-          <p:cNvPr id="173" name="TextShape 1"/>
-          <p:cNvSpPr txBox="1"/>
+          <p:cNvPr id="126" name="CustomShape 1"/>
+          <p:cNvSpPr/>
           <p:nvPr/>
         </p:nvSpPr>
         <p:spPr>
           <a:xfrm>
             <a:off x="8624160" y="6506640"/>
-            <a:ext cx="175320" cy="256320"/>
+            <a:ext cx="174960" cy="255960"/>
           </a:xfrm>
           <a:prstGeom prst="rect">
             <a:avLst/>
@@ -9481,6 +7177,12 @@
             <a:noFill/>
           </a:ln>
         </p:spPr>
+        <p:style>
+          <a:lnRef idx="0"/>
+          <a:fillRef idx="0"/>
+          <a:effectRef idx="0"/>
+          <a:fontRef idx="minor"/>
+        </p:style>
         <p:txBody>
           <a:bodyPr lIns="45720" rIns="45720" tIns="45000" bIns="45000" anchor="ctr"/>
           <a:p>
@@ -9489,7 +7191,7 @@
                 <a:spcPct val="100000"/>
               </a:lnSpc>
             </a:pPr>
-            <a:fld id="{198A8566-6233-453F-B4AE-DCD68D16B310}" type="slidenum">
+            <a:fld id="{934813B0-0548-4E6F-A476-D5235492A5FA}" type="slidenum">
               <a:rPr b="0" lang="en-US" sz="1200" spc="-1" strike="noStrike">
                 <a:solidFill>
                   <a:srgbClr val="888888"/>
@@ -9497,24 +7199,24 @@
                 <a:latin typeface="Garamond"/>
                 <a:ea typeface="Garamond"/>
               </a:rPr>
-              <a:t>1</a:t>
+              <a:t>&lt;number&gt;</a:t>
             </a:fld>
             <a:endParaRPr b="0" lang="en-US" sz="1200" spc="-1" strike="noStrike">
-              <a:latin typeface="Times New Roman"/>
-            </a:endParaRPr>
-          </a:p>
-        </p:txBody>
-      </p:sp>
-      <p:sp>
-        <p:nvSpPr>
-          <p:cNvPr id="174" name="CustomShape 2"/>
+              <a:latin typeface="Arial"/>
+            </a:endParaRPr>
+          </a:p>
+        </p:txBody>
+      </p:sp>
+      <p:sp>
+        <p:nvSpPr>
+          <p:cNvPr id="127" name="CustomShape 2"/>
           <p:cNvSpPr/>
           <p:nvPr/>
         </p:nvSpPr>
         <p:spPr>
           <a:xfrm>
             <a:off x="43920" y="212760"/>
-            <a:ext cx="1686600" cy="546480"/>
+            <a:ext cx="1686240" cy="546120"/>
           </a:xfrm>
           <a:prstGeom prst="rect">
             <a:avLst/>
@@ -9556,28 +7258,28 @@
       </p:sp>
       <p:grpSp>
         <p:nvGrpSpPr>
-          <p:cNvPr id="175" name="Group 3"/>
+          <p:cNvPr id="128" name="Group 3"/>
           <p:cNvGrpSpPr/>
           <p:nvPr/>
         </p:nvGrpSpPr>
         <p:grpSpPr>
           <a:xfrm>
             <a:off x="2530800" y="1990800"/>
-            <a:ext cx="658080" cy="495000"/>
+            <a:ext cx="657720" cy="494640"/>
             <a:chOff x="2530800" y="1990800"/>
-            <a:chExt cx="658080" cy="495000"/>
+            <a:chExt cx="657720" cy="494640"/>
           </a:xfrm>
         </p:grpSpPr>
         <p:sp>
           <p:nvSpPr>
-            <p:cNvPr id="176" name="CustomShape 4"/>
+            <p:cNvPr id="129" name="CustomShape 4"/>
             <p:cNvSpPr/>
             <p:nvPr/>
           </p:nvSpPr>
           <p:spPr>
             <a:xfrm>
               <a:off x="2530800" y="1990800"/>
-              <a:ext cx="658080" cy="495000"/>
+              <a:ext cx="657720" cy="494640"/>
             </a:xfrm>
             <a:custGeom>
               <a:avLst/>
@@ -9624,14 +7326,14 @@
         </p:sp>
         <p:sp>
           <p:nvSpPr>
-            <p:cNvPr id="177" name="CustomShape 5"/>
+            <p:cNvPr id="130" name="CustomShape 5"/>
             <p:cNvSpPr/>
             <p:nvPr/>
           </p:nvSpPr>
           <p:spPr>
             <a:xfrm>
               <a:off x="2626920" y="2055600"/>
-              <a:ext cx="465840" cy="365040"/>
+              <a:ext cx="465480" cy="364680"/>
             </a:xfrm>
             <a:prstGeom prst="rect">
               <a:avLst/>
@@ -9648,7 +7350,7 @@
             <a:fontRef idx="minor"/>
           </p:style>
           <p:txBody>
-            <a:bodyPr lIns="45720" rIns="45720" anchor="ctr"/>
+            <a:bodyPr lIns="45720" rIns="45720" tIns="45000" bIns="45000" anchor="ctr"/>
             <a:p>
               <a:pPr algn="ctr">
                 <a:lnSpc>
@@ -9674,28 +7376,28 @@
       </p:grpSp>
       <p:grpSp>
         <p:nvGrpSpPr>
-          <p:cNvPr id="178" name="Group 6"/>
+          <p:cNvPr id="131" name="Group 6"/>
           <p:cNvGrpSpPr/>
           <p:nvPr/>
         </p:nvGrpSpPr>
         <p:grpSpPr>
           <a:xfrm>
             <a:off x="3100320" y="1990800"/>
-            <a:ext cx="4538880" cy="495000"/>
+            <a:ext cx="4538520" cy="494640"/>
             <a:chOff x="3100320" y="1990800"/>
-            <a:chExt cx="4538880" cy="495000"/>
+            <a:chExt cx="4538520" cy="494640"/>
           </a:xfrm>
         </p:grpSpPr>
         <p:sp>
           <p:nvSpPr>
-            <p:cNvPr id="179" name="CustomShape 7"/>
+            <p:cNvPr id="132" name="CustomShape 7"/>
             <p:cNvSpPr/>
             <p:nvPr/>
           </p:nvSpPr>
           <p:spPr>
             <a:xfrm>
               <a:off x="3100320" y="1990800"/>
-              <a:ext cx="4538880" cy="495000"/>
+              <a:ext cx="4538520" cy="494640"/>
             </a:xfrm>
             <a:prstGeom prst="chevron">
               <a:avLst>
@@ -9718,14 +7420,14 @@
         </p:sp>
         <p:sp>
           <p:nvSpPr>
-            <p:cNvPr id="180" name="CustomShape 8"/>
+            <p:cNvPr id="133" name="CustomShape 8"/>
             <p:cNvSpPr/>
             <p:nvPr/>
           </p:nvSpPr>
           <p:spPr>
             <a:xfrm>
               <a:off x="3216960" y="2054880"/>
-              <a:ext cx="4305600" cy="366480"/>
+              <a:ext cx="4305240" cy="366120"/>
             </a:xfrm>
             <a:prstGeom prst="rect">
               <a:avLst/>
@@ -9742,7 +7444,7 @@
             <a:fontRef idx="minor"/>
           </p:style>
           <p:txBody>
-            <a:bodyPr lIns="45720" rIns="45720" anchor="ctr"/>
+            <a:bodyPr lIns="45720" rIns="45720" tIns="45000" bIns="45000" anchor="ctr"/>
             <a:p>
               <a:pPr>
                 <a:lnSpc>
@@ -9768,28 +7470,28 @@
       </p:grpSp>
       <p:grpSp>
         <p:nvGrpSpPr>
-          <p:cNvPr id="181" name="Group 9"/>
+          <p:cNvPr id="134" name="Group 9"/>
           <p:cNvGrpSpPr/>
           <p:nvPr/>
         </p:nvGrpSpPr>
         <p:grpSpPr>
           <a:xfrm>
             <a:off x="2816280" y="2805120"/>
-            <a:ext cx="658080" cy="495000"/>
+            <a:ext cx="657720" cy="494640"/>
             <a:chOff x="2816280" y="2805120"/>
-            <a:chExt cx="658080" cy="495000"/>
+            <a:chExt cx="657720" cy="494640"/>
           </a:xfrm>
         </p:grpSpPr>
         <p:sp>
           <p:nvSpPr>
-            <p:cNvPr id="182" name="CustomShape 10"/>
+            <p:cNvPr id="135" name="CustomShape 10"/>
             <p:cNvSpPr/>
             <p:nvPr/>
           </p:nvSpPr>
           <p:spPr>
             <a:xfrm>
               <a:off x="2816280" y="2805120"/>
-              <a:ext cx="658080" cy="495000"/>
+              <a:ext cx="657720" cy="494640"/>
             </a:xfrm>
             <a:custGeom>
               <a:avLst/>
@@ -9836,14 +7538,14 @@
         </p:sp>
         <p:sp>
           <p:nvSpPr>
-            <p:cNvPr id="183" name="CustomShape 11"/>
+            <p:cNvPr id="136" name="CustomShape 11"/>
             <p:cNvSpPr/>
             <p:nvPr/>
           </p:nvSpPr>
           <p:spPr>
             <a:xfrm>
               <a:off x="2912400" y="2869920"/>
-              <a:ext cx="465840" cy="365040"/>
+              <a:ext cx="465480" cy="364680"/>
             </a:xfrm>
             <a:prstGeom prst="rect">
               <a:avLst/>
@@ -9860,7 +7562,7 @@
             <a:fontRef idx="minor"/>
           </p:style>
           <p:txBody>
-            <a:bodyPr lIns="45720" rIns="45720" anchor="ctr"/>
+            <a:bodyPr lIns="45720" rIns="45720" tIns="45000" bIns="45000" anchor="ctr"/>
             <a:p>
               <a:pPr algn="ctr">
                 <a:lnSpc>
@@ -9886,28 +7588,28 @@
       </p:grpSp>
       <p:grpSp>
         <p:nvGrpSpPr>
-          <p:cNvPr id="184" name="Group 12"/>
+          <p:cNvPr id="137" name="Group 12"/>
           <p:cNvGrpSpPr/>
           <p:nvPr/>
         </p:nvGrpSpPr>
         <p:grpSpPr>
           <a:xfrm>
             <a:off x="3385800" y="2805120"/>
-            <a:ext cx="4538880" cy="495000"/>
+            <a:ext cx="4538520" cy="494640"/>
             <a:chOff x="3385800" y="2805120"/>
-            <a:chExt cx="4538880" cy="495000"/>
+            <a:chExt cx="4538520" cy="494640"/>
           </a:xfrm>
         </p:grpSpPr>
         <p:sp>
           <p:nvSpPr>
-            <p:cNvPr id="185" name="CustomShape 13"/>
+            <p:cNvPr id="138" name="CustomShape 13"/>
             <p:cNvSpPr/>
             <p:nvPr/>
           </p:nvSpPr>
           <p:spPr>
             <a:xfrm>
               <a:off x="3385800" y="2805120"/>
-              <a:ext cx="4538880" cy="495000"/>
+              <a:ext cx="4538520" cy="494640"/>
             </a:xfrm>
             <a:prstGeom prst="chevron">
               <a:avLst>
@@ -9930,14 +7632,14 @@
         </p:sp>
         <p:sp>
           <p:nvSpPr>
-            <p:cNvPr id="186" name="CustomShape 14"/>
+            <p:cNvPr id="139" name="CustomShape 14"/>
             <p:cNvSpPr/>
             <p:nvPr/>
           </p:nvSpPr>
           <p:spPr>
             <a:xfrm>
               <a:off x="3502080" y="2869200"/>
-              <a:ext cx="4305600" cy="366480"/>
+              <a:ext cx="4305240" cy="366120"/>
             </a:xfrm>
             <a:prstGeom prst="rect">
               <a:avLst/>
@@ -9954,7 +7656,7 @@
             <a:fontRef idx="minor"/>
           </p:style>
           <p:txBody>
-            <a:bodyPr lIns="45720" rIns="45720" anchor="ctr"/>
+            <a:bodyPr lIns="45720" rIns="45720" tIns="45000" bIns="45000" anchor="ctr"/>
             <a:p>
               <a:pPr>
                 <a:lnSpc>
@@ -9980,28 +7682,28 @@
       </p:grpSp>
       <p:grpSp>
         <p:nvGrpSpPr>
-          <p:cNvPr id="187" name="Group 15"/>
+          <p:cNvPr id="140" name="Group 15"/>
           <p:cNvGrpSpPr/>
           <p:nvPr/>
         </p:nvGrpSpPr>
         <p:grpSpPr>
           <a:xfrm>
             <a:off x="3100320" y="3688200"/>
-            <a:ext cx="658080" cy="495000"/>
+            <a:ext cx="657720" cy="494640"/>
             <a:chOff x="3100320" y="3688200"/>
-            <a:chExt cx="658080" cy="495000"/>
+            <a:chExt cx="657720" cy="494640"/>
           </a:xfrm>
         </p:grpSpPr>
         <p:sp>
           <p:nvSpPr>
-            <p:cNvPr id="188" name="CustomShape 16"/>
+            <p:cNvPr id="141" name="CustomShape 16"/>
             <p:cNvSpPr/>
             <p:nvPr/>
           </p:nvSpPr>
           <p:spPr>
             <a:xfrm>
               <a:off x="3100320" y="3688200"/>
-              <a:ext cx="658080" cy="495000"/>
+              <a:ext cx="657720" cy="494640"/>
             </a:xfrm>
             <a:custGeom>
               <a:avLst/>
@@ -10048,14 +7750,14 @@
         </p:sp>
         <p:sp>
           <p:nvSpPr>
-            <p:cNvPr id="189" name="CustomShape 17"/>
+            <p:cNvPr id="142" name="CustomShape 17"/>
             <p:cNvSpPr/>
             <p:nvPr/>
           </p:nvSpPr>
           <p:spPr>
             <a:xfrm>
               <a:off x="3196440" y="3752280"/>
-              <a:ext cx="465840" cy="366480"/>
+              <a:ext cx="465480" cy="366120"/>
             </a:xfrm>
             <a:prstGeom prst="rect">
               <a:avLst/>
@@ -10072,7 +7774,7 @@
             <a:fontRef idx="minor"/>
           </p:style>
           <p:txBody>
-            <a:bodyPr lIns="45720" rIns="45720" anchor="ctr"/>
+            <a:bodyPr lIns="45720" rIns="45720" tIns="45000" bIns="45000" anchor="ctr"/>
             <a:p>
               <a:pPr algn="ctr">
                 <a:lnSpc>
@@ -10098,28 +7800,28 @@
       </p:grpSp>
       <p:grpSp>
         <p:nvGrpSpPr>
-          <p:cNvPr id="190" name="Group 18"/>
+          <p:cNvPr id="143" name="Group 18"/>
           <p:cNvGrpSpPr/>
           <p:nvPr/>
         </p:nvGrpSpPr>
         <p:grpSpPr>
           <a:xfrm>
             <a:off x="3669840" y="3688200"/>
-            <a:ext cx="4538880" cy="495000"/>
+            <a:ext cx="4538520" cy="494640"/>
             <a:chOff x="3669840" y="3688200"/>
-            <a:chExt cx="4538880" cy="495000"/>
+            <a:chExt cx="4538520" cy="494640"/>
           </a:xfrm>
         </p:grpSpPr>
         <p:sp>
           <p:nvSpPr>
-            <p:cNvPr id="191" name="CustomShape 19"/>
+            <p:cNvPr id="144" name="CustomShape 19"/>
             <p:cNvSpPr/>
             <p:nvPr/>
           </p:nvSpPr>
           <p:spPr>
             <a:xfrm>
               <a:off x="3669840" y="3688200"/>
-              <a:ext cx="4538880" cy="495000"/>
+              <a:ext cx="4538520" cy="494640"/>
             </a:xfrm>
             <a:prstGeom prst="chevron">
               <a:avLst>
@@ -10142,14 +7844,14 @@
         </p:sp>
         <p:sp>
           <p:nvSpPr>
-            <p:cNvPr id="192" name="CustomShape 20"/>
+            <p:cNvPr id="145" name="CustomShape 20"/>
             <p:cNvSpPr/>
             <p:nvPr/>
           </p:nvSpPr>
           <p:spPr>
             <a:xfrm>
               <a:off x="3786480" y="3752280"/>
-              <a:ext cx="4305600" cy="366480"/>
+              <a:ext cx="4305240" cy="366120"/>
             </a:xfrm>
             <a:prstGeom prst="rect">
               <a:avLst/>
@@ -10166,7 +7868,7 @@
             <a:fontRef idx="minor"/>
           </p:style>
           <p:txBody>
-            <a:bodyPr lIns="45720" rIns="45720" anchor="ctr"/>
+            <a:bodyPr lIns="45720" rIns="45720" tIns="45000" bIns="45000" anchor="ctr"/>
             <a:p>
               <a:pPr>
                 <a:lnSpc>
@@ -10192,28 +7894,28 @@
       </p:grpSp>
       <p:grpSp>
         <p:nvGrpSpPr>
-          <p:cNvPr id="193" name="Group 21"/>
+          <p:cNvPr id="146" name="Group 21"/>
           <p:cNvGrpSpPr/>
           <p:nvPr/>
         </p:nvGrpSpPr>
         <p:grpSpPr>
           <a:xfrm>
             <a:off x="2816280" y="4571640"/>
-            <a:ext cx="658080" cy="495000"/>
+            <a:ext cx="657720" cy="494640"/>
             <a:chOff x="2816280" y="4571640"/>
-            <a:chExt cx="658080" cy="495000"/>
+            <a:chExt cx="657720" cy="494640"/>
           </a:xfrm>
         </p:grpSpPr>
         <p:sp>
           <p:nvSpPr>
-            <p:cNvPr id="194" name="CustomShape 22"/>
+            <p:cNvPr id="147" name="CustomShape 22"/>
             <p:cNvSpPr/>
             <p:nvPr/>
           </p:nvSpPr>
           <p:spPr>
             <a:xfrm>
               <a:off x="2816280" y="4571640"/>
-              <a:ext cx="658080" cy="495000"/>
+              <a:ext cx="657720" cy="494640"/>
             </a:xfrm>
             <a:custGeom>
               <a:avLst/>
@@ -10260,14 +7962,14 @@
         </p:sp>
         <p:sp>
           <p:nvSpPr>
-            <p:cNvPr id="195" name="CustomShape 23"/>
+            <p:cNvPr id="148" name="CustomShape 23"/>
             <p:cNvSpPr/>
             <p:nvPr/>
           </p:nvSpPr>
           <p:spPr>
             <a:xfrm>
               <a:off x="2912400" y="4636800"/>
-              <a:ext cx="465840" cy="365040"/>
+              <a:ext cx="465480" cy="364680"/>
             </a:xfrm>
             <a:prstGeom prst="rect">
               <a:avLst/>
@@ -10284,7 +7986,7 @@
             <a:fontRef idx="minor"/>
           </p:style>
           <p:txBody>
-            <a:bodyPr lIns="45720" rIns="45720" anchor="ctr"/>
+            <a:bodyPr lIns="45720" rIns="45720" tIns="45000" bIns="45000" anchor="ctr"/>
             <a:p>
               <a:pPr algn="ctr">
                 <a:lnSpc>
@@ -10310,28 +8012,28 @@
       </p:grpSp>
       <p:grpSp>
         <p:nvGrpSpPr>
-          <p:cNvPr id="196" name="Group 24"/>
+          <p:cNvPr id="149" name="Group 24"/>
           <p:cNvGrpSpPr/>
           <p:nvPr/>
         </p:nvGrpSpPr>
         <p:grpSpPr>
           <a:xfrm>
             <a:off x="3385800" y="4571640"/>
-            <a:ext cx="4538880" cy="495000"/>
+            <a:ext cx="4538520" cy="494640"/>
             <a:chOff x="3385800" y="4571640"/>
-            <a:chExt cx="4538880" cy="495000"/>
+            <a:chExt cx="4538520" cy="494640"/>
           </a:xfrm>
         </p:grpSpPr>
         <p:sp>
           <p:nvSpPr>
-            <p:cNvPr id="197" name="CustomShape 25"/>
+            <p:cNvPr id="150" name="CustomShape 25"/>
             <p:cNvSpPr/>
             <p:nvPr/>
           </p:nvSpPr>
           <p:spPr>
             <a:xfrm>
               <a:off x="3385800" y="4571640"/>
-              <a:ext cx="4538880" cy="495000"/>
+              <a:ext cx="4538520" cy="494640"/>
             </a:xfrm>
             <a:prstGeom prst="chevron">
               <a:avLst>
@@ -10354,14 +8056,14 @@
         </p:sp>
         <p:sp>
           <p:nvSpPr>
-            <p:cNvPr id="198" name="CustomShape 26"/>
+            <p:cNvPr id="151" name="CustomShape 26"/>
             <p:cNvSpPr/>
             <p:nvPr/>
           </p:nvSpPr>
           <p:spPr>
             <a:xfrm>
               <a:off x="3502080" y="4635720"/>
-              <a:ext cx="4305600" cy="366480"/>
+              <a:ext cx="4305240" cy="366120"/>
             </a:xfrm>
             <a:prstGeom prst="rect">
               <a:avLst/>
@@ -10378,7 +8080,7 @@
             <a:fontRef idx="minor"/>
           </p:style>
           <p:txBody>
-            <a:bodyPr lIns="45720" rIns="45720" anchor="ctr"/>
+            <a:bodyPr lIns="45720" rIns="45720" tIns="45000" bIns="45000" anchor="ctr"/>
             <a:p>
               <a:pPr>
                 <a:lnSpc>
@@ -10404,14 +8106,14 @@
       </p:grpSp>
       <p:sp>
         <p:nvSpPr>
-          <p:cNvPr id="199" name="CustomShape 27"/>
+          <p:cNvPr id="152" name="CustomShape 27"/>
           <p:cNvSpPr/>
           <p:nvPr/>
         </p:nvSpPr>
         <p:spPr>
           <a:xfrm>
             <a:off x="-2687400" y="945360"/>
-            <a:ext cx="4707000" cy="5008680"/>
+            <a:ext cx="4706640" cy="5008320"/>
           </a:xfrm>
           <a:prstGeom prst="ellipse">
             <a:avLst/>
@@ -10433,7 +8135,7 @@
       </p:sp>
       <p:pic>
         <p:nvPicPr>
-          <p:cNvPr id="200" name="Picture 2" descr=""/>
+          <p:cNvPr id="153" name="Picture 2" descr=""/>
           <p:cNvPicPr/>
           <p:nvPr/>
         </p:nvPicPr>
@@ -10444,7 +8146,7 @@
         <p:spPr>
           <a:xfrm>
             <a:off x="497880" y="2655000"/>
-            <a:ext cx="874080" cy="1262880"/>
+            <a:ext cx="873720" cy="1262520"/>
           </a:xfrm>
           <a:prstGeom prst="rect">
             <a:avLst/>
@@ -10505,7 +8207,7 @@
       </p:grpSpPr>
       <p:pic>
         <p:nvPicPr>
-          <p:cNvPr id="201" name="Picture 10" descr=""/>
+          <p:cNvPr id="154" name="Picture 10" descr=""/>
           <p:cNvPicPr/>
           <p:nvPr/>
         </p:nvPicPr>
@@ -10516,7 +8218,7 @@
         <p:spPr>
           <a:xfrm>
             <a:off x="-46800" y="360"/>
-            <a:ext cx="12482640" cy="6857640"/>
+            <a:ext cx="12482280" cy="6857280"/>
           </a:xfrm>
           <a:prstGeom prst="rect">
             <a:avLst/>
@@ -10528,14 +8230,14 @@
       </p:pic>
       <p:sp>
         <p:nvSpPr>
-          <p:cNvPr id="202" name="CustomShape 1"/>
+          <p:cNvPr id="155" name="CustomShape 1"/>
           <p:cNvSpPr/>
           <p:nvPr/>
         </p:nvSpPr>
         <p:spPr>
           <a:xfrm>
             <a:off x="339840" y="3293640"/>
-            <a:ext cx="8480880" cy="363960"/>
+            <a:ext cx="8480520" cy="363600"/>
           </a:xfrm>
           <a:prstGeom prst="rect">
             <a:avLst/>
@@ -10581,14 +8283,14 @@
       </p:sp>
       <p:sp>
         <p:nvSpPr>
-          <p:cNvPr id="203" name="CustomShape 2"/>
+          <p:cNvPr id="156" name="CustomShape 2"/>
           <p:cNvSpPr/>
           <p:nvPr/>
         </p:nvSpPr>
         <p:spPr>
           <a:xfrm>
             <a:off x="339840" y="2827080"/>
-            <a:ext cx="8480880" cy="456120"/>
+            <a:ext cx="8480520" cy="455760"/>
           </a:xfrm>
           <a:prstGeom prst="rect">
             <a:avLst/>
@@ -10634,14 +8336,14 @@
       </p:sp>
       <p:sp>
         <p:nvSpPr>
-          <p:cNvPr id="204" name="Line 3"/>
+          <p:cNvPr id="157" name="Line 3"/>
           <p:cNvSpPr/>
           <p:nvPr/>
         </p:nvSpPr>
         <p:spPr>
           <a:xfrm>
             <a:off x="378720" y="3237120"/>
-            <a:ext cx="8056800" cy="0"/>
+            <a:ext cx="8056800" cy="360"/>
           </a:xfrm>
           <a:prstGeom prst="line">
             <a:avLst/>
@@ -10711,14 +8413,14 @@
       </p:grpSpPr>
       <p:sp>
         <p:nvSpPr>
-          <p:cNvPr id="205" name="CustomShape 1"/>
+          <p:cNvPr id="158" name="CustomShape 1"/>
           <p:cNvSpPr/>
           <p:nvPr/>
         </p:nvSpPr>
         <p:spPr>
           <a:xfrm>
             <a:off x="264960" y="1065600"/>
-            <a:ext cx="8604360" cy="400680"/>
+            <a:ext cx="8604000" cy="400320"/>
           </a:xfrm>
           <a:prstGeom prst="rect">
             <a:avLst/>
@@ -10770,14 +8472,14 @@
       </p:sp>
       <p:sp>
         <p:nvSpPr>
-          <p:cNvPr id="206" name="CustomShape 2"/>
+          <p:cNvPr id="159" name="CustomShape 2"/>
           <p:cNvSpPr/>
           <p:nvPr/>
         </p:nvSpPr>
         <p:spPr>
           <a:xfrm>
             <a:off x="264960" y="1555200"/>
-            <a:ext cx="8604360" cy="1324800"/>
+            <a:ext cx="8604000" cy="1324440"/>
           </a:xfrm>
           <a:prstGeom prst="rect">
             <a:avLst/>
@@ -10822,14 +8524,14 @@
       </p:sp>
       <p:sp>
         <p:nvSpPr>
-          <p:cNvPr id="207" name="CustomShape 3"/>
+          <p:cNvPr id="160" name="CustomShape 3"/>
           <p:cNvSpPr/>
           <p:nvPr/>
         </p:nvSpPr>
         <p:spPr>
           <a:xfrm>
             <a:off x="106920" y="184320"/>
-            <a:ext cx="4373640" cy="547200"/>
+            <a:ext cx="4373280" cy="546840"/>
           </a:xfrm>
           <a:prstGeom prst="rect">
             <a:avLst/>
@@ -10871,14 +8573,14 @@
       </p:sp>
       <p:sp>
         <p:nvSpPr>
-          <p:cNvPr id="208" name="CustomShape 4"/>
+          <p:cNvPr id="161" name="CustomShape 4"/>
           <p:cNvSpPr/>
           <p:nvPr/>
         </p:nvSpPr>
         <p:spPr>
           <a:xfrm>
             <a:off x="264960" y="3475080"/>
-            <a:ext cx="8604360" cy="400680"/>
+            <a:ext cx="8604000" cy="400320"/>
           </a:xfrm>
           <a:prstGeom prst="rect">
             <a:avLst/>
@@ -10930,14 +8632,14 @@
       </p:sp>
       <p:sp>
         <p:nvSpPr>
-          <p:cNvPr id="209" name="CustomShape 5"/>
+          <p:cNvPr id="162" name="CustomShape 5"/>
           <p:cNvSpPr/>
           <p:nvPr/>
         </p:nvSpPr>
         <p:spPr>
           <a:xfrm>
             <a:off x="289440" y="4065120"/>
-            <a:ext cx="8604360" cy="1812600"/>
+            <a:ext cx="8604000" cy="1812240"/>
           </a:xfrm>
           <a:prstGeom prst="rect">
             <a:avLst/>
@@ -10979,7 +8681,7 @@
             </a:endParaRPr>
           </a:p>
           <a:p>
-            <a:pPr marL="171360" indent="-171000">
+            <a:pPr marL="171360" indent="-170640">
               <a:lnSpc>
                 <a:spcPct val="150000"/>
               </a:lnSpc>
@@ -11007,7 +8709,7 @@
             </a:endParaRPr>
           </a:p>
           <a:p>
-            <a:pPr marL="171360" indent="-171000">
+            <a:pPr marL="171360" indent="-170640">
               <a:lnSpc>
                 <a:spcPct val="150000"/>
               </a:lnSpc>
@@ -11087,7 +8789,7 @@
       </p:grpSpPr>
       <p:pic>
         <p:nvPicPr>
-          <p:cNvPr id="210" name="Picture 10" descr=""/>
+          <p:cNvPr id="163" name="Picture 10" descr=""/>
           <p:cNvPicPr/>
           <p:nvPr/>
         </p:nvPicPr>
@@ -11098,7 +8800,7 @@
         <p:spPr>
           <a:xfrm>
             <a:off x="0" y="0"/>
-            <a:ext cx="12482640" cy="6857640"/>
+            <a:ext cx="12482280" cy="6857280"/>
           </a:xfrm>
           <a:prstGeom prst="rect">
             <a:avLst/>
@@ -11110,14 +8812,14 @@
       </p:pic>
       <p:sp>
         <p:nvSpPr>
-          <p:cNvPr id="211" name="CustomShape 1"/>
+          <p:cNvPr id="164" name="CustomShape 1"/>
           <p:cNvSpPr/>
           <p:nvPr/>
         </p:nvSpPr>
         <p:spPr>
           <a:xfrm>
             <a:off x="339840" y="3293640"/>
-            <a:ext cx="8480880" cy="363960"/>
+            <a:ext cx="8480520" cy="363600"/>
           </a:xfrm>
           <a:prstGeom prst="rect">
             <a:avLst/>
@@ -11163,14 +8865,14 @@
       </p:sp>
       <p:sp>
         <p:nvSpPr>
-          <p:cNvPr id="212" name="CustomShape 2"/>
+          <p:cNvPr id="165" name="CustomShape 2"/>
           <p:cNvSpPr/>
           <p:nvPr/>
         </p:nvSpPr>
         <p:spPr>
           <a:xfrm>
             <a:off x="339840" y="2827080"/>
-            <a:ext cx="8480880" cy="456120"/>
+            <a:ext cx="8480520" cy="455760"/>
           </a:xfrm>
           <a:prstGeom prst="rect">
             <a:avLst/>
@@ -11216,14 +8918,14 @@
       </p:sp>
       <p:sp>
         <p:nvSpPr>
-          <p:cNvPr id="213" name="Line 3"/>
+          <p:cNvPr id="166" name="Line 3"/>
           <p:cNvSpPr/>
           <p:nvPr/>
         </p:nvSpPr>
         <p:spPr>
           <a:xfrm>
             <a:off x="378720" y="3237120"/>
-            <a:ext cx="8056800" cy="0"/>
+            <a:ext cx="8056800" cy="360"/>
           </a:xfrm>
           <a:prstGeom prst="line">
             <a:avLst/>
@@ -11293,14 +8995,14 @@
       </p:grpSpPr>
       <p:sp>
         <p:nvSpPr>
-          <p:cNvPr id="214" name="CustomShape 1"/>
+          <p:cNvPr id="167" name="CustomShape 1"/>
           <p:cNvSpPr/>
           <p:nvPr/>
         </p:nvSpPr>
         <p:spPr>
           <a:xfrm>
             <a:off x="264960" y="1065600"/>
-            <a:ext cx="8604360" cy="400680"/>
+            <a:ext cx="8604000" cy="400320"/>
           </a:xfrm>
           <a:prstGeom prst="rect">
             <a:avLst/>
@@ -11352,14 +9054,14 @@
       </p:sp>
       <p:sp>
         <p:nvSpPr>
-          <p:cNvPr id="215" name="CustomShape 2"/>
+          <p:cNvPr id="168" name="CustomShape 2"/>
           <p:cNvSpPr/>
           <p:nvPr/>
         </p:nvSpPr>
         <p:spPr>
           <a:xfrm>
             <a:off x="264960" y="1326960"/>
-            <a:ext cx="8604360" cy="1324800"/>
+            <a:ext cx="8604000" cy="1324440"/>
           </a:xfrm>
           <a:prstGeom prst="rect">
             <a:avLst/>
@@ -11404,14 +9106,14 @@
       </p:sp>
       <p:sp>
         <p:nvSpPr>
-          <p:cNvPr id="216" name="CustomShape 3"/>
+          <p:cNvPr id="169" name="CustomShape 3"/>
           <p:cNvSpPr/>
           <p:nvPr/>
         </p:nvSpPr>
         <p:spPr>
           <a:xfrm>
             <a:off x="274320" y="212760"/>
-            <a:ext cx="6054840" cy="547200"/>
+            <a:ext cx="6054480" cy="546840"/>
           </a:xfrm>
           <a:prstGeom prst="rect">
             <a:avLst/>
@@ -11453,7 +9155,7 @@
       </p:sp>
       <p:pic>
         <p:nvPicPr>
-          <p:cNvPr id="217" name="" descr=""/>
+          <p:cNvPr id="170" name="" descr=""/>
           <p:cNvPicPr/>
           <p:nvPr/>
         </p:nvPicPr>
@@ -11465,7 +9167,7 @@
         <p:spPr>
           <a:xfrm>
             <a:off x="549000" y="2790360"/>
-            <a:ext cx="8229240" cy="3884760"/>
+            <a:ext cx="8228880" cy="3884400"/>
           </a:xfrm>
           <a:prstGeom prst="rect">
             <a:avLst/>
@@ -11526,7 +9228,7 @@
       </p:grpSpPr>
       <p:pic>
         <p:nvPicPr>
-          <p:cNvPr id="218" name="Picture 10" descr=""/>
+          <p:cNvPr id="171" name="Picture 10" descr=""/>
           <p:cNvPicPr/>
           <p:nvPr/>
         </p:nvPicPr>
@@ -11537,7 +9239,7 @@
         <p:spPr>
           <a:xfrm>
             <a:off x="0" y="0"/>
-            <a:ext cx="12482640" cy="6857640"/>
+            <a:ext cx="12482280" cy="6857280"/>
           </a:xfrm>
           <a:prstGeom prst="rect">
             <a:avLst/>
@@ -11549,14 +9251,14 @@
       </p:pic>
       <p:sp>
         <p:nvSpPr>
-          <p:cNvPr id="219" name="CustomShape 1"/>
+          <p:cNvPr id="172" name="CustomShape 1"/>
           <p:cNvSpPr/>
           <p:nvPr/>
         </p:nvSpPr>
         <p:spPr>
           <a:xfrm>
             <a:off x="339840" y="3293640"/>
-            <a:ext cx="8480880" cy="363960"/>
+            <a:ext cx="8480520" cy="363600"/>
           </a:xfrm>
           <a:prstGeom prst="rect">
             <a:avLst/>
@@ -11602,14 +9304,14 @@
       </p:sp>
       <p:sp>
         <p:nvSpPr>
-          <p:cNvPr id="220" name="CustomShape 2"/>
+          <p:cNvPr id="173" name="CustomShape 2"/>
           <p:cNvSpPr/>
           <p:nvPr/>
         </p:nvSpPr>
         <p:spPr>
           <a:xfrm>
             <a:off x="339840" y="2827080"/>
-            <a:ext cx="8480880" cy="456120"/>
+            <a:ext cx="8480520" cy="455760"/>
           </a:xfrm>
           <a:prstGeom prst="rect">
             <a:avLst/>
@@ -11655,14 +9357,14 @@
       </p:sp>
       <p:sp>
         <p:nvSpPr>
-          <p:cNvPr id="221" name="Line 3"/>
+          <p:cNvPr id="174" name="Line 3"/>
           <p:cNvSpPr/>
           <p:nvPr/>
         </p:nvSpPr>
         <p:spPr>
           <a:xfrm>
             <a:off x="378720" y="3237120"/>
-            <a:ext cx="8056800" cy="0"/>
+            <a:ext cx="8056800" cy="360"/>
           </a:xfrm>
           <a:prstGeom prst="line">
             <a:avLst/>
@@ -11732,14 +9434,14 @@
       </p:grpSpPr>
       <p:sp>
         <p:nvSpPr>
-          <p:cNvPr id="222" name="CustomShape 1"/>
+          <p:cNvPr id="175" name="CustomShape 1"/>
           <p:cNvSpPr/>
           <p:nvPr/>
         </p:nvSpPr>
         <p:spPr>
           <a:xfrm>
             <a:off x="362880" y="212760"/>
-            <a:ext cx="5672160" cy="547200"/>
+            <a:ext cx="5671800" cy="546840"/>
           </a:xfrm>
           <a:prstGeom prst="rect">
             <a:avLst/>
@@ -11781,14 +9483,14 @@
       </p:sp>
       <p:sp>
         <p:nvSpPr>
-          <p:cNvPr id="223" name="CustomShape 2"/>
+          <p:cNvPr id="176" name="CustomShape 2"/>
           <p:cNvSpPr/>
           <p:nvPr/>
         </p:nvSpPr>
         <p:spPr>
           <a:xfrm>
             <a:off x="264960" y="1065600"/>
-            <a:ext cx="8587800" cy="400680"/>
+            <a:ext cx="8587440" cy="400320"/>
           </a:xfrm>
           <a:prstGeom prst="rect">
             <a:avLst/>
@@ -11840,14 +9542,14 @@
       </p:sp>
       <p:sp>
         <p:nvSpPr>
-          <p:cNvPr id="224" name="CustomShape 3"/>
+          <p:cNvPr id="177" name="CustomShape 3"/>
           <p:cNvSpPr/>
           <p:nvPr/>
         </p:nvSpPr>
         <p:spPr>
           <a:xfrm>
             <a:off x="264960" y="1555200"/>
-            <a:ext cx="8587800" cy="501840"/>
+            <a:ext cx="8587440" cy="501480"/>
           </a:xfrm>
           <a:prstGeom prst="rect">
             <a:avLst/>
@@ -11866,7 +9568,7 @@
       </p:sp>
       <p:pic>
         <p:nvPicPr>
-          <p:cNvPr id="225" name="" descr=""/>
+          <p:cNvPr id="178" name="" descr=""/>
           <p:cNvPicPr/>
           <p:nvPr/>
         </p:nvPicPr>
@@ -11877,7 +9579,7 @@
         <p:spPr>
           <a:xfrm>
             <a:off x="1188720" y="1726200"/>
-            <a:ext cx="6217920" cy="4673160"/>
+            <a:ext cx="6217560" cy="4672800"/>
           </a:xfrm>
           <a:prstGeom prst="rect">
             <a:avLst/>
@@ -11938,14 +9640,14 @@
       </p:grpSpPr>
       <p:sp>
         <p:nvSpPr>
-          <p:cNvPr id="226" name="CustomShape 1"/>
+          <p:cNvPr id="179" name="CustomShape 1"/>
           <p:cNvSpPr/>
           <p:nvPr/>
         </p:nvSpPr>
         <p:spPr>
           <a:xfrm>
             <a:off x="362880" y="212760"/>
-            <a:ext cx="5672160" cy="547200"/>
+            <a:ext cx="5671800" cy="546840"/>
           </a:xfrm>
           <a:prstGeom prst="rect">
             <a:avLst/>
@@ -11977,197 +9679,7 @@
                 <a:latin typeface="Garamond"/>
                 <a:ea typeface="Calibri"/>
               </a:rPr>
-              <a:t>T</a:t>
-            </a:r>
-            <a:r>
-              <a:rPr b="1" lang="en-US" sz="3000" spc="-1" strike="noStrike">
-                <a:solidFill>
-                  <a:srgbClr val="000000"/>
-                </a:solidFill>
-                <a:latin typeface="Garamond"/>
-                <a:ea typeface="Calibri"/>
-              </a:rPr>
-              <a:t>h</a:t>
-            </a:r>
-            <a:r>
-              <a:rPr b="1" lang="en-US" sz="3000" spc="-1" strike="noStrike">
-                <a:solidFill>
-                  <a:srgbClr val="000000"/>
-                </a:solidFill>
-                <a:latin typeface="Garamond"/>
-                <a:ea typeface="Calibri"/>
-              </a:rPr>
-              <a:t>e </a:t>
-            </a:r>
-            <a:r>
-              <a:rPr b="1" lang="en-US" sz="3000" spc="-1" strike="noStrike">
-                <a:solidFill>
-                  <a:srgbClr val="000000"/>
-                </a:solidFill>
-                <a:latin typeface="Garamond"/>
-                <a:ea typeface="Calibri"/>
-              </a:rPr>
-              <a:t>D</a:t>
-            </a:r>
-            <a:r>
-              <a:rPr b="1" lang="en-US" sz="3000" spc="-1" strike="noStrike">
-                <a:solidFill>
-                  <a:srgbClr val="000000"/>
-                </a:solidFill>
-                <a:latin typeface="Garamond"/>
-                <a:ea typeface="Calibri"/>
-              </a:rPr>
-              <a:t>a</a:t>
-            </a:r>
-            <a:r>
-              <a:rPr b="1" lang="en-US" sz="3000" spc="-1" strike="noStrike">
-                <a:solidFill>
-                  <a:srgbClr val="000000"/>
-                </a:solidFill>
-                <a:latin typeface="Garamond"/>
-                <a:ea typeface="Calibri"/>
-              </a:rPr>
-              <a:t>t</a:t>
-            </a:r>
-            <a:r>
-              <a:rPr b="1" lang="en-US" sz="3000" spc="-1" strike="noStrike">
-                <a:solidFill>
-                  <a:srgbClr val="000000"/>
-                </a:solidFill>
-                <a:latin typeface="Garamond"/>
-                <a:ea typeface="Calibri"/>
-              </a:rPr>
-              <a:t>a </a:t>
-            </a:r>
-            <a:r>
-              <a:rPr b="1" lang="en-US" sz="3000" spc="-1" strike="noStrike">
-                <a:solidFill>
-                  <a:srgbClr val="000000"/>
-                </a:solidFill>
-                <a:latin typeface="Garamond"/>
-                <a:ea typeface="Calibri"/>
-              </a:rPr>
-              <a:t>S</a:t>
-            </a:r>
-            <a:r>
-              <a:rPr b="1" lang="en-US" sz="3000" spc="-1" strike="noStrike">
-                <a:solidFill>
-                  <a:srgbClr val="000000"/>
-                </a:solidFill>
-                <a:latin typeface="Garamond"/>
-                <a:ea typeface="Calibri"/>
-              </a:rPr>
-              <a:t>ci</a:t>
-            </a:r>
-            <a:r>
-              <a:rPr b="1" lang="en-US" sz="3000" spc="-1" strike="noStrike">
-                <a:solidFill>
-                  <a:srgbClr val="000000"/>
-                </a:solidFill>
-                <a:latin typeface="Garamond"/>
-                <a:ea typeface="Calibri"/>
-              </a:rPr>
-              <a:t>e</a:t>
-            </a:r>
-            <a:r>
-              <a:rPr b="1" lang="en-US" sz="3000" spc="-1" strike="noStrike">
-                <a:solidFill>
-                  <a:srgbClr val="000000"/>
-                </a:solidFill>
-                <a:latin typeface="Garamond"/>
-                <a:ea typeface="Calibri"/>
-              </a:rPr>
-              <a:t>n</a:t>
-            </a:r>
-            <a:r>
-              <a:rPr b="1" lang="en-US" sz="3000" spc="-1" strike="noStrike">
-                <a:solidFill>
-                  <a:srgbClr val="000000"/>
-                </a:solidFill>
-                <a:latin typeface="Garamond"/>
-                <a:ea typeface="Calibri"/>
-              </a:rPr>
-              <a:t>c</a:t>
-            </a:r>
-            <a:r>
-              <a:rPr b="1" lang="en-US" sz="3000" spc="-1" strike="noStrike">
-                <a:solidFill>
-                  <a:srgbClr val="000000"/>
-                </a:solidFill>
-                <a:latin typeface="Garamond"/>
-                <a:ea typeface="Calibri"/>
-              </a:rPr>
-              <a:t>e </a:t>
-            </a:r>
-            <a:r>
-              <a:rPr b="1" lang="en-US" sz="3000" spc="-1" strike="noStrike">
-                <a:solidFill>
-                  <a:srgbClr val="000000"/>
-                </a:solidFill>
-                <a:latin typeface="Garamond"/>
-                <a:ea typeface="Calibri"/>
-              </a:rPr>
-              <a:t>P</a:t>
-            </a:r>
-            <a:r>
-              <a:rPr b="1" lang="en-US" sz="3000" spc="-1" strike="noStrike">
-                <a:solidFill>
-                  <a:srgbClr val="000000"/>
-                </a:solidFill>
-                <a:latin typeface="Garamond"/>
-                <a:ea typeface="Calibri"/>
-              </a:rPr>
-              <a:t>r</a:t>
-            </a:r>
-            <a:r>
-              <a:rPr b="1" lang="en-US" sz="3000" spc="-1" strike="noStrike">
-                <a:solidFill>
-                  <a:srgbClr val="000000"/>
-                </a:solidFill>
-                <a:latin typeface="Garamond"/>
-                <a:ea typeface="Calibri"/>
-              </a:rPr>
-              <a:t>o</a:t>
-            </a:r>
-            <a:r>
-              <a:rPr b="1" lang="en-US" sz="3000" spc="-1" strike="noStrike">
-                <a:solidFill>
-                  <a:srgbClr val="000000"/>
-                </a:solidFill>
-                <a:latin typeface="Garamond"/>
-                <a:ea typeface="Calibri"/>
-              </a:rPr>
-              <a:t>c</a:t>
-            </a:r>
-            <a:r>
-              <a:rPr b="1" lang="en-US" sz="3000" spc="-1" strike="noStrike">
-                <a:solidFill>
-                  <a:srgbClr val="000000"/>
-                </a:solidFill>
-                <a:latin typeface="Garamond"/>
-                <a:ea typeface="Calibri"/>
-              </a:rPr>
-              <a:t>e</a:t>
-            </a:r>
-            <a:r>
-              <a:rPr b="1" lang="en-US" sz="3000" spc="-1" strike="noStrike">
-                <a:solidFill>
-                  <a:srgbClr val="000000"/>
-                </a:solidFill>
-                <a:latin typeface="Garamond"/>
-                <a:ea typeface="Calibri"/>
-              </a:rPr>
-              <a:t>s</a:t>
-            </a:r>
-            <a:r>
-              <a:rPr b="1" lang="en-US" sz="3000" spc="-1" strike="noStrike">
-                <a:solidFill>
-                  <a:srgbClr val="000000"/>
-                </a:solidFill>
-                <a:latin typeface="Garamond"/>
-                <a:ea typeface="Calibri"/>
-              </a:rPr>
-              <a:t>s</a:t>
+              <a:t>The Data Science Process</a:t>
             </a:r>
             <a:endParaRPr b="0" lang="en-US" sz="3000" spc="-1" strike="noStrike">
               <a:latin typeface="Arial"/>
@@ -12177,14 +9689,14 @@
       </p:sp>
       <p:sp>
         <p:nvSpPr>
-          <p:cNvPr id="227" name="CustomShape 2"/>
+          <p:cNvPr id="180" name="CustomShape 2"/>
           <p:cNvSpPr/>
           <p:nvPr/>
         </p:nvSpPr>
         <p:spPr>
           <a:xfrm>
             <a:off x="264960" y="1065600"/>
-            <a:ext cx="8587800" cy="400680"/>
+            <a:ext cx="8587440" cy="400320"/>
           </a:xfrm>
           <a:prstGeom prst="rect">
             <a:avLst/>
@@ -12226,17 +9738,7 @@
                 <a:latin typeface="Garamond"/>
                 <a:ea typeface="Arial"/>
               </a:rPr>
-              <a:t>20% of the </a:t>
-            </a:r>
-            <a:r>
-              <a:rPr b="1" lang="en-US" sz="2000" spc="-1" strike="noStrike">
-                <a:solidFill>
-                  <a:srgbClr val="ffffff"/>
-                </a:solidFill>
-                <a:latin typeface="Garamond"/>
-                <a:ea typeface="Arial"/>
-              </a:rPr>
-              <a:t>work</a:t>
+              <a:t>20% of the work</a:t>
             </a:r>
             <a:endParaRPr b="0" lang="en-US" sz="2000" spc="-1" strike="noStrike">
               <a:latin typeface="Arial"/>
@@ -12246,14 +9748,14 @@
       </p:sp>
       <p:sp>
         <p:nvSpPr>
-          <p:cNvPr id="228" name="CustomShape 3"/>
+          <p:cNvPr id="181" name="CustomShape 3"/>
           <p:cNvSpPr/>
           <p:nvPr/>
         </p:nvSpPr>
         <p:spPr>
           <a:xfrm>
             <a:off x="264960" y="1555200"/>
-            <a:ext cx="8587800" cy="501840"/>
+            <a:ext cx="8587440" cy="501480"/>
           </a:xfrm>
           <a:prstGeom prst="rect">
             <a:avLst/>
@@ -12272,7 +9774,7 @@
       </p:sp>
       <p:pic>
         <p:nvPicPr>
-          <p:cNvPr id="229" name="" descr=""/>
+          <p:cNvPr id="182" name="" descr=""/>
           <p:cNvPicPr/>
           <p:nvPr/>
         </p:nvPicPr>
@@ -12283,7 +9785,7 @@
         <p:spPr>
           <a:xfrm>
             <a:off x="1005840" y="1723680"/>
-            <a:ext cx="7223760" cy="4860000"/>
+            <a:ext cx="7223400" cy="4859640"/>
           </a:xfrm>
           <a:prstGeom prst="rect">
             <a:avLst/>
@@ -12992,227 +10494,4 @@
     </a:fmtScheme>
   </a:themeElements>
 </a:theme>
-</file>
-
-<file path=ppt/theme/theme4.xml><?xml version="1.0" encoding="utf-8"?>
-<a:theme xmlns:a="http://schemas.openxmlformats.org/drawingml/2006/main" name="Office Theme">
-  <a:themeElements>
-    <a:clrScheme name="Office">
-      <a:dk1>
-        <a:sysClr val="windowText" lastClr="000000"/>
-      </a:dk1>
-      <a:lt1>
-        <a:sysClr val="window" lastClr="FFFFFF"/>
-      </a:lt1>
-      <a:dk2>
-        <a:srgbClr val="a7a7a7"/>
-      </a:dk2>
-      <a:lt2>
-        <a:srgbClr val="535353"/>
-      </a:lt2>
-      <a:accent1>
-        <a:srgbClr val="5b9bd5"/>
-      </a:accent1>
-      <a:accent2>
-        <a:srgbClr val="ed7d31"/>
-      </a:accent2>
-      <a:accent3>
-        <a:srgbClr val="a5a5a5"/>
-      </a:accent3>
-      <a:accent4>
-        <a:srgbClr val="ffc000"/>
-      </a:accent4>
-      <a:accent5>
-        <a:srgbClr val="4472c4"/>
-      </a:accent5>
-      <a:accent6>
-        <a:srgbClr val="70ad47"/>
-      </a:accent6>
-      <a:hlink>
-        <a:srgbClr val="0000ff"/>
-      </a:hlink>
-      <a:folHlink>
-        <a:srgbClr val="ff00ff"/>
-      </a:folHlink>
-    </a:clrScheme>
-    <a:fontScheme name="Office">
-      <a:majorFont>
-        <a:latin typeface="Arial"/>
-        <a:ea typeface="DejaVu Sans"/>
-        <a:cs typeface="DejaVu Sans"/>
-      </a:majorFont>
-      <a:minorFont>
-        <a:latin typeface="Arial"/>
-        <a:ea typeface="DejaVu Sans"/>
-        <a:cs typeface="DejaVu Sans"/>
-      </a:minorFont>
-    </a:fontScheme>
-    <a:fmtScheme name="Office">
-      <a:fillStyleLst>
-        <a:solidFill>
-          <a:schemeClr val="phClr"/>
-        </a:solidFill>
-        <a:gradFill rotWithShape="1">
-          <a:gsLst>
-            <a:gs pos="0">
-              <a:schemeClr val="phClr">
-                <a:tint val="50000"/>
-                <a:satMod val="300000"/>
-              </a:schemeClr>
-            </a:gs>
-            <a:gs pos="35000">
-              <a:schemeClr val="phClr">
-                <a:tint val="37000"/>
-                <a:satMod val="300000"/>
-              </a:schemeClr>
-            </a:gs>
-            <a:gs pos="100000">
-              <a:schemeClr val="phClr">
-                <a:tint val="15000"/>
-                <a:satMod val="350000"/>
-              </a:schemeClr>
-            </a:gs>
-          </a:gsLst>
-          <a:lin ang="16200000" scaled="1"/>
-        </a:gradFill>
-        <a:gradFill rotWithShape="1">
-          <a:gsLst>
-            <a:gs pos="0">
-              <a:schemeClr val="phClr">
-                <a:shade val="51000"/>
-                <a:satMod val="130000"/>
-              </a:schemeClr>
-            </a:gs>
-            <a:gs pos="80000">
-              <a:schemeClr val="phClr">
-                <a:shade val="93000"/>
-                <a:satMod val="130000"/>
-              </a:schemeClr>
-            </a:gs>
-            <a:gs pos="100000">
-              <a:schemeClr val="phClr">
-                <a:shade val="94000"/>
-                <a:satMod val="135000"/>
-              </a:schemeClr>
-            </a:gs>
-          </a:gsLst>
-          <a:lin ang="16200000" scaled="0"/>
-        </a:gradFill>
-      </a:fillStyleLst>
-      <a:lnStyleLst>
-        <a:ln w="9525" cap="flat" cmpd="sng" algn="ctr">
-          <a:solidFill>
-            <a:schemeClr val="phClr">
-              <a:shade val="95000"/>
-              <a:satMod val="105000"/>
-            </a:schemeClr>
-          </a:solidFill>
-          <a:prstDash val="solid"/>
-        </a:ln>
-        <a:ln w="25400" cap="flat" cmpd="sng" algn="ctr">
-          <a:solidFill>
-            <a:schemeClr val="phClr"/>
-          </a:solidFill>
-          <a:prstDash val="solid"/>
-        </a:ln>
-        <a:ln w="38100" cap="flat" cmpd="sng" algn="ctr">
-          <a:solidFill>
-            <a:schemeClr val="phClr"/>
-          </a:solidFill>
-          <a:prstDash val="solid"/>
-        </a:ln>
-      </a:lnStyleLst>
-      <a:effectStyleLst>
-        <a:effectStyle>
-          <a:effectLst>
-            <a:outerShdw blurRad="40000" dist="20000" dir="5400000" rotWithShape="0">
-              <a:srgbClr val="000000">
-                <a:alpha val="38000"/>
-              </a:srgbClr>
-            </a:outerShdw>
-          </a:effectLst>
-        </a:effectStyle>
-        <a:effectStyle>
-          <a:effectLst>
-            <a:outerShdw blurRad="40000" dist="23000" dir="5400000" rotWithShape="0">
-              <a:srgbClr val="000000">
-                <a:alpha val="35000"/>
-              </a:srgbClr>
-            </a:outerShdw>
-          </a:effectLst>
-        </a:effectStyle>
-        <a:effectStyle>
-          <a:effectLst>
-            <a:outerShdw blurRad="40000" dist="23000" dir="5400000" rotWithShape="0">
-              <a:srgbClr val="000000">
-                <a:alpha val="35000"/>
-              </a:srgbClr>
-            </a:outerShdw>
-          </a:effectLst>
-          <a:scene3d>
-            <a:camera prst="orthographicFront">
-              <a:rot lat="0" lon="0" rev="0"/>
-            </a:camera>
-            <a:lightRig rig="threePt" dir="t">
-              <a:rot lat="0" lon="0" rev="1200000"/>
-            </a:lightRig>
-          </a:scene3d>
-          <a:sp3d>
-            <a:bevelT w="63500" h="25400"/>
-          </a:sp3d>
-        </a:effectStyle>
-      </a:effectStyleLst>
-      <a:bgFillStyleLst>
-        <a:solidFill>
-          <a:schemeClr val="phClr"/>
-        </a:solidFill>
-        <a:gradFill rotWithShape="1">
-          <a:gsLst>
-            <a:gs pos="0">
-              <a:schemeClr val="phClr">
-                <a:tint val="40000"/>
-                <a:satMod val="350000"/>
-              </a:schemeClr>
-            </a:gs>
-            <a:gs pos="40000">
-              <a:schemeClr val="phClr">
-                <a:tint val="45000"/>
-                <a:shade val="99000"/>
-                <a:satMod val="350000"/>
-              </a:schemeClr>
-            </a:gs>
-            <a:gs pos="100000">
-              <a:schemeClr val="phClr">
-                <a:shade val="20000"/>
-                <a:satMod val="255000"/>
-              </a:schemeClr>
-            </a:gs>
-          </a:gsLst>
-          <a:path path="circle">
-            <a:fillToRect l="50000" t="-80000" r="50000" b="180000"/>
-          </a:path>
-        </a:gradFill>
-        <a:gradFill rotWithShape="1">
-          <a:gsLst>
-            <a:gs pos="0">
-              <a:schemeClr val="phClr">
-                <a:tint val="80000"/>
-                <a:satMod val="300000"/>
-              </a:schemeClr>
-            </a:gs>
-            <a:gs pos="100000">
-              <a:schemeClr val="phClr">
-                <a:shade val="30000"/>
-                <a:satMod val="200000"/>
-              </a:schemeClr>
-            </a:gs>
-          </a:gsLst>
-          <a:path path="circle">
-            <a:fillToRect l="50000" t="50000" r="50000" b="50000"/>
-          </a:path>
-        </a:gradFill>
-      </a:bgFillStyleLst>
-    </a:fmtScheme>
-  </a:themeElements>
-</a:theme>
 </file>